--- a/PropertiesFile-CRUD.pptx
+++ b/PropertiesFile-CRUD.pptx
@@ -6,14 +6,19 @@
   </p:sldMasterIdLst>
   <p:sldIdLst>
     <p:sldId id="256" r:id="rId2"/>
-    <p:sldId id="257" r:id="rId3"/>
-    <p:sldId id="258" r:id="rId4"/>
-    <p:sldId id="260" r:id="rId5"/>
-    <p:sldId id="261" r:id="rId6"/>
-    <p:sldId id="262" r:id="rId7"/>
-    <p:sldId id="259" r:id="rId8"/>
-    <p:sldId id="263" r:id="rId9"/>
-    <p:sldId id="264" r:id="rId10"/>
+    <p:sldId id="267" r:id="rId3"/>
+    <p:sldId id="266" r:id="rId4"/>
+    <p:sldId id="269" r:id="rId5"/>
+    <p:sldId id="257" r:id="rId6"/>
+    <p:sldId id="258" r:id="rId7"/>
+    <p:sldId id="271" r:id="rId8"/>
+    <p:sldId id="273" r:id="rId9"/>
+    <p:sldId id="260" r:id="rId10"/>
+    <p:sldId id="261" r:id="rId11"/>
+    <p:sldId id="262" r:id="rId12"/>
+    <p:sldId id="259" r:id="rId13"/>
+    <p:sldId id="263" r:id="rId14"/>
+    <p:sldId id="264" r:id="rId15"/>
   </p:sldIdLst>
   <p:sldSz cx="12192000" cy="6858000"/>
   <p:notesSz cx="6858000" cy="9144000"/>
@@ -112,6 +117,11 @@
       </a:defRPr>
     </a:lvl9pPr>
   </p:defaultTextStyle>
+  <p:extLst>
+    <p:ext uri="{EFAFB233-063F-42B5-8137-9DF3F51BA10A}">
+      <p15:sldGuideLst xmlns:p15="http://schemas.microsoft.com/office/powerpoint/2012/main"/>
+    </p:ext>
+  </p:extLst>
 </p:presentation>
 </file>
 
@@ -161,7 +171,7 @@
           </a:lstStyle>
           <a:p>
             <a:r>
-              <a:rPr lang="en-US" smtClean="0"/>
+              <a:rPr lang="en-US"/>
               <a:t>Click to edit Master title style</a:t>
             </a:r>
             <a:endParaRPr lang="en-US" dirty="0"/>
@@ -282,7 +292,7 @@
           </a:lstStyle>
           <a:p>
             <a:r>
-              <a:rPr lang="en-US" smtClean="0"/>
+              <a:rPr lang="en-US"/>
               <a:t>Click to edit Master subtitle style</a:t>
             </a:r>
             <a:endParaRPr lang="en-US" dirty="0"/>
@@ -575,7 +585,7 @@
           <a:lstStyle/>
           <a:p>
             <a:r>
-              <a:rPr lang="en-US" smtClean="0"/>
+              <a:rPr lang="en-US"/>
               <a:t>Click to edit Master title style</a:t>
             </a:r>
             <a:endParaRPr lang="en-US" dirty="0"/>
@@ -662,7 +672,7 @@
           </a:lstStyle>
           <a:p>
             <a:r>
-              <a:rPr lang="en-US" smtClean="0"/>
+              <a:rPr lang="en-US"/>
               <a:t>Click icon to add picture</a:t>
             </a:r>
             <a:endParaRPr lang="en-US" dirty="0"/>
@@ -719,7 +729,7 @@
           <a:p>
             <a:pPr lvl="0"/>
             <a:r>
-              <a:rPr lang="en-US" smtClean="0"/>
+              <a:rPr lang="en-US"/>
               <a:t>Click to edit Master text styles</a:t>
             </a:r>
           </a:p>
@@ -847,7 +857,7 @@
           </a:lstStyle>
           <a:p>
             <a:r>
-              <a:rPr lang="en-US" smtClean="0"/>
+              <a:rPr lang="en-US"/>
               <a:t>Click to edit Master title style</a:t>
             </a:r>
             <a:endParaRPr lang="en-US" dirty="0"/>
@@ -969,7 +979,7 @@
           <a:p>
             <a:pPr lvl="0"/>
             <a:r>
-              <a:rPr lang="en-US" smtClean="0"/>
+              <a:rPr lang="en-US"/>
               <a:t>Click to edit Master text styles</a:t>
             </a:r>
           </a:p>
@@ -1101,7 +1111,7 @@
           </a:lstStyle>
           <a:p>
             <a:r>
-              <a:rPr lang="en-US" smtClean="0"/>
+              <a:rPr lang="en-US"/>
               <a:t>Click to edit Master title style</a:t>
             </a:r>
             <a:endParaRPr lang="en-US" dirty="0"/>
@@ -1156,7 +1166,7 @@
           <a:p>
             <a:pPr lvl="0"/>
             <a:r>
-              <a:rPr lang="en-US" smtClean="0"/>
+              <a:rPr lang="en-US"/>
               <a:t>Click to edit Master text styles</a:t>
             </a:r>
           </a:p>
@@ -1277,7 +1287,7 @@
           <a:p>
             <a:pPr lvl="0"/>
             <a:r>
-              <a:rPr lang="en-US" smtClean="0"/>
+              <a:rPr lang="en-US"/>
               <a:t>Click to edit Master text styles</a:t>
             </a:r>
           </a:p>
@@ -1473,7 +1483,7 @@
           </a:lstStyle>
           <a:p>
             <a:r>
-              <a:rPr lang="en-US" smtClean="0"/>
+              <a:rPr lang="en-US"/>
               <a:t>Click to edit Master title style</a:t>
             </a:r>
             <a:endParaRPr lang="en-US" dirty="0"/>
@@ -1595,7 +1605,7 @@
           <a:p>
             <a:pPr lvl="0"/>
             <a:r>
-              <a:rPr lang="en-US" smtClean="0"/>
+              <a:rPr lang="en-US"/>
               <a:t>Click to edit Master text styles</a:t>
             </a:r>
           </a:p>
@@ -1727,7 +1737,7 @@
           </a:lstStyle>
           <a:p>
             <a:r>
-              <a:rPr lang="en-US" smtClean="0"/>
+              <a:rPr lang="en-US"/>
               <a:t>Click to edit Master title style</a:t>
             </a:r>
             <a:endParaRPr lang="en-US" dirty="0"/>
@@ -1776,7 +1786,7 @@
               <a:buNone/>
             </a:pPr>
             <a:r>
-              <a:rPr lang="en-US" smtClean="0"/>
+              <a:rPr lang="en-US"/>
               <a:t>Click to edit Master text styles</a:t>
             </a:r>
           </a:p>
@@ -1897,7 +1907,7 @@
           <a:p>
             <a:pPr lvl="0"/>
             <a:r>
-              <a:rPr lang="en-US" smtClean="0"/>
+              <a:rPr lang="en-US"/>
               <a:t>Click to edit Master text styles</a:t>
             </a:r>
           </a:p>
@@ -2094,7 +2104,7 @@
           <a:p>
             <a:pPr marL="0" lvl="0"/>
             <a:r>
-              <a:rPr lang="en-US" smtClean="0"/>
+              <a:rPr lang="en-US"/>
               <a:t>Click to edit Master title style</a:t>
             </a:r>
             <a:endParaRPr lang="en-US" dirty="0"/>
@@ -2143,7 +2153,7 @@
               <a:buNone/>
             </a:pPr>
             <a:r>
-              <a:rPr lang="en-US" smtClean="0"/>
+              <a:rPr lang="en-US"/>
               <a:t>Click to edit Master text styles</a:t>
             </a:r>
           </a:p>
@@ -2264,7 +2274,7 @@
           <a:p>
             <a:pPr lvl="0"/>
             <a:r>
-              <a:rPr lang="en-US" smtClean="0"/>
+              <a:rPr lang="en-US"/>
               <a:t>Click to edit Master text styles</a:t>
             </a:r>
           </a:p>
@@ -2385,7 +2395,7 @@
           </a:lstStyle>
           <a:p>
             <a:r>
-              <a:rPr lang="en-US" smtClean="0"/>
+              <a:rPr lang="en-US"/>
               <a:t>Click to edit Master title style</a:t>
             </a:r>
             <a:endParaRPr lang="en-US" dirty="0"/>
@@ -2409,35 +2419,35 @@
           <a:p>
             <a:pPr lvl="0"/>
             <a:r>
-              <a:rPr lang="en-US" smtClean="0"/>
+              <a:rPr lang="en-US"/>
               <a:t>Click to edit Master text styles</a:t>
             </a:r>
           </a:p>
           <a:p>
             <a:pPr lvl="1"/>
             <a:r>
-              <a:rPr lang="en-US" smtClean="0"/>
+              <a:rPr lang="en-US"/>
               <a:t>Second level</a:t>
             </a:r>
           </a:p>
           <a:p>
             <a:pPr lvl="2"/>
             <a:r>
-              <a:rPr lang="en-US" smtClean="0"/>
+              <a:rPr lang="en-US"/>
               <a:t>Third level</a:t>
             </a:r>
           </a:p>
           <a:p>
             <a:pPr lvl="3"/>
             <a:r>
-              <a:rPr lang="en-US" smtClean="0"/>
+              <a:rPr lang="en-US"/>
               <a:t>Fourth level</a:t>
             </a:r>
           </a:p>
           <a:p>
             <a:pPr lvl="4"/>
             <a:r>
-              <a:rPr lang="en-US" smtClean="0"/>
+              <a:rPr lang="en-US"/>
               <a:t>Fifth level</a:t>
             </a:r>
             <a:endParaRPr lang="en-US" dirty="0"/>
@@ -2560,7 +2570,7 @@
           <a:lstStyle/>
           <a:p>
             <a:r>
-              <a:rPr lang="en-US" smtClean="0"/>
+              <a:rPr lang="en-US"/>
               <a:t>Click to edit Master title style</a:t>
             </a:r>
             <a:endParaRPr lang="en-US" dirty="0"/>
@@ -2589,35 +2599,35 @@
           <a:p>
             <a:pPr lvl="0"/>
             <a:r>
-              <a:rPr lang="en-US" smtClean="0"/>
+              <a:rPr lang="en-US"/>
               <a:t>Click to edit Master text styles</a:t>
             </a:r>
           </a:p>
           <a:p>
             <a:pPr lvl="1"/>
             <a:r>
-              <a:rPr lang="en-US" smtClean="0"/>
+              <a:rPr lang="en-US"/>
               <a:t>Second level</a:t>
             </a:r>
           </a:p>
           <a:p>
             <a:pPr lvl="2"/>
             <a:r>
-              <a:rPr lang="en-US" smtClean="0"/>
+              <a:rPr lang="en-US"/>
               <a:t>Third level</a:t>
             </a:r>
           </a:p>
           <a:p>
             <a:pPr lvl="3"/>
             <a:r>
-              <a:rPr lang="en-US" smtClean="0"/>
+              <a:rPr lang="en-US"/>
               <a:t>Fourth level</a:t>
             </a:r>
           </a:p>
           <a:p>
             <a:pPr lvl="4"/>
             <a:r>
-              <a:rPr lang="en-US" smtClean="0"/>
+              <a:rPr lang="en-US"/>
               <a:t>Fifth level</a:t>
             </a:r>
             <a:endParaRPr lang="en-US" dirty="0"/>
@@ -2735,7 +2745,7 @@
           <a:lstStyle/>
           <a:p>
             <a:r>
-              <a:rPr lang="en-US" smtClean="0"/>
+              <a:rPr lang="en-US"/>
               <a:t>Click to edit Master title style</a:t>
             </a:r>
             <a:endParaRPr lang="en-US" dirty="0"/>
@@ -2759,35 +2769,35 @@
           <a:p>
             <a:pPr lvl="0"/>
             <a:r>
-              <a:rPr lang="en-US" smtClean="0"/>
+              <a:rPr lang="en-US"/>
               <a:t>Click to edit Master text styles</a:t>
             </a:r>
           </a:p>
           <a:p>
             <a:pPr lvl="1"/>
             <a:r>
-              <a:rPr lang="en-US" smtClean="0"/>
+              <a:rPr lang="en-US"/>
               <a:t>Second level</a:t>
             </a:r>
           </a:p>
           <a:p>
             <a:pPr lvl="2"/>
             <a:r>
-              <a:rPr lang="en-US" smtClean="0"/>
+              <a:rPr lang="en-US"/>
               <a:t>Third level</a:t>
             </a:r>
           </a:p>
           <a:p>
             <a:pPr lvl="3"/>
             <a:r>
-              <a:rPr lang="en-US" smtClean="0"/>
+              <a:rPr lang="en-US"/>
               <a:t>Fourth level</a:t>
             </a:r>
           </a:p>
           <a:p>
             <a:pPr lvl="4"/>
             <a:r>
-              <a:rPr lang="en-US" smtClean="0"/>
+              <a:rPr lang="en-US"/>
               <a:t>Fifth level</a:t>
             </a:r>
             <a:endParaRPr lang="en-US" dirty="0"/>
@@ -2916,7 +2926,7 @@
           </a:lstStyle>
           <a:p>
             <a:r>
-              <a:rPr lang="en-US" smtClean="0"/>
+              <a:rPr lang="en-US"/>
               <a:t>Click to edit Master title style</a:t>
             </a:r>
             <a:endParaRPr lang="en-US" dirty="0"/>
@@ -3038,7 +3048,7 @@
           <a:p>
             <a:pPr lvl="0"/>
             <a:r>
-              <a:rPr lang="en-US" smtClean="0"/>
+              <a:rPr lang="en-US"/>
               <a:t>Click to edit Master text styles</a:t>
             </a:r>
           </a:p>
@@ -3155,7 +3165,7 @@
           <a:lstStyle/>
           <a:p>
             <a:r>
-              <a:rPr lang="en-US" smtClean="0"/>
+              <a:rPr lang="en-US"/>
               <a:t>Click to edit Master title style</a:t>
             </a:r>
             <a:endParaRPr lang="en-US" dirty="0"/>
@@ -3186,35 +3196,35 @@
           <a:p>
             <a:pPr lvl="0"/>
             <a:r>
-              <a:rPr lang="en-US" smtClean="0"/>
+              <a:rPr lang="en-US"/>
               <a:t>Click to edit Master text styles</a:t>
             </a:r>
           </a:p>
           <a:p>
             <a:pPr lvl="1"/>
             <a:r>
-              <a:rPr lang="en-US" smtClean="0"/>
+              <a:rPr lang="en-US"/>
               <a:t>Second level</a:t>
             </a:r>
           </a:p>
           <a:p>
             <a:pPr lvl="2"/>
             <a:r>
-              <a:rPr lang="en-US" smtClean="0"/>
+              <a:rPr lang="en-US"/>
               <a:t>Third level</a:t>
             </a:r>
           </a:p>
           <a:p>
             <a:pPr lvl="3"/>
             <a:r>
-              <a:rPr lang="en-US" smtClean="0"/>
+              <a:rPr lang="en-US"/>
               <a:t>Fourth level</a:t>
             </a:r>
           </a:p>
           <a:p>
             <a:pPr lvl="4"/>
             <a:r>
-              <a:rPr lang="en-US" smtClean="0"/>
+              <a:rPr lang="en-US"/>
               <a:t>Fifth level</a:t>
             </a:r>
             <a:endParaRPr lang="en-US" dirty="0"/>
@@ -3245,35 +3255,35 @@
           <a:p>
             <a:pPr lvl="0"/>
             <a:r>
-              <a:rPr lang="en-US" smtClean="0"/>
+              <a:rPr lang="en-US"/>
               <a:t>Click to edit Master text styles</a:t>
             </a:r>
           </a:p>
           <a:p>
             <a:pPr lvl="1"/>
             <a:r>
-              <a:rPr lang="en-US" smtClean="0"/>
+              <a:rPr lang="en-US"/>
               <a:t>Second level</a:t>
             </a:r>
           </a:p>
           <a:p>
             <a:pPr lvl="2"/>
             <a:r>
-              <a:rPr lang="en-US" smtClean="0"/>
+              <a:rPr lang="en-US"/>
               <a:t>Third level</a:t>
             </a:r>
           </a:p>
           <a:p>
             <a:pPr lvl="3"/>
             <a:r>
-              <a:rPr lang="en-US" smtClean="0"/>
+              <a:rPr lang="en-US"/>
               <a:t>Fourth level</a:t>
             </a:r>
           </a:p>
           <a:p>
             <a:pPr lvl="4"/>
             <a:r>
-              <a:rPr lang="en-US" smtClean="0"/>
+              <a:rPr lang="en-US"/>
               <a:t>Fifth level</a:t>
             </a:r>
             <a:endParaRPr lang="en-US" dirty="0"/>
@@ -3395,7 +3405,7 @@
           </a:lstStyle>
           <a:p>
             <a:r>
-              <a:rPr lang="en-US" smtClean="0"/>
+              <a:rPr lang="en-US"/>
               <a:t>Click to edit Master title style</a:t>
             </a:r>
             <a:endParaRPr lang="en-US" dirty="0"/>
@@ -3467,7 +3477,7 @@
           <a:p>
             <a:pPr lvl="0"/>
             <a:r>
-              <a:rPr lang="en-US" smtClean="0"/>
+              <a:rPr lang="en-US"/>
               <a:t>Click to edit Master text styles</a:t>
             </a:r>
           </a:p>
@@ -3497,35 +3507,35 @@
           <a:p>
             <a:pPr lvl="0"/>
             <a:r>
-              <a:rPr lang="en-US" smtClean="0"/>
+              <a:rPr lang="en-US"/>
               <a:t>Click to edit Master text styles</a:t>
             </a:r>
           </a:p>
           <a:p>
             <a:pPr lvl="1"/>
             <a:r>
-              <a:rPr lang="en-US" smtClean="0"/>
+              <a:rPr lang="en-US"/>
               <a:t>Second level</a:t>
             </a:r>
           </a:p>
           <a:p>
             <a:pPr lvl="2"/>
             <a:r>
-              <a:rPr lang="en-US" smtClean="0"/>
+              <a:rPr lang="en-US"/>
               <a:t>Third level</a:t>
             </a:r>
           </a:p>
           <a:p>
             <a:pPr lvl="3"/>
             <a:r>
-              <a:rPr lang="en-US" smtClean="0"/>
+              <a:rPr lang="en-US"/>
               <a:t>Fourth level</a:t>
             </a:r>
           </a:p>
           <a:p>
             <a:pPr lvl="4"/>
             <a:r>
-              <a:rPr lang="en-US" smtClean="0"/>
+              <a:rPr lang="en-US"/>
               <a:t>Fifth level</a:t>
             </a:r>
             <a:endParaRPr lang="en-US" dirty="0"/>
@@ -3597,7 +3607,7 @@
           <a:p>
             <a:pPr lvl="0"/>
             <a:r>
-              <a:rPr lang="en-US" smtClean="0"/>
+              <a:rPr lang="en-US"/>
               <a:t>Click to edit Master text styles</a:t>
             </a:r>
           </a:p>
@@ -3627,35 +3637,35 @@
           <a:p>
             <a:pPr lvl="0"/>
             <a:r>
-              <a:rPr lang="en-US" smtClean="0"/>
+              <a:rPr lang="en-US"/>
               <a:t>Click to edit Master text styles</a:t>
             </a:r>
           </a:p>
           <a:p>
             <a:pPr lvl="1"/>
             <a:r>
-              <a:rPr lang="en-US" smtClean="0"/>
+              <a:rPr lang="en-US"/>
               <a:t>Second level</a:t>
             </a:r>
           </a:p>
           <a:p>
             <a:pPr lvl="2"/>
             <a:r>
-              <a:rPr lang="en-US" smtClean="0"/>
+              <a:rPr lang="en-US"/>
               <a:t>Third level</a:t>
             </a:r>
           </a:p>
           <a:p>
             <a:pPr lvl="3"/>
             <a:r>
-              <a:rPr lang="en-US" smtClean="0"/>
+              <a:rPr lang="en-US"/>
               <a:t>Fourth level</a:t>
             </a:r>
           </a:p>
           <a:p>
             <a:pPr lvl="4"/>
             <a:r>
-              <a:rPr lang="en-US" smtClean="0"/>
+              <a:rPr lang="en-US"/>
               <a:t>Fifth level</a:t>
             </a:r>
             <a:endParaRPr lang="en-US" dirty="0"/>
@@ -3773,7 +3783,7 @@
           <a:lstStyle/>
           <a:p>
             <a:r>
-              <a:rPr lang="en-US" smtClean="0"/>
+              <a:rPr lang="en-US"/>
               <a:t>Click to edit Master title style</a:t>
             </a:r>
             <a:endParaRPr lang="en-US" dirty="0"/>
@@ -3997,7 +4007,7 @@
           </a:lstStyle>
           <a:p>
             <a:r>
-              <a:rPr lang="en-US" smtClean="0"/>
+              <a:rPr lang="en-US"/>
               <a:t>Click to edit Master title style</a:t>
             </a:r>
             <a:endParaRPr lang="en-US" dirty="0"/>
@@ -4028,35 +4038,35 @@
           <a:p>
             <a:pPr lvl="0"/>
             <a:r>
-              <a:rPr lang="en-US" smtClean="0"/>
+              <a:rPr lang="en-US"/>
               <a:t>Click to edit Master text styles</a:t>
             </a:r>
           </a:p>
           <a:p>
             <a:pPr lvl="1"/>
             <a:r>
-              <a:rPr lang="en-US" smtClean="0"/>
+              <a:rPr lang="en-US"/>
               <a:t>Second level</a:t>
             </a:r>
           </a:p>
           <a:p>
             <a:pPr lvl="2"/>
             <a:r>
-              <a:rPr lang="en-US" smtClean="0"/>
+              <a:rPr lang="en-US"/>
               <a:t>Third level</a:t>
             </a:r>
           </a:p>
           <a:p>
             <a:pPr lvl="3"/>
             <a:r>
-              <a:rPr lang="en-US" smtClean="0"/>
+              <a:rPr lang="en-US"/>
               <a:t>Fourth level</a:t>
             </a:r>
           </a:p>
           <a:p>
             <a:pPr lvl="4"/>
             <a:r>
-              <a:rPr lang="en-US" smtClean="0"/>
+              <a:rPr lang="en-US"/>
               <a:t>Fifth level</a:t>
             </a:r>
             <a:endParaRPr lang="en-US" dirty="0"/>
@@ -4124,7 +4134,7 @@
           <a:p>
             <a:pPr lvl="0"/>
             <a:r>
-              <a:rPr lang="en-US" smtClean="0"/>
+              <a:rPr lang="en-US"/>
               <a:t>Click to edit Master text styles</a:t>
             </a:r>
           </a:p>
@@ -4252,7 +4262,7 @@
           </a:lstStyle>
           <a:p>
             <a:r>
-              <a:rPr lang="en-US" smtClean="0"/>
+              <a:rPr lang="en-US"/>
               <a:t>Click to edit Master title style</a:t>
             </a:r>
             <a:endParaRPr lang="en-US" dirty="0"/>
@@ -4339,7 +4349,7 @@
           </a:lstStyle>
           <a:p>
             <a:r>
-              <a:rPr lang="en-US" smtClean="0"/>
+              <a:rPr lang="en-US"/>
               <a:t>Click icon to add picture</a:t>
             </a:r>
             <a:endParaRPr lang="en-US" dirty="0"/>
@@ -4407,7 +4417,7 @@
           <a:p>
             <a:pPr lvl="0"/>
             <a:r>
-              <a:rPr lang="en-US" smtClean="0"/>
+              <a:rPr lang="en-US"/>
               <a:t>Click to edit Master text styles</a:t>
             </a:r>
           </a:p>
@@ -4730,7 +4740,7 @@
           <a:lstStyle/>
           <a:p>
             <a:r>
-              <a:rPr lang="en-US" smtClean="0"/>
+              <a:rPr lang="en-US"/>
               <a:t>Click to edit Master title style</a:t>
             </a:r>
             <a:endParaRPr lang="en-US" dirty="0"/>
@@ -4764,35 +4774,35 @@
           <a:p>
             <a:pPr lvl="0"/>
             <a:r>
-              <a:rPr lang="en-US" smtClean="0"/>
+              <a:rPr lang="en-US"/>
               <a:t>Click to edit Master text styles</a:t>
             </a:r>
           </a:p>
           <a:p>
             <a:pPr lvl="1"/>
             <a:r>
-              <a:rPr lang="en-US" smtClean="0"/>
+              <a:rPr lang="en-US"/>
               <a:t>Second level</a:t>
             </a:r>
           </a:p>
           <a:p>
             <a:pPr lvl="2"/>
             <a:r>
-              <a:rPr lang="en-US" smtClean="0"/>
+              <a:rPr lang="en-US"/>
               <a:t>Third level</a:t>
             </a:r>
           </a:p>
           <a:p>
             <a:pPr lvl="3"/>
             <a:r>
-              <a:rPr lang="en-US" smtClean="0"/>
+              <a:rPr lang="en-US"/>
               <a:t>Fourth level</a:t>
             </a:r>
           </a:p>
           <a:p>
             <a:pPr lvl="4"/>
             <a:r>
-              <a:rPr lang="en-US" smtClean="0"/>
+              <a:rPr lang="en-US"/>
               <a:t>Fifth level</a:t>
             </a:r>
             <a:endParaRPr lang="en-US" dirty="0"/>
@@ -5388,37 +5398,32 @@
           <a:p>
             <a:r>
               <a:rPr lang="en-US" dirty="0"/>
-              <a:t>P</a:t>
-            </a:r>
-            <a:r>
-              <a:rPr lang="en-US" dirty="0" smtClean="0"/>
-              <a:t>roperties </a:t>
-            </a:r>
-            <a:r>
-              <a:rPr lang="bg-BG" dirty="0" smtClean="0"/>
+              <a:t>Properties </a:t>
+            </a:r>
+            <a:r>
+              <a:rPr lang="bg-BG" dirty="0"/>
               <a:t>файл</a:t>
             </a:r>
             <a:r>
-              <a:rPr lang="en-US" dirty="0" smtClean="0"/>
+              <a:rPr lang="en-US" dirty="0"/>
               <a:t> </a:t>
             </a:r>
             <a:r>
-              <a:rPr lang="bg-BG" dirty="0" smtClean="0"/>
+              <a:rPr lang="bg-BG" dirty="0"/>
               <a:t>и </a:t>
             </a:r>
             <a:r>
-              <a:rPr lang="en-US" dirty="0" smtClean="0"/>
+              <a:rPr lang="en-US" dirty="0"/>
               <a:t>CRUD </a:t>
             </a:r>
             <a:r>
-              <a:rPr lang="bg-BG" dirty="0" smtClean="0"/>
+              <a:rPr lang="bg-BG" dirty="0"/>
               <a:t>операции със </a:t>
             </a:r>
             <a:r>
-              <a:rPr lang="en-US" dirty="0" smtClean="0"/>
+              <a:rPr lang="en-US" dirty="0"/>
               <a:t>Spring JPA</a:t>
             </a:r>
-            <a:endParaRPr lang="en-US" dirty="0"/>
           </a:p>
         </p:txBody>
       </p:sp>
@@ -5438,13 +5443,13 @@
           <a:lstStyle/>
           <a:p>
             <a:r>
-              <a:rPr lang="bg-BG" dirty="0" smtClean="0"/>
+              <a:rPr lang="bg-BG" dirty="0"/>
               <a:t>Симеон Симеонов</a:t>
             </a:r>
           </a:p>
           <a:p>
             <a:r>
-              <a:rPr lang="bg-BG" dirty="0" smtClean="0"/>
+              <a:rPr lang="bg-BG" dirty="0"/>
               <a:t>Филип Даков</a:t>
             </a:r>
             <a:endParaRPr lang="en-US" dirty="0"/>
@@ -5461,13 +5466,1503 @@
   <p:clrMapOvr>
     <a:masterClrMapping/>
   </p:clrMapOvr>
-  <p:timing>
-    <p:tnLst>
-      <p:par>
-        <p:cTn id="1" dur="indefinite" restart="never" nodeType="tmRoot"/>
-      </p:par>
-    </p:tnLst>
-  </p:timing>
+</p:sld>
+</file>
+
+<file path=ppt/slides/slide10.xml><?xml version="1.0" encoding="utf-8"?>
+<p:sld xmlns:a="http://schemas.openxmlformats.org/drawingml/2006/main" xmlns:r="http://schemas.openxmlformats.org/officeDocument/2006/relationships" xmlns:p="http://schemas.openxmlformats.org/presentationml/2006/main">
+  <p:cSld>
+    <p:spTree>
+      <p:nvGrpSpPr>
+        <p:cNvPr id="1" name=""/>
+        <p:cNvGrpSpPr/>
+        <p:nvPr/>
+      </p:nvGrpSpPr>
+      <p:grpSpPr>
+        <a:xfrm>
+          <a:off x="0" y="0"/>
+          <a:ext cx="0" cy="0"/>
+          <a:chOff x="0" y="0"/>
+          <a:chExt cx="0" cy="0"/>
+        </a:xfrm>
+      </p:grpSpPr>
+      <p:sp>
+        <p:nvSpPr>
+          <p:cNvPr id="2" name="Title 1"/>
+          <p:cNvSpPr>
+            <a:spLocks noGrp="1"/>
+          </p:cNvSpPr>
+          <p:nvPr>
+            <p:ph type="title"/>
+          </p:nvPr>
+        </p:nvSpPr>
+        <p:spPr>
+          <a:xfrm>
+            <a:off x="1469303" y="238605"/>
+            <a:ext cx="8534400" cy="1507067"/>
+          </a:xfrm>
+        </p:spPr>
+        <p:txBody>
+          <a:bodyPr/>
+          <a:lstStyle/>
+          <a:p>
+            <a:pPr algn="ctr"/>
+            <a:r>
+              <a:rPr lang="bg-BG" b="1" dirty="0"/>
+              <a:t>Конекция с базата данни</a:t>
+            </a:r>
+            <a:endParaRPr lang="en-US" dirty="0"/>
+          </a:p>
+        </p:txBody>
+      </p:sp>
+      <p:sp>
+        <p:nvSpPr>
+          <p:cNvPr id="3" name="Content Placeholder 2"/>
+          <p:cNvSpPr>
+            <a:spLocks noGrp="1"/>
+          </p:cNvSpPr>
+          <p:nvPr>
+            <p:ph idx="1"/>
+          </p:nvPr>
+        </p:nvSpPr>
+        <p:spPr>
+          <a:xfrm>
+            <a:off x="956324" y="1362636"/>
+            <a:ext cx="9560358" cy="3153675"/>
+          </a:xfrm>
+        </p:spPr>
+        <p:txBody>
+          <a:bodyPr>
+            <a:normAutofit/>
+          </a:bodyPr>
+          <a:lstStyle/>
+          <a:p>
+            <a:r>
+              <a:rPr lang="en-US" sz="2200" dirty="0" err="1">
+                <a:solidFill>
+                  <a:schemeClr val="tx2">
+                    <a:lumMod val="40000"/>
+                    <a:lumOff val="60000"/>
+                  </a:schemeClr>
+                </a:solidFill>
+              </a:rPr>
+              <a:t>JdbcTemplate</a:t>
+            </a:r>
+            <a:r>
+              <a:rPr lang="bg-BG" sz="2200" dirty="0">
+                <a:solidFill>
+                  <a:schemeClr val="tx2">
+                    <a:lumMod val="40000"/>
+                    <a:lumOff val="60000"/>
+                  </a:schemeClr>
+                </a:solidFill>
+              </a:rPr>
+              <a:t> е абстракция на чистия </a:t>
+            </a:r>
+            <a:r>
+              <a:rPr lang="en-US" sz="2200" dirty="0">
+                <a:solidFill>
+                  <a:schemeClr val="tx2">
+                    <a:lumMod val="40000"/>
+                    <a:lumOff val="60000"/>
+                  </a:schemeClr>
+                </a:solidFill>
+              </a:rPr>
+              <a:t>JDBC.</a:t>
+            </a:r>
+            <a:endParaRPr lang="bg-BG" sz="2200" dirty="0">
+              <a:solidFill>
+                <a:schemeClr val="tx2">
+                  <a:lumMod val="40000"/>
+                  <a:lumOff val="60000"/>
+                </a:schemeClr>
+              </a:solidFill>
+            </a:endParaRPr>
+          </a:p>
+          <a:p>
+            <a:r>
+              <a:rPr lang="en-US" sz="2200" dirty="0">
+                <a:solidFill>
+                  <a:schemeClr val="tx2">
+                    <a:lumMod val="40000"/>
+                    <a:lumOff val="60000"/>
+                  </a:schemeClr>
+                </a:solidFill>
+              </a:rPr>
+              <a:t>Repository </a:t>
+            </a:r>
+            <a:r>
+              <a:rPr lang="bg-BG" sz="2200" dirty="0">
+                <a:solidFill>
+                  <a:schemeClr val="tx2">
+                    <a:lumMod val="40000"/>
+                    <a:lumOff val="60000"/>
+                  </a:schemeClr>
+                </a:solidFill>
+              </a:rPr>
+              <a:t>е абстракция на </a:t>
+            </a:r>
+            <a:r>
+              <a:rPr lang="en-US" sz="2200" dirty="0" err="1">
+                <a:solidFill>
+                  <a:schemeClr val="tx2">
+                    <a:lumMod val="40000"/>
+                    <a:lumOff val="60000"/>
+                  </a:schemeClr>
+                </a:solidFill>
+              </a:rPr>
+              <a:t>EntityManager</a:t>
+            </a:r>
+            <a:r>
+              <a:rPr lang="en-US" sz="2200" dirty="0">
+                <a:solidFill>
+                  <a:schemeClr val="tx2">
+                    <a:lumMod val="40000"/>
+                    <a:lumOff val="60000"/>
+                  </a:schemeClr>
+                </a:solidFill>
+              </a:rPr>
+              <a:t>. </a:t>
+            </a:r>
+          </a:p>
+          <a:p>
+            <a:r>
+              <a:rPr lang="en-US" sz="2200" dirty="0">
+                <a:solidFill>
+                  <a:schemeClr val="tx2">
+                    <a:lumMod val="40000"/>
+                    <a:lumOff val="60000"/>
+                  </a:schemeClr>
+                </a:solidFill>
+              </a:rPr>
+              <a:t>Repository</a:t>
+            </a:r>
+            <a:r>
+              <a:rPr lang="bg-BG" sz="2200" dirty="0">
+                <a:solidFill>
+                  <a:schemeClr val="tx2">
+                    <a:lumMod val="40000"/>
+                    <a:lumOff val="60000"/>
+                  </a:schemeClr>
+                </a:solidFill>
+              </a:rPr>
+              <a:t>-то ги абстрахира разработчиците от някои сложени подробности, които се въвеждат с </a:t>
+            </a:r>
+            <a:r>
+              <a:rPr lang="en-US" sz="2200" dirty="0" err="1">
+                <a:solidFill>
+                  <a:schemeClr val="tx2">
+                    <a:lumMod val="40000"/>
+                    <a:lumOff val="60000"/>
+                  </a:schemeClr>
+                </a:solidFill>
+              </a:rPr>
+              <a:t>EntityManager</a:t>
+            </a:r>
+            <a:r>
+              <a:rPr lang="en-US" sz="2200" dirty="0">
+                <a:solidFill>
+                  <a:schemeClr val="tx2">
+                    <a:lumMod val="40000"/>
+                    <a:lumOff val="60000"/>
+                  </a:schemeClr>
+                </a:solidFill>
+              </a:rPr>
+              <a:t> </a:t>
+            </a:r>
+            <a:r>
+              <a:rPr lang="bg-BG" sz="2200" dirty="0">
+                <a:solidFill>
+                  <a:schemeClr val="tx2">
+                    <a:lumMod val="40000"/>
+                    <a:lumOff val="60000"/>
+                  </a:schemeClr>
+                </a:solidFill>
+              </a:rPr>
+              <a:t>и добавя много удобни методи.</a:t>
+            </a:r>
+            <a:endParaRPr lang="en-US" sz="2200" dirty="0">
+              <a:solidFill>
+                <a:schemeClr val="tx2">
+                  <a:lumMod val="40000"/>
+                  <a:lumOff val="60000"/>
+                </a:schemeClr>
+              </a:solidFill>
+            </a:endParaRPr>
+          </a:p>
+        </p:txBody>
+      </p:sp>
+    </p:spTree>
+    <p:extLst>
+      <p:ext uri="{BB962C8B-B14F-4D97-AF65-F5344CB8AC3E}">
+        <p14:creationId xmlns:p14="http://schemas.microsoft.com/office/powerpoint/2010/main" val="659118019"/>
+      </p:ext>
+    </p:extLst>
+  </p:cSld>
+  <p:clrMapOvr>
+    <a:masterClrMapping/>
+  </p:clrMapOvr>
+</p:sld>
+</file>
+
+<file path=ppt/slides/slide11.xml><?xml version="1.0" encoding="utf-8"?>
+<p:sld xmlns:a="http://schemas.openxmlformats.org/drawingml/2006/main" xmlns:r="http://schemas.openxmlformats.org/officeDocument/2006/relationships" xmlns:p="http://schemas.openxmlformats.org/presentationml/2006/main">
+  <p:cSld>
+    <p:spTree>
+      <p:nvGrpSpPr>
+        <p:cNvPr id="1" name=""/>
+        <p:cNvGrpSpPr/>
+        <p:nvPr/>
+      </p:nvGrpSpPr>
+      <p:grpSpPr>
+        <a:xfrm>
+          <a:off x="0" y="0"/>
+          <a:ext cx="0" cy="0"/>
+          <a:chOff x="0" y="0"/>
+          <a:chExt cx="0" cy="0"/>
+        </a:xfrm>
+      </p:grpSpPr>
+      <p:sp>
+        <p:nvSpPr>
+          <p:cNvPr id="2" name="Title 1"/>
+          <p:cNvSpPr>
+            <a:spLocks noGrp="1"/>
+          </p:cNvSpPr>
+          <p:nvPr>
+            <p:ph type="title"/>
+          </p:nvPr>
+        </p:nvSpPr>
+        <p:spPr>
+          <a:xfrm>
+            <a:off x="1437247" y="471144"/>
+            <a:ext cx="8534400" cy="1507067"/>
+          </a:xfrm>
+        </p:spPr>
+        <p:txBody>
+          <a:bodyPr>
+            <a:normAutofit/>
+          </a:bodyPr>
+          <a:lstStyle/>
+          <a:p>
+            <a:pPr algn="ctr"/>
+            <a:r>
+              <a:rPr lang="en-US" b="1" dirty="0"/>
+              <a:t>JPQL </a:t>
+            </a:r>
+          </a:p>
+        </p:txBody>
+      </p:sp>
+      <p:sp>
+        <p:nvSpPr>
+          <p:cNvPr id="3" name="Content Placeholder 2"/>
+          <p:cNvSpPr>
+            <a:spLocks noGrp="1"/>
+          </p:cNvSpPr>
+          <p:nvPr>
+            <p:ph idx="1"/>
+          </p:nvPr>
+        </p:nvSpPr>
+        <p:spPr>
+          <a:xfrm>
+            <a:off x="872470" y="1646517"/>
+            <a:ext cx="11238847" cy="4325471"/>
+          </a:xfrm>
+        </p:spPr>
+        <p:txBody>
+          <a:bodyPr>
+            <a:normAutofit/>
+          </a:bodyPr>
+          <a:lstStyle/>
+          <a:p>
+            <a:r>
+              <a:rPr lang="en-US" sz="2200" dirty="0">
+                <a:solidFill>
+                  <a:schemeClr val="tx2">
+                    <a:lumMod val="40000"/>
+                    <a:lumOff val="60000"/>
+                  </a:schemeClr>
+                </a:solidFill>
+              </a:rPr>
+              <a:t>JPQL</a:t>
+            </a:r>
+            <a:r>
+              <a:rPr lang="bg-BG" sz="2200" dirty="0">
+                <a:solidFill>
+                  <a:schemeClr val="tx2">
+                    <a:lumMod val="40000"/>
+                    <a:lumOff val="60000"/>
+                  </a:schemeClr>
+                </a:solidFill>
+              </a:rPr>
+              <a:t> ги</a:t>
+            </a:r>
+            <a:r>
+              <a:rPr lang="en-US" sz="2200" dirty="0">
+                <a:solidFill>
+                  <a:schemeClr val="tx2">
+                    <a:lumMod val="40000"/>
+                    <a:lumOff val="60000"/>
+                  </a:schemeClr>
+                </a:solidFill>
+              </a:rPr>
+              <a:t> </a:t>
+            </a:r>
+            <a:r>
+              <a:rPr lang="bg-BG" sz="2200" dirty="0">
+                <a:solidFill>
+                  <a:schemeClr val="tx2">
+                    <a:lumMod val="40000"/>
+                    <a:lumOff val="60000"/>
+                  </a:schemeClr>
+                </a:solidFill>
+              </a:rPr>
+              <a:t>използва </a:t>
+            </a:r>
+            <a:r>
+              <a:rPr lang="en-US" sz="2200" dirty="0">
+                <a:solidFill>
+                  <a:schemeClr val="tx2">
+                    <a:lumMod val="40000"/>
+                    <a:lumOff val="60000"/>
+                  </a:schemeClr>
+                </a:solidFill>
+              </a:rPr>
+              <a:t>entity</a:t>
+            </a:r>
+            <a:r>
+              <a:rPr lang="bg-BG" sz="2200" dirty="0">
+                <a:solidFill>
+                  <a:schemeClr val="tx2">
+                    <a:lumMod val="40000"/>
+                    <a:lumOff val="60000"/>
+                  </a:schemeClr>
+                </a:solidFill>
+              </a:rPr>
+              <a:t> обектите за да манипулира с данни от базата</a:t>
+            </a:r>
+            <a:endParaRPr lang="en-US" sz="2200" dirty="0">
+              <a:solidFill>
+                <a:schemeClr val="tx2">
+                  <a:lumMod val="40000"/>
+                  <a:lumOff val="60000"/>
+                </a:schemeClr>
+              </a:solidFill>
+            </a:endParaRPr>
+          </a:p>
+          <a:p>
+            <a:r>
+              <a:rPr lang="en-US" sz="2200" dirty="0">
+                <a:solidFill>
+                  <a:schemeClr val="tx2">
+                    <a:lumMod val="40000"/>
+                    <a:lumOff val="60000"/>
+                  </a:schemeClr>
+                </a:solidFill>
+              </a:rPr>
+              <a:t>JPA </a:t>
+            </a:r>
+            <a:r>
+              <a:rPr lang="bg-BG" sz="2200" dirty="0">
+                <a:solidFill>
+                  <a:schemeClr val="tx2">
+                    <a:lumMod val="40000"/>
+                    <a:lumOff val="60000"/>
+                  </a:schemeClr>
+                </a:solidFill>
+              </a:rPr>
+              <a:t>ги трансформира </a:t>
+            </a:r>
+            <a:r>
+              <a:rPr lang="en-US" sz="2200" dirty="0">
+                <a:solidFill>
+                  <a:schemeClr val="tx2">
+                    <a:lumMod val="40000"/>
+                    <a:lumOff val="60000"/>
+                  </a:schemeClr>
+                </a:solidFill>
+              </a:rPr>
+              <a:t>JPQL </a:t>
+            </a:r>
+            <a:r>
+              <a:rPr lang="bg-BG" sz="2200" dirty="0">
+                <a:solidFill>
+                  <a:schemeClr val="tx2">
+                    <a:lumMod val="40000"/>
+                    <a:lumOff val="60000"/>
+                  </a:schemeClr>
+                </a:solidFill>
+              </a:rPr>
+              <a:t>заявките в </a:t>
+            </a:r>
+            <a:r>
+              <a:rPr lang="en-US" sz="2200" dirty="0">
+                <a:solidFill>
+                  <a:schemeClr val="tx2">
+                    <a:lumMod val="40000"/>
+                    <a:lumOff val="60000"/>
+                  </a:schemeClr>
+                </a:solidFill>
+              </a:rPr>
+              <a:t>SQL </a:t>
+            </a:r>
+            <a:r>
+              <a:rPr lang="bg-BG" sz="2200" dirty="0">
+                <a:solidFill>
+                  <a:schemeClr val="tx2">
+                    <a:lumMod val="40000"/>
+                    <a:lumOff val="60000"/>
+                  </a:schemeClr>
+                </a:solidFill>
+              </a:rPr>
+              <a:t>заявки</a:t>
+            </a:r>
+          </a:p>
+          <a:p>
+            <a:r>
+              <a:rPr lang="en-US" sz="2200" dirty="0">
+                <a:solidFill>
+                  <a:schemeClr val="tx2">
+                    <a:lumMod val="40000"/>
+                    <a:lumOff val="60000"/>
+                  </a:schemeClr>
+                </a:solidFill>
+              </a:rPr>
+              <a:t>JPQL </a:t>
+            </a:r>
+            <a:r>
+              <a:rPr lang="bg-BG" sz="2200" dirty="0">
+                <a:solidFill>
+                  <a:schemeClr val="tx2">
+                    <a:lumMod val="40000"/>
+                    <a:lumOff val="60000"/>
+                  </a:schemeClr>
+                </a:solidFill>
+              </a:rPr>
+              <a:t>позволява на разработчитците да си олеснят </a:t>
+            </a:r>
+            <a:r>
+              <a:rPr lang="en-US" sz="2200" dirty="0">
+                <a:solidFill>
+                  <a:schemeClr val="tx2">
+                    <a:lumMod val="40000"/>
+                    <a:lumOff val="60000"/>
+                  </a:schemeClr>
+                </a:solidFill>
+              </a:rPr>
+              <a:t>SQL </a:t>
+            </a:r>
+            <a:r>
+              <a:rPr lang="bg-BG" sz="2200" dirty="0">
+                <a:solidFill>
+                  <a:schemeClr val="tx2">
+                    <a:lumMod val="40000"/>
+                    <a:lumOff val="60000"/>
+                  </a:schemeClr>
+                </a:solidFill>
+              </a:rPr>
+              <a:t>задачите</a:t>
+            </a:r>
+          </a:p>
+          <a:p>
+            <a:r>
+              <a:rPr lang="en-US" sz="2200" dirty="0">
+                <a:solidFill>
+                  <a:schemeClr val="tx2">
+                    <a:lumMod val="40000"/>
+                    <a:lumOff val="60000"/>
+                  </a:schemeClr>
+                </a:solidFill>
+              </a:rPr>
+              <a:t>JPQL </a:t>
+            </a:r>
+            <a:r>
+              <a:rPr lang="bg-BG" sz="2200" dirty="0">
+                <a:solidFill>
+                  <a:schemeClr val="tx2">
+                    <a:lumMod val="40000"/>
+                    <a:lumOff val="60000"/>
+                  </a:schemeClr>
+                </a:solidFill>
+              </a:rPr>
+              <a:t>заявките са същите за различните датабази (</a:t>
+            </a:r>
+            <a:r>
+              <a:rPr lang="en-US" sz="2200" dirty="0">
+                <a:solidFill>
+                  <a:schemeClr val="tx2">
+                    <a:lumMod val="40000"/>
+                    <a:lumOff val="60000"/>
+                  </a:schemeClr>
+                </a:solidFill>
+              </a:rPr>
+              <a:t>MySQL, PostgreSQL, Oracle</a:t>
+            </a:r>
+            <a:r>
+              <a:rPr lang="bg-BG" sz="2200" dirty="0">
+                <a:solidFill>
+                  <a:schemeClr val="tx2">
+                    <a:lumMod val="40000"/>
+                    <a:lumOff val="60000"/>
+                  </a:schemeClr>
+                </a:solidFill>
+              </a:rPr>
+              <a:t>)</a:t>
+            </a:r>
+            <a:endParaRPr lang="en-US" sz="2200" dirty="0">
+              <a:solidFill>
+                <a:schemeClr val="tx2">
+                  <a:lumMod val="40000"/>
+                  <a:lumOff val="60000"/>
+                </a:schemeClr>
+              </a:solidFill>
+            </a:endParaRPr>
+          </a:p>
+          <a:p>
+            <a:r>
+              <a:rPr lang="en-US" sz="2200" dirty="0">
+                <a:solidFill>
+                  <a:schemeClr val="tx2">
+                    <a:lumMod val="40000"/>
+                    <a:lumOff val="60000"/>
+                  </a:schemeClr>
+                </a:solidFill>
+              </a:rPr>
+              <a:t>JPQL: </a:t>
+            </a:r>
+            <a:r>
+              <a:rPr lang="en-US" sz="2200" i="1" dirty="0">
+                <a:solidFill>
+                  <a:schemeClr val="tx1">
+                    <a:lumMod val="50000"/>
+                    <a:lumOff val="50000"/>
+                  </a:schemeClr>
+                </a:solidFill>
+              </a:rPr>
+              <a:t>SELECT c FROM Car c where </a:t>
+            </a:r>
+            <a:r>
+              <a:rPr lang="en-US" sz="2200" i="1" dirty="0" err="1">
+                <a:solidFill>
+                  <a:schemeClr val="tx1">
+                    <a:lumMod val="50000"/>
+                    <a:lumOff val="50000"/>
+                  </a:schemeClr>
+                </a:solidFill>
+              </a:rPr>
+              <a:t>c.serialNumber</a:t>
+            </a:r>
+            <a:r>
+              <a:rPr lang="en-US" sz="2200" i="1" dirty="0">
+                <a:solidFill>
+                  <a:schemeClr val="tx1">
+                    <a:lumMod val="50000"/>
+                    <a:lumOff val="50000"/>
+                  </a:schemeClr>
+                </a:solidFill>
+              </a:rPr>
+              <a:t> = :</a:t>
+            </a:r>
+            <a:r>
+              <a:rPr lang="en-US" sz="2200" i="1" dirty="0" err="1">
+                <a:solidFill>
+                  <a:schemeClr val="tx1">
+                    <a:lumMod val="50000"/>
+                    <a:lumOff val="50000"/>
+                  </a:schemeClr>
+                </a:solidFill>
+              </a:rPr>
+              <a:t>pSerialNumber</a:t>
+            </a:r>
+            <a:endParaRPr lang="en-US" sz="2200" i="1" dirty="0">
+              <a:solidFill>
+                <a:schemeClr val="tx1">
+                  <a:lumMod val="50000"/>
+                  <a:lumOff val="50000"/>
+                </a:schemeClr>
+              </a:solidFill>
+            </a:endParaRPr>
+          </a:p>
+          <a:p>
+            <a:r>
+              <a:rPr lang="en-US" sz="2200" dirty="0">
+                <a:solidFill>
+                  <a:schemeClr val="tx2">
+                    <a:lumMod val="40000"/>
+                    <a:lumOff val="60000"/>
+                  </a:schemeClr>
+                </a:solidFill>
+              </a:rPr>
+              <a:t>JPQL: </a:t>
+            </a:r>
+            <a:r>
+              <a:rPr lang="en-US" sz="2200" i="1" dirty="0">
+                <a:solidFill>
+                  <a:schemeClr val="tx1">
+                    <a:lumMod val="50000"/>
+                    <a:lumOff val="50000"/>
+                  </a:schemeClr>
+                </a:solidFill>
+              </a:rPr>
+              <a:t>SELECT * FROM car as c where </a:t>
+            </a:r>
+            <a:r>
+              <a:rPr lang="en-US" sz="2200" i="1" dirty="0" err="1">
+                <a:solidFill>
+                  <a:schemeClr val="tx1">
+                    <a:lumMod val="50000"/>
+                    <a:lumOff val="50000"/>
+                  </a:schemeClr>
+                </a:solidFill>
+              </a:rPr>
+              <a:t>c.serial_number</a:t>
+            </a:r>
+            <a:r>
+              <a:rPr lang="en-US" sz="2200" i="1" dirty="0">
+                <a:solidFill>
+                  <a:schemeClr val="tx1">
+                    <a:lumMod val="50000"/>
+                    <a:lumOff val="50000"/>
+                  </a:schemeClr>
+                </a:solidFill>
+              </a:rPr>
+              <a:t> = '10000'</a:t>
+            </a:r>
+          </a:p>
+        </p:txBody>
+      </p:sp>
+    </p:spTree>
+    <p:extLst>
+      <p:ext uri="{BB962C8B-B14F-4D97-AF65-F5344CB8AC3E}">
+        <p14:creationId xmlns:p14="http://schemas.microsoft.com/office/powerpoint/2010/main" val="1697741619"/>
+      </p:ext>
+    </p:extLst>
+  </p:cSld>
+  <p:clrMapOvr>
+    <a:masterClrMapping/>
+  </p:clrMapOvr>
+</p:sld>
+</file>
+
+<file path=ppt/slides/slide12.xml><?xml version="1.0" encoding="utf-8"?>
+<p:sld xmlns:a="http://schemas.openxmlformats.org/drawingml/2006/main" xmlns:r="http://schemas.openxmlformats.org/officeDocument/2006/relationships" xmlns:p="http://schemas.openxmlformats.org/presentationml/2006/main">
+  <p:cSld>
+    <p:spTree>
+      <p:nvGrpSpPr>
+        <p:cNvPr id="1" name=""/>
+        <p:cNvGrpSpPr/>
+        <p:nvPr/>
+      </p:nvGrpSpPr>
+      <p:grpSpPr>
+        <a:xfrm>
+          <a:off x="0" y="0"/>
+          <a:ext cx="0" cy="0"/>
+          <a:chOff x="0" y="0"/>
+          <a:chExt cx="0" cy="0"/>
+        </a:xfrm>
+      </p:grpSpPr>
+      <p:sp>
+        <p:nvSpPr>
+          <p:cNvPr id="2" name="Title 1"/>
+          <p:cNvSpPr>
+            <a:spLocks noGrp="1"/>
+          </p:cNvSpPr>
+          <p:nvPr>
+            <p:ph type="title"/>
+          </p:nvPr>
+        </p:nvSpPr>
+        <p:spPr>
+          <a:xfrm>
+            <a:off x="1673365" y="184273"/>
+            <a:ext cx="8534400" cy="1507067"/>
+          </a:xfrm>
+        </p:spPr>
+        <p:txBody>
+          <a:bodyPr>
+            <a:normAutofit/>
+          </a:bodyPr>
+          <a:lstStyle/>
+          <a:p>
+            <a:pPr algn="ctr"/>
+            <a:r>
+              <a:rPr lang="en-US" b="1" dirty="0" err="1"/>
+              <a:t>EntityManager</a:t>
+            </a:r>
+            <a:endParaRPr lang="en-US" b="1" dirty="0"/>
+          </a:p>
+        </p:txBody>
+      </p:sp>
+      <p:sp>
+        <p:nvSpPr>
+          <p:cNvPr id="3" name="Content Placeholder 2"/>
+          <p:cNvSpPr>
+            <a:spLocks noGrp="1"/>
+          </p:cNvSpPr>
+          <p:nvPr>
+            <p:ph idx="1"/>
+          </p:nvPr>
+        </p:nvSpPr>
+        <p:spPr>
+          <a:xfrm>
+            <a:off x="684212" y="1385047"/>
+            <a:ext cx="10512706" cy="3348318"/>
+          </a:xfrm>
+        </p:spPr>
+        <p:txBody>
+          <a:bodyPr>
+            <a:normAutofit/>
+          </a:bodyPr>
+          <a:lstStyle/>
+          <a:p>
+            <a:r>
+              <a:rPr lang="bg-BG" sz="2200" dirty="0">
+                <a:solidFill>
+                  <a:schemeClr val="tx2">
+                    <a:lumMod val="40000"/>
+                    <a:lumOff val="60000"/>
+                  </a:schemeClr>
+                </a:solidFill>
+              </a:rPr>
+              <a:t>Главната употреба на </a:t>
+            </a:r>
+            <a:r>
+              <a:rPr lang="en-US" sz="2200" dirty="0" err="1">
+                <a:solidFill>
+                  <a:schemeClr val="tx2">
+                    <a:lumMod val="40000"/>
+                    <a:lumOff val="60000"/>
+                  </a:schemeClr>
+                </a:solidFill>
+              </a:rPr>
+              <a:t>EntityManager</a:t>
+            </a:r>
+            <a:r>
+              <a:rPr lang="en-US" sz="2200" dirty="0">
+                <a:solidFill>
+                  <a:schemeClr val="tx2">
+                    <a:lumMod val="40000"/>
+                    <a:lumOff val="60000"/>
+                  </a:schemeClr>
+                </a:solidFill>
+              </a:rPr>
+              <a:t> </a:t>
+            </a:r>
+            <a:r>
+              <a:rPr lang="bg-BG" sz="2200" dirty="0">
+                <a:solidFill>
+                  <a:schemeClr val="tx2">
+                    <a:lumMod val="40000"/>
+                    <a:lumOff val="60000"/>
+                  </a:schemeClr>
+                </a:solidFill>
+              </a:rPr>
+              <a:t>е като </a:t>
+            </a:r>
+            <a:r>
+              <a:rPr lang="en-US" sz="2200" dirty="0">
+                <a:solidFill>
+                  <a:schemeClr val="tx2">
+                    <a:lumMod val="40000"/>
+                    <a:lumOff val="60000"/>
+                  </a:schemeClr>
+                </a:solidFill>
+              </a:rPr>
+              <a:t>DAO </a:t>
+            </a:r>
+            <a:r>
+              <a:rPr lang="bg-BG" sz="2200" dirty="0">
+                <a:solidFill>
+                  <a:schemeClr val="tx2">
+                    <a:lumMod val="40000"/>
+                    <a:lumOff val="60000"/>
+                  </a:schemeClr>
+                </a:solidFill>
+              </a:rPr>
+              <a:t>интерфейс за менаджиране на </a:t>
+            </a:r>
+            <a:r>
+              <a:rPr lang="en-US" sz="2200" dirty="0">
+                <a:solidFill>
+                  <a:schemeClr val="tx2">
+                    <a:lumMod val="40000"/>
+                    <a:lumOff val="60000"/>
+                  </a:schemeClr>
+                </a:solidFill>
+              </a:rPr>
+              <a:t>entity </a:t>
+            </a:r>
+            <a:r>
+              <a:rPr lang="bg-BG" sz="2200" dirty="0">
+                <a:solidFill>
+                  <a:schemeClr val="tx2">
+                    <a:lumMod val="40000"/>
+                    <a:lumOff val="60000"/>
+                  </a:schemeClr>
+                </a:solidFill>
+              </a:rPr>
+              <a:t>инстанициите, т.е. креиране и махане на инстации, намиране на </a:t>
+            </a:r>
+            <a:r>
+              <a:rPr lang="en-US" sz="2200" dirty="0">
+                <a:solidFill>
+                  <a:schemeClr val="tx2">
+                    <a:lumMod val="40000"/>
+                    <a:lumOff val="60000"/>
+                  </a:schemeClr>
+                </a:solidFill>
+              </a:rPr>
+              <a:t>entities </a:t>
+            </a:r>
+            <a:r>
+              <a:rPr lang="bg-BG" sz="2200" dirty="0">
+                <a:solidFill>
+                  <a:schemeClr val="tx2">
+                    <a:lumMod val="40000"/>
+                    <a:lumOff val="60000"/>
+                  </a:schemeClr>
+                </a:solidFill>
+              </a:rPr>
+              <a:t>по техния ключ и извършване заявки върху обекти.</a:t>
+            </a:r>
+          </a:p>
+          <a:p>
+            <a:r>
+              <a:rPr lang="en-US" sz="2200" dirty="0" err="1">
+                <a:solidFill>
+                  <a:schemeClr val="tx2">
+                    <a:lumMod val="40000"/>
+                    <a:lumOff val="60000"/>
+                  </a:schemeClr>
+                </a:solidFill>
+              </a:rPr>
+              <a:t>EntityManager</a:t>
+            </a:r>
+            <a:r>
+              <a:rPr lang="en-US" sz="2200" dirty="0">
+                <a:solidFill>
+                  <a:schemeClr val="tx2">
+                    <a:lumMod val="40000"/>
+                    <a:lumOff val="60000"/>
+                  </a:schemeClr>
+                </a:solidFill>
+              </a:rPr>
+              <a:t> </a:t>
+            </a:r>
+            <a:r>
+              <a:rPr lang="bg-BG" sz="2200" dirty="0">
+                <a:solidFill>
+                  <a:schemeClr val="tx2">
+                    <a:lumMod val="40000"/>
+                    <a:lumOff val="60000"/>
+                  </a:schemeClr>
+                </a:solidFill>
+              </a:rPr>
+              <a:t>е отговорен за следене на промените на </a:t>
+            </a:r>
+            <a:r>
+              <a:rPr lang="en-US" sz="2200" dirty="0" err="1">
+                <a:solidFill>
+                  <a:schemeClr val="tx2">
+                    <a:lumMod val="40000"/>
+                    <a:lumOff val="60000"/>
+                  </a:schemeClr>
+                </a:solidFill>
+              </a:rPr>
+              <a:t>entitiy</a:t>
+            </a:r>
+            <a:r>
+              <a:rPr lang="en-US" sz="2200" dirty="0">
+                <a:solidFill>
+                  <a:schemeClr val="tx2">
+                    <a:lumMod val="40000"/>
+                    <a:lumOff val="60000"/>
+                  </a:schemeClr>
+                </a:solidFill>
+              </a:rPr>
+              <a:t> </a:t>
+            </a:r>
+            <a:r>
+              <a:rPr lang="bg-BG" sz="2200" dirty="0">
+                <a:solidFill>
+                  <a:schemeClr val="tx2">
+                    <a:lumMod val="40000"/>
+                    <a:lumOff val="60000"/>
+                  </a:schemeClr>
+                </a:solidFill>
+              </a:rPr>
+              <a:t>обектите и отразяването на промените в базата</a:t>
+            </a:r>
+          </a:p>
+        </p:txBody>
+      </p:sp>
+    </p:spTree>
+    <p:extLst>
+      <p:ext uri="{BB962C8B-B14F-4D97-AF65-F5344CB8AC3E}">
+        <p14:creationId xmlns:p14="http://schemas.microsoft.com/office/powerpoint/2010/main" val="3939283044"/>
+      </p:ext>
+    </p:extLst>
+  </p:cSld>
+  <p:clrMapOvr>
+    <a:masterClrMapping/>
+  </p:clrMapOvr>
+</p:sld>
+</file>
+
+<file path=ppt/slides/slide13.xml><?xml version="1.0" encoding="utf-8"?>
+<p:sld xmlns:a="http://schemas.openxmlformats.org/drawingml/2006/main" xmlns:r="http://schemas.openxmlformats.org/officeDocument/2006/relationships" xmlns:p="http://schemas.openxmlformats.org/presentationml/2006/main">
+  <p:cSld>
+    <p:spTree>
+      <p:nvGrpSpPr>
+        <p:cNvPr id="1" name=""/>
+        <p:cNvGrpSpPr/>
+        <p:nvPr/>
+      </p:nvGrpSpPr>
+      <p:grpSpPr>
+        <a:xfrm>
+          <a:off x="0" y="0"/>
+          <a:ext cx="0" cy="0"/>
+          <a:chOff x="0" y="0"/>
+          <a:chExt cx="0" cy="0"/>
+        </a:xfrm>
+      </p:grpSpPr>
+      <p:sp>
+        <p:nvSpPr>
+          <p:cNvPr id="3" name="Content Placeholder 2"/>
+          <p:cNvSpPr>
+            <a:spLocks noGrp="1"/>
+          </p:cNvSpPr>
+          <p:nvPr>
+            <p:ph idx="1"/>
+          </p:nvPr>
+        </p:nvSpPr>
+        <p:spPr>
+          <a:xfrm>
+            <a:off x="621459" y="1559858"/>
+            <a:ext cx="10440988" cy="3092824"/>
+          </a:xfrm>
+        </p:spPr>
+        <p:txBody>
+          <a:bodyPr>
+            <a:normAutofit/>
+          </a:bodyPr>
+          <a:lstStyle/>
+          <a:p>
+            <a:r>
+              <a:rPr lang="en-US" sz="2200" dirty="0" err="1">
+                <a:solidFill>
+                  <a:schemeClr val="tx2">
+                    <a:lumMod val="40000"/>
+                    <a:lumOff val="60000"/>
+                  </a:schemeClr>
+                </a:solidFill>
+              </a:rPr>
+              <a:t>JpaRepository</a:t>
+            </a:r>
+            <a:r>
+              <a:rPr lang="en-US" sz="2200" dirty="0">
+                <a:solidFill>
+                  <a:schemeClr val="tx2">
+                    <a:lumMod val="40000"/>
+                    <a:lumOff val="60000"/>
+                  </a:schemeClr>
+                </a:solidFill>
+              </a:rPr>
+              <a:t> </a:t>
+            </a:r>
+            <a:r>
+              <a:rPr lang="bg-BG" sz="2200" dirty="0">
+                <a:solidFill>
+                  <a:schemeClr val="tx2">
+                    <a:lumMod val="40000"/>
+                    <a:lumOff val="60000"/>
+                  </a:schemeClr>
+                </a:solidFill>
+              </a:rPr>
+              <a:t>ни е абстракция на </a:t>
+            </a:r>
+            <a:r>
+              <a:rPr lang="en-US" sz="2200" dirty="0">
+                <a:solidFill>
+                  <a:schemeClr val="tx2">
+                    <a:lumMod val="40000"/>
+                    <a:lumOff val="60000"/>
+                  </a:schemeClr>
+                </a:solidFill>
+              </a:rPr>
+              <a:t>DAO </a:t>
+            </a:r>
+            <a:r>
+              <a:rPr lang="bg-BG" sz="2200" dirty="0">
+                <a:solidFill>
+                  <a:schemeClr val="tx2">
+                    <a:lumMod val="40000"/>
+                    <a:lumOff val="60000"/>
+                  </a:schemeClr>
+                </a:solidFill>
+              </a:rPr>
+              <a:t>слой, той позволява на разработчиците да се абстрахират от </a:t>
+            </a:r>
+            <a:r>
+              <a:rPr lang="en-US" sz="2200" dirty="0">
+                <a:solidFill>
+                  <a:schemeClr val="tx2">
+                    <a:lumMod val="40000"/>
+                    <a:lumOff val="60000"/>
+                  </a:schemeClr>
+                </a:solidFill>
+              </a:rPr>
+              <a:t>boilerplate code </a:t>
+            </a:r>
+          </a:p>
+          <a:p>
+            <a:r>
+              <a:rPr lang="en-US" sz="2200" dirty="0" err="1">
+                <a:solidFill>
+                  <a:schemeClr val="tx2">
+                    <a:lumMod val="40000"/>
+                    <a:lumOff val="60000"/>
+                  </a:schemeClr>
+                </a:solidFill>
+              </a:rPr>
+              <a:t>JpaRepository</a:t>
+            </a:r>
+            <a:r>
+              <a:rPr lang="en-US" sz="2200" dirty="0">
+                <a:solidFill>
+                  <a:schemeClr val="tx2">
+                    <a:lumMod val="40000"/>
+                    <a:lumOff val="60000"/>
+                  </a:schemeClr>
+                </a:solidFill>
+              </a:rPr>
+              <a:t> </a:t>
+            </a:r>
+            <a:r>
+              <a:rPr lang="bg-BG" sz="2200" dirty="0">
+                <a:solidFill>
+                  <a:schemeClr val="tx2">
+                    <a:lumMod val="40000"/>
+                    <a:lumOff val="60000"/>
+                  </a:schemeClr>
+                </a:solidFill>
+              </a:rPr>
+              <a:t>вътрешно го използва </a:t>
+            </a:r>
+            <a:r>
+              <a:rPr lang="en-US" sz="2200" dirty="0" err="1">
+                <a:solidFill>
+                  <a:schemeClr val="tx2">
+                    <a:lumMod val="40000"/>
+                    <a:lumOff val="60000"/>
+                  </a:schemeClr>
+                </a:solidFill>
+              </a:rPr>
+              <a:t>EntityManager</a:t>
+            </a:r>
+            <a:endParaRPr lang="en-US" sz="2200" dirty="0">
+              <a:solidFill>
+                <a:schemeClr val="tx2">
+                  <a:lumMod val="40000"/>
+                  <a:lumOff val="60000"/>
+                </a:schemeClr>
+              </a:solidFill>
+            </a:endParaRPr>
+          </a:p>
+          <a:p>
+            <a:r>
+              <a:rPr lang="bg-BG" sz="2200" dirty="0">
+                <a:solidFill>
+                  <a:schemeClr val="tx2">
+                    <a:lumMod val="40000"/>
+                    <a:lumOff val="60000"/>
+                  </a:schemeClr>
+                </a:solidFill>
+              </a:rPr>
+              <a:t>Главното приложение му е за </a:t>
+            </a:r>
+            <a:r>
+              <a:rPr lang="en-US" sz="2200" dirty="0">
+                <a:solidFill>
+                  <a:schemeClr val="tx2">
+                    <a:lumMod val="40000"/>
+                    <a:lumOff val="60000"/>
+                  </a:schemeClr>
+                </a:solidFill>
+              </a:rPr>
+              <a:t>CRUD </a:t>
+            </a:r>
+            <a:r>
+              <a:rPr lang="bg-BG" sz="2200" dirty="0">
+                <a:solidFill>
+                  <a:schemeClr val="tx2">
+                    <a:lumMod val="40000"/>
+                    <a:lumOff val="60000"/>
+                  </a:schemeClr>
+                </a:solidFill>
+              </a:rPr>
+              <a:t>операции, пагинация (</a:t>
+            </a:r>
+            <a:r>
+              <a:rPr lang="en-US" sz="2200" dirty="0">
+                <a:solidFill>
+                  <a:schemeClr val="tx2">
+                    <a:lumMod val="40000"/>
+                    <a:lumOff val="60000"/>
+                  </a:schemeClr>
+                </a:solidFill>
+              </a:rPr>
+              <a:t>pagination</a:t>
+            </a:r>
+            <a:r>
+              <a:rPr lang="bg-BG" sz="2200" dirty="0">
+                <a:solidFill>
+                  <a:schemeClr val="tx2">
+                    <a:lumMod val="40000"/>
+                    <a:lumOff val="60000"/>
+                  </a:schemeClr>
+                </a:solidFill>
+              </a:rPr>
+              <a:t>) и за сортиране</a:t>
+            </a:r>
+            <a:endParaRPr lang="en-US" sz="2200" dirty="0">
+              <a:solidFill>
+                <a:schemeClr val="tx2">
+                  <a:lumMod val="40000"/>
+                  <a:lumOff val="60000"/>
+                </a:schemeClr>
+              </a:solidFill>
+            </a:endParaRPr>
+          </a:p>
+        </p:txBody>
+      </p:sp>
+      <p:sp>
+        <p:nvSpPr>
+          <p:cNvPr id="5" name="Title 1"/>
+          <p:cNvSpPr txBox="1">
+            <a:spLocks/>
+          </p:cNvSpPr>
+          <p:nvPr/>
+        </p:nvSpPr>
+        <p:spPr>
+          <a:xfrm>
+            <a:off x="584153" y="478381"/>
+            <a:ext cx="10515600" cy="1325563"/>
+          </a:xfrm>
+          <a:prstGeom prst="rect">
+            <a:avLst/>
+          </a:prstGeom>
+        </p:spPr>
+        <p:txBody>
+          <a:bodyPr vert="horz" lIns="91440" tIns="45720" rIns="91440" bIns="45720" rtlCol="0" anchor="ctr">
+            <a:normAutofit/>
+          </a:bodyPr>
+          <a:lstStyle>
+            <a:lvl1pPr algn="l" defTabSz="914400" rtl="0" eaLnBrk="1" latinLnBrk="0" hangingPunct="1">
+              <a:lnSpc>
+                <a:spcPct val="90000"/>
+              </a:lnSpc>
+              <a:spcBef>
+                <a:spcPct val="0"/>
+              </a:spcBef>
+              <a:buNone/>
+              <a:defRPr sz="4400" kern="1200">
+                <a:solidFill>
+                  <a:schemeClr val="tx1"/>
+                </a:solidFill>
+                <a:latin typeface="+mj-lt"/>
+                <a:ea typeface="+mj-ea"/>
+                <a:cs typeface="+mj-cs"/>
+              </a:defRPr>
+            </a:lvl1pPr>
+          </a:lstStyle>
+          <a:p>
+            <a:pPr algn="ctr"/>
+            <a:r>
+              <a:rPr lang="en-US" b="1" dirty="0" err="1"/>
+              <a:t>JpaRepository</a:t>
+            </a:r>
+            <a:endParaRPr lang="en-US" dirty="0"/>
+          </a:p>
+        </p:txBody>
+      </p:sp>
+    </p:spTree>
+    <p:extLst>
+      <p:ext uri="{BB962C8B-B14F-4D97-AF65-F5344CB8AC3E}">
+        <p14:creationId xmlns:p14="http://schemas.microsoft.com/office/powerpoint/2010/main" val="1819422131"/>
+      </p:ext>
+    </p:extLst>
+  </p:cSld>
+  <p:clrMapOvr>
+    <a:masterClrMapping/>
+  </p:clrMapOvr>
+</p:sld>
+</file>
+
+<file path=ppt/slides/slide14.xml><?xml version="1.0" encoding="utf-8"?>
+<p:sld xmlns:a="http://schemas.openxmlformats.org/drawingml/2006/main" xmlns:r="http://schemas.openxmlformats.org/officeDocument/2006/relationships" xmlns:p="http://schemas.openxmlformats.org/presentationml/2006/main">
+  <p:cSld>
+    <p:spTree>
+      <p:nvGrpSpPr>
+        <p:cNvPr id="1" name=""/>
+        <p:cNvGrpSpPr/>
+        <p:nvPr/>
+      </p:nvGrpSpPr>
+      <p:grpSpPr>
+        <a:xfrm>
+          <a:off x="0" y="0"/>
+          <a:ext cx="0" cy="0"/>
+          <a:chOff x="0" y="0"/>
+          <a:chExt cx="0" cy="0"/>
+        </a:xfrm>
+      </p:grpSpPr>
+      <p:sp>
+        <p:nvSpPr>
+          <p:cNvPr id="2" name="Title 1"/>
+          <p:cNvSpPr>
+            <a:spLocks noGrp="1"/>
+          </p:cNvSpPr>
+          <p:nvPr>
+            <p:ph type="title"/>
+          </p:nvPr>
+        </p:nvSpPr>
+        <p:spPr>
+          <a:xfrm>
+            <a:off x="1494068" y="66737"/>
+            <a:ext cx="8534400" cy="1507067"/>
+          </a:xfrm>
+        </p:spPr>
+        <p:txBody>
+          <a:bodyPr>
+            <a:normAutofit/>
+          </a:bodyPr>
+          <a:lstStyle/>
+          <a:p>
+            <a:pPr algn="ctr"/>
+            <a:r>
+              <a:rPr lang="en-US" b="1" dirty="0"/>
+              <a:t>Transactions</a:t>
+            </a:r>
+          </a:p>
+        </p:txBody>
+      </p:sp>
+      <p:sp>
+        <p:nvSpPr>
+          <p:cNvPr id="3" name="Content Placeholder 2"/>
+          <p:cNvSpPr>
+            <a:spLocks noGrp="1"/>
+          </p:cNvSpPr>
+          <p:nvPr>
+            <p:ph idx="1"/>
+          </p:nvPr>
+        </p:nvSpPr>
+        <p:spPr>
+          <a:xfrm>
+            <a:off x="854539" y="820271"/>
+            <a:ext cx="10754755" cy="5867400"/>
+          </a:xfrm>
+        </p:spPr>
+        <p:txBody>
+          <a:bodyPr>
+            <a:normAutofit/>
+          </a:bodyPr>
+          <a:lstStyle/>
+          <a:p>
+            <a:r>
+              <a:rPr lang="en-US" sz="2200" dirty="0">
+                <a:solidFill>
+                  <a:schemeClr val="tx2">
+                    <a:lumMod val="40000"/>
+                    <a:lumOff val="60000"/>
+                  </a:schemeClr>
+                </a:solidFill>
+              </a:rPr>
+              <a:t>@Transactional</a:t>
+            </a:r>
+            <a:r>
+              <a:rPr lang="bg-BG" sz="2200" dirty="0">
+                <a:solidFill>
+                  <a:schemeClr val="tx2">
+                    <a:lumMod val="40000"/>
+                    <a:lumOff val="60000"/>
+                  </a:schemeClr>
+                </a:solidFill>
+              </a:rPr>
+              <a:t> – слага се върху метод и означава че се отваря една транзакция, при успешно приключване тя се комитва, а при възникнала грешка всички промени се </a:t>
+            </a:r>
+            <a:r>
+              <a:rPr lang="en-US" sz="2200" dirty="0">
+                <a:solidFill>
+                  <a:schemeClr val="tx2">
+                    <a:lumMod val="40000"/>
+                    <a:lumOff val="60000"/>
+                  </a:schemeClr>
+                </a:solidFill>
+              </a:rPr>
+              <a:t>rollback</a:t>
+            </a:r>
+            <a:r>
+              <a:rPr lang="bg-BG" sz="2200" dirty="0">
+                <a:solidFill>
+                  <a:schemeClr val="tx2">
+                    <a:lumMod val="40000"/>
+                    <a:lumOff val="60000"/>
+                  </a:schemeClr>
+                </a:solidFill>
+              </a:rPr>
+              <a:t>-ват</a:t>
+            </a:r>
+          </a:p>
+          <a:p>
+            <a:r>
+              <a:rPr lang="bg-BG" sz="2200" dirty="0">
+                <a:solidFill>
+                  <a:schemeClr val="tx2">
+                    <a:lumMod val="40000"/>
+                    <a:lumOff val="60000"/>
+                  </a:schemeClr>
+                </a:solidFill>
+              </a:rPr>
+              <a:t>Когато е сложена анотацията върху клас, всички методи на класа са в транзакция</a:t>
+            </a:r>
+          </a:p>
+          <a:p>
+            <a:r>
+              <a:rPr lang="bg-BG" sz="2200" dirty="0">
+                <a:solidFill>
+                  <a:schemeClr val="tx2">
+                    <a:lumMod val="40000"/>
+                    <a:lumOff val="60000"/>
+                  </a:schemeClr>
+                </a:solidFill>
+              </a:rPr>
+              <a:t>Характеристики на анотацията:</a:t>
+            </a:r>
+          </a:p>
+          <a:p>
+            <a:pPr>
+              <a:buFont typeface="Wingdings" panose="05000000000000000000" pitchFamily="2" charset="2"/>
+              <a:buChar char="§"/>
+            </a:pPr>
+            <a:r>
+              <a:rPr lang="en-US" sz="2100" i="1" dirty="0">
+                <a:solidFill>
+                  <a:schemeClr val="tx2"/>
+                </a:solidFill>
+              </a:rPr>
+              <a:t>Propagation </a:t>
+            </a:r>
+            <a:endParaRPr lang="bg-BG" sz="2100" i="1" dirty="0">
+              <a:solidFill>
+                <a:schemeClr val="tx2"/>
+              </a:solidFill>
+            </a:endParaRPr>
+          </a:p>
+          <a:p>
+            <a:pPr>
+              <a:buFont typeface="Wingdings" panose="05000000000000000000" pitchFamily="2" charset="2"/>
+              <a:buChar char="§"/>
+            </a:pPr>
+            <a:r>
+              <a:rPr lang="en-US" sz="2100" i="1" dirty="0">
+                <a:solidFill>
+                  <a:schemeClr val="tx2"/>
+                </a:solidFill>
+              </a:rPr>
+              <a:t>Isolation </a:t>
+            </a:r>
+            <a:endParaRPr lang="bg-BG" sz="2100" i="1" dirty="0">
+              <a:solidFill>
+                <a:schemeClr val="tx2"/>
+              </a:solidFill>
+            </a:endParaRPr>
+          </a:p>
+          <a:p>
+            <a:pPr>
+              <a:buFont typeface="Wingdings" panose="05000000000000000000" pitchFamily="2" charset="2"/>
+              <a:buChar char="§"/>
+            </a:pPr>
+            <a:r>
+              <a:rPr lang="en-US" sz="2100" i="1" dirty="0">
+                <a:solidFill>
+                  <a:schemeClr val="tx2"/>
+                </a:solidFill>
+              </a:rPr>
+              <a:t>Timeout</a:t>
+            </a:r>
+            <a:r>
+              <a:rPr lang="en-US" sz="2100" dirty="0">
+                <a:solidFill>
+                  <a:schemeClr val="tx2"/>
+                </a:solidFill>
+              </a:rPr>
+              <a:t> </a:t>
+            </a:r>
+            <a:endParaRPr lang="bg-BG" sz="2100" dirty="0">
+              <a:solidFill>
+                <a:schemeClr val="tx2"/>
+              </a:solidFill>
+            </a:endParaRPr>
+          </a:p>
+          <a:p>
+            <a:pPr>
+              <a:buFont typeface="Wingdings" panose="05000000000000000000" pitchFamily="2" charset="2"/>
+              <a:buChar char="§"/>
+            </a:pPr>
+            <a:r>
+              <a:rPr lang="en-US" sz="2100" i="1" dirty="0" err="1">
+                <a:solidFill>
+                  <a:schemeClr val="tx2"/>
+                </a:solidFill>
+              </a:rPr>
+              <a:t>readOnly</a:t>
+            </a:r>
+            <a:r>
+              <a:rPr lang="en-US" sz="2100" i="1" dirty="0">
+                <a:solidFill>
+                  <a:schemeClr val="tx2"/>
+                </a:solidFill>
+              </a:rPr>
+              <a:t> </a:t>
+            </a:r>
+            <a:endParaRPr lang="bg-BG" sz="2100" i="1" dirty="0">
+              <a:solidFill>
+                <a:schemeClr val="tx2"/>
+              </a:solidFill>
+            </a:endParaRPr>
+          </a:p>
+          <a:p>
+            <a:pPr>
+              <a:buFont typeface="Wingdings" panose="05000000000000000000" pitchFamily="2" charset="2"/>
+              <a:buChar char="§"/>
+            </a:pPr>
+            <a:r>
+              <a:rPr lang="en-US" sz="2100" i="1" dirty="0">
+                <a:solidFill>
+                  <a:schemeClr val="tx2"/>
+                </a:solidFill>
+              </a:rPr>
+              <a:t>Rollback</a:t>
+            </a:r>
+            <a:r>
+              <a:rPr lang="en-US" sz="2100" dirty="0">
+                <a:solidFill>
+                  <a:schemeClr val="tx2"/>
+                </a:solidFill>
+              </a:rPr>
+              <a:t> rules</a:t>
+            </a:r>
+          </a:p>
+        </p:txBody>
+      </p:sp>
+    </p:spTree>
+    <p:extLst>
+      <p:ext uri="{BB962C8B-B14F-4D97-AF65-F5344CB8AC3E}">
+        <p14:creationId xmlns:p14="http://schemas.microsoft.com/office/powerpoint/2010/main" val="2730263031"/>
+      </p:ext>
+    </p:extLst>
+  </p:cSld>
+  <p:clrMapOvr>
+    <a:masterClrMapping/>
+  </p:clrMapOvr>
 </p:sld>
 </file>
 
@@ -5500,7 +6995,7 @@
         </p:nvSpPr>
         <p:spPr>
           <a:xfrm>
-            <a:off x="477664" y="1374725"/>
+            <a:off x="357595" y="1268846"/>
             <a:ext cx="10491788" cy="4320308"/>
           </a:xfrm>
         </p:spPr>
@@ -5510,215 +7005,65 @@
           </a:bodyPr>
           <a:lstStyle/>
           <a:p>
-            <a:r>
-              <a:rPr lang="en-US" sz="2300" dirty="0" smtClean="0">
-                <a:solidFill>
-                  <a:schemeClr val="tx2">
-                    <a:lumMod val="40000"/>
-                    <a:lumOff val="60000"/>
-                  </a:schemeClr>
-                </a:solidFill>
-              </a:rPr>
-              <a:t>Entity </a:t>
-            </a:r>
-            <a:r>
-              <a:rPr lang="bg-BG" sz="2300" dirty="0" smtClean="0">
-                <a:solidFill>
-                  <a:schemeClr val="tx2">
-                    <a:lumMod val="40000"/>
-                    <a:lumOff val="60000"/>
-                  </a:schemeClr>
-                </a:solidFill>
-              </a:rPr>
-              <a:t>анотацията се слага на </a:t>
-            </a:r>
-            <a:r>
-              <a:rPr lang="en-US" sz="2300" dirty="0" smtClean="0">
-                <a:solidFill>
-                  <a:schemeClr val="tx2">
-                    <a:lumMod val="40000"/>
-                    <a:lumOff val="60000"/>
-                  </a:schemeClr>
-                </a:solidFill>
-              </a:rPr>
-              <a:t>POJO </a:t>
-            </a:r>
-            <a:r>
-              <a:rPr lang="bg-BG" sz="2300" dirty="0" smtClean="0">
-                <a:solidFill>
-                  <a:schemeClr val="tx2">
-                    <a:lumMod val="40000"/>
-                    <a:lumOff val="60000"/>
-                  </a:schemeClr>
-                </a:solidFill>
-              </a:rPr>
-              <a:t>обекти, които представлява една таблица в базата данни. Всички полета на класа ни представляват колоните в таблицата.</a:t>
-            </a:r>
-          </a:p>
-          <a:p>
-            <a:r>
-              <a:rPr lang="bg-BG" sz="2300" dirty="0" smtClean="0">
-                <a:solidFill>
-                  <a:schemeClr val="tx2">
-                    <a:lumMod val="40000"/>
-                    <a:lumOff val="60000"/>
-                  </a:schemeClr>
-                </a:solidFill>
-              </a:rPr>
-              <a:t>Всяка инстанция на </a:t>
-            </a:r>
-            <a:r>
-              <a:rPr lang="en-US" sz="2300" dirty="0" smtClean="0">
-                <a:solidFill>
-                  <a:schemeClr val="tx2">
-                    <a:lumMod val="40000"/>
-                    <a:lumOff val="60000"/>
-                  </a:schemeClr>
-                </a:solidFill>
-              </a:rPr>
-              <a:t>entity </a:t>
-            </a:r>
-            <a:r>
-              <a:rPr lang="bg-BG" sz="2300" dirty="0" smtClean="0">
-                <a:solidFill>
-                  <a:schemeClr val="tx2">
-                    <a:lumMod val="40000"/>
-                    <a:lumOff val="60000"/>
-                  </a:schemeClr>
-                </a:solidFill>
-              </a:rPr>
-              <a:t>ни представлява нов ред в таблицата.</a:t>
-            </a:r>
-          </a:p>
-          <a:p>
-            <a:r>
-              <a:rPr lang="bg-BG" sz="2300" dirty="0" smtClean="0">
-                <a:solidFill>
-                  <a:schemeClr val="tx2">
-                    <a:lumMod val="40000"/>
-                    <a:lumOff val="60000"/>
-                  </a:schemeClr>
-                </a:solidFill>
-              </a:rPr>
-              <a:t>Задължителните неща които трябва да ги има едно </a:t>
-            </a:r>
-            <a:r>
-              <a:rPr lang="en-US" sz="2300" dirty="0" smtClean="0">
-                <a:solidFill>
-                  <a:schemeClr val="tx2">
-                    <a:lumMod val="40000"/>
-                    <a:lumOff val="60000"/>
-                  </a:schemeClr>
-                </a:solidFill>
-              </a:rPr>
-              <a:t>Entity:</a:t>
-            </a:r>
-          </a:p>
-          <a:p>
-            <a:pPr marL="514350" indent="-514350">
-              <a:buFont typeface="+mj-lt"/>
-              <a:buAutoNum type="arabicPeriod"/>
+            <a:pPr marL="0" indent="0">
+              <a:buNone/>
             </a:pPr>
             <a:r>
-              <a:rPr lang="en-US" sz="2200" i="1" dirty="0" smtClean="0">
-                <a:solidFill>
-                  <a:schemeClr val="tx2">
-                    <a:lumMod val="75000"/>
-                  </a:schemeClr>
-                </a:solidFill>
-              </a:rPr>
-              <a:t>id </a:t>
-            </a:r>
-            <a:r>
-              <a:rPr lang="bg-BG" sz="2200" i="1" dirty="0" smtClean="0">
-                <a:solidFill>
-                  <a:schemeClr val="tx2">
-                    <a:lumMod val="75000"/>
-                  </a:schemeClr>
-                </a:solidFill>
-              </a:rPr>
-              <a:t>–</a:t>
-            </a:r>
-            <a:r>
-              <a:rPr lang="en-US" sz="2200" i="1" dirty="0" smtClean="0">
-                <a:solidFill>
-                  <a:schemeClr val="tx2">
-                    <a:lumMod val="75000"/>
-                  </a:schemeClr>
-                </a:solidFill>
-              </a:rPr>
-              <a:t> </a:t>
-            </a:r>
-            <a:r>
-              <a:rPr lang="bg-BG" sz="2200" i="1" dirty="0" smtClean="0">
-                <a:solidFill>
-                  <a:schemeClr val="tx2">
-                    <a:lumMod val="75000"/>
-                  </a:schemeClr>
-                </a:solidFill>
-              </a:rPr>
-              <a:t>създава се със слагане на анотацията </a:t>
-            </a:r>
-            <a:r>
-              <a:rPr lang="en-US" sz="2200" i="1" dirty="0" smtClean="0">
-                <a:solidFill>
-                  <a:schemeClr val="tx2">
-                    <a:lumMod val="75000"/>
-                  </a:schemeClr>
-                </a:solidFill>
-              </a:rPr>
-              <a:t>@Id</a:t>
-            </a:r>
-            <a:r>
-              <a:rPr lang="bg-BG" sz="2200" i="1" dirty="0" smtClean="0">
-                <a:solidFill>
-                  <a:schemeClr val="tx2">
-                    <a:lumMod val="75000"/>
-                  </a:schemeClr>
-                </a:solidFill>
-              </a:rPr>
-              <a:t> </a:t>
-            </a:r>
-            <a:r>
-              <a:rPr lang="bg-BG" sz="2200" i="1" dirty="0" smtClean="0">
-                <a:solidFill>
-                  <a:schemeClr val="tx2">
-                    <a:lumMod val="75000"/>
-                  </a:schemeClr>
-                </a:solidFill>
-              </a:rPr>
-              <a:t>върху поле </a:t>
-            </a:r>
-            <a:endParaRPr lang="bg-BG" sz="2200" i="1" dirty="0" smtClean="0">
-              <a:solidFill>
-                <a:schemeClr val="tx2">
-                  <a:lumMod val="75000"/>
-                </a:schemeClr>
-              </a:solidFill>
-            </a:endParaRPr>
-          </a:p>
-          <a:p>
-            <a:pPr marL="514350" indent="-514350">
-              <a:buFont typeface="+mj-lt"/>
-              <a:buAutoNum type="arabicPeriod"/>
-            </a:pPr>
-            <a:r>
-              <a:rPr lang="bg-BG" sz="2200" i="1" dirty="0" smtClean="0">
-                <a:solidFill>
-                  <a:schemeClr val="tx2">
-                    <a:lumMod val="75000"/>
-                  </a:schemeClr>
-                </a:solidFill>
-              </a:rPr>
-              <a:t>Конструктор без аргументи (дефолтен конструктор)</a:t>
-            </a:r>
-            <a:endParaRPr lang="en-US" sz="2200" i="1" dirty="0">
-              <a:solidFill>
-                <a:schemeClr val="tx2">
-                  <a:lumMod val="75000"/>
-                </a:schemeClr>
-              </a:solidFill>
-            </a:endParaRPr>
+              <a:rPr lang="bg-BG" sz="2400" dirty="0">
+                <a:solidFill>
+                  <a:schemeClr val="tx1"/>
+                </a:solidFill>
+              </a:rPr>
+              <a:t>За да може успешно да се осъществи връзка към базата данни, то на </a:t>
+            </a:r>
+            <a:r>
+              <a:rPr lang="en-US" sz="2400" dirty="0">
+                <a:solidFill>
+                  <a:schemeClr val="tx1"/>
+                </a:solidFill>
+              </a:rPr>
+              <a:t>Spring</a:t>
+            </a:r>
+            <a:r>
+              <a:rPr lang="bg-BG" sz="2400" dirty="0">
+                <a:solidFill>
+                  <a:schemeClr val="tx1"/>
+                </a:solidFill>
+              </a:rPr>
+              <a:t> е нужна специална конфигурация, както и </a:t>
+            </a:r>
+            <a:r>
+              <a:rPr lang="en-US" sz="2400" dirty="0">
+                <a:solidFill>
+                  <a:schemeClr val="tx1"/>
+                </a:solidFill>
+              </a:rPr>
+              <a:t>driver</a:t>
+            </a:r>
+            <a:r>
+              <a:rPr lang="bg-BG" sz="2400" dirty="0">
+                <a:solidFill>
+                  <a:schemeClr val="tx1"/>
+                </a:solidFill>
+              </a:rPr>
+              <a:t> чрез който да се извърши </a:t>
+            </a:r>
+            <a:r>
+              <a:rPr lang="bg-BG" sz="2400" dirty="0" err="1">
+                <a:solidFill>
+                  <a:schemeClr val="tx1"/>
+                </a:solidFill>
+              </a:rPr>
+              <a:t>конекцията</a:t>
+            </a:r>
+            <a:r>
+              <a:rPr lang="bg-BG" sz="2400" dirty="0">
+                <a:solidFill>
+                  <a:schemeClr val="tx1"/>
+                </a:solidFill>
+              </a:rPr>
+              <a:t> с базата от данни.</a:t>
+            </a:r>
           </a:p>
         </p:txBody>
       </p:sp>
@@ -5732,7 +7077,7 @@
         </p:nvSpPr>
         <p:spPr>
           <a:xfrm>
-            <a:off x="465758" y="182546"/>
+            <a:off x="333783" y="898984"/>
             <a:ext cx="10515600" cy="1325563"/>
           </a:xfrm>
           <a:prstGeom prst="rect">
@@ -5765,8 +7110,8 @@
           <a:p>
             <a:pPr algn="ctr"/>
             <a:r>
-              <a:rPr lang="en-US" b="1" dirty="0" smtClean="0"/>
-              <a:t>Entity</a:t>
+              <a:rPr lang="bg-BG" dirty="0"/>
+              <a:t>Връзка към база от данни</a:t>
             </a:r>
             <a:endParaRPr lang="en-US" dirty="0"/>
           </a:p>
@@ -5775,20 +7120,13 @@
     </p:spTree>
     <p:extLst>
       <p:ext uri="{BB962C8B-B14F-4D97-AF65-F5344CB8AC3E}">
-        <p14:creationId xmlns:p14="http://schemas.microsoft.com/office/powerpoint/2010/main" val="2422905367"/>
+        <p14:creationId xmlns:p14="http://schemas.microsoft.com/office/powerpoint/2010/main" val="287803025"/>
       </p:ext>
     </p:extLst>
   </p:cSld>
   <p:clrMapOvr>
     <a:masterClrMapping/>
   </p:clrMapOvr>
-  <p:timing>
-    <p:tnLst>
-      <p:par>
-        <p:cTn id="1" dur="indefinite" restart="never" nodeType="tmRoot"/>
-      </p:par>
-    </p:tnLst>
-  </p:timing>
 </p:sld>
 </file>
 
@@ -5821,488 +7159,115 @@
         </p:nvSpPr>
         <p:spPr>
           <a:xfrm>
-            <a:off x="767338" y="1517073"/>
-            <a:ext cx="9134043" cy="4708236"/>
+            <a:off x="367022" y="1268846"/>
+            <a:ext cx="10491788" cy="4320308"/>
           </a:xfrm>
         </p:spPr>
         <p:txBody>
           <a:bodyPr>
-            <a:normAutofit fontScale="92500" lnSpcReduction="10000"/>
+            <a:normAutofit/>
           </a:bodyPr>
           <a:lstStyle/>
           <a:p>
-            <a:r>
-              <a:rPr lang="en-US" sz="2400" dirty="0" smtClean="0">
-                <a:solidFill>
-                  <a:schemeClr val="tx2">
-                    <a:lumMod val="40000"/>
-                    <a:lumOff val="60000"/>
-                  </a:schemeClr>
-                </a:solidFill>
-              </a:rPr>
-              <a:t>@Id – </a:t>
-            </a:r>
-            <a:r>
-              <a:rPr lang="bg-BG" sz="2400" dirty="0" smtClean="0">
-                <a:solidFill>
-                  <a:schemeClr val="tx2">
-                    <a:lumMod val="40000"/>
-                    <a:lumOff val="60000"/>
-                  </a:schemeClr>
-                </a:solidFill>
-              </a:rPr>
-              <a:t>означава че полето е първичен ключ</a:t>
-            </a:r>
-            <a:r>
-              <a:rPr lang="en-US" sz="2400" dirty="0" smtClean="0">
-                <a:solidFill>
-                  <a:schemeClr val="tx2">
-                    <a:lumMod val="40000"/>
-                    <a:lumOff val="60000"/>
-                  </a:schemeClr>
-                </a:solidFill>
-              </a:rPr>
-              <a:t> </a:t>
-            </a:r>
-            <a:r>
-              <a:rPr lang="bg-BG" sz="2400" dirty="0" smtClean="0">
-                <a:solidFill>
-                  <a:schemeClr val="tx2">
-                    <a:lumMod val="40000"/>
-                    <a:lumOff val="60000"/>
-                  </a:schemeClr>
-                </a:solidFill>
-              </a:rPr>
-              <a:t>(</a:t>
-            </a:r>
+            <a:pPr marL="0" indent="0">
+              <a:buNone/>
+            </a:pPr>
             <a:r>
               <a:rPr lang="en-US" sz="2400" dirty="0">
                 <a:solidFill>
-                  <a:schemeClr val="tx2">
-                    <a:lumMod val="40000"/>
-                    <a:lumOff val="60000"/>
-                  </a:schemeClr>
-                </a:solidFill>
-              </a:rPr>
-              <a:t>primary key</a:t>
-            </a:r>
-            <a:r>
-              <a:rPr lang="bg-BG" sz="2400" dirty="0" smtClean="0">
-                <a:solidFill>
-                  <a:schemeClr val="tx2">
-                    <a:lumMod val="40000"/>
-                    <a:lumOff val="60000"/>
-                  </a:schemeClr>
-                </a:solidFill>
-              </a:rPr>
-              <a:t>) на таблицата</a:t>
-            </a:r>
-          </a:p>
-          <a:p>
+                  <a:schemeClr val="tx1"/>
+                </a:solidFill>
+              </a:rPr>
+              <a:t>1. </a:t>
+            </a:r>
+            <a:r>
+              <a:rPr lang="bg-BG" sz="2400" dirty="0">
+                <a:solidFill>
+                  <a:schemeClr val="tx1"/>
+                </a:solidFill>
+              </a:rPr>
+              <a:t>Ръчно имплементиране чрез създаване на </a:t>
+            </a:r>
+            <a:r>
+              <a:rPr lang="en-US" sz="2400" dirty="0" err="1">
+                <a:solidFill>
+                  <a:schemeClr val="tx1"/>
+                </a:solidFill>
+              </a:rPr>
+              <a:t>DataSource</a:t>
+            </a:r>
             <a:r>
               <a:rPr lang="en-US" sz="2400" dirty="0">
                 <a:solidFill>
-                  <a:schemeClr val="tx2">
-                    <a:lumMod val="40000"/>
-                    <a:lumOff val="60000"/>
-                  </a:schemeClr>
-                </a:solidFill>
-              </a:rPr>
-              <a:t>@</a:t>
+                  <a:schemeClr val="tx1"/>
+                </a:solidFill>
+              </a:rPr>
+              <a:t> bean</a:t>
+            </a:r>
+            <a:r>
+              <a:rPr lang="bg-BG" sz="2400" dirty="0">
+                <a:solidFill>
+                  <a:schemeClr val="tx1"/>
+                </a:solidFill>
+              </a:rPr>
+              <a:t>, </a:t>
             </a:r>
             <a:r>
               <a:rPr lang="en-US" sz="2400" dirty="0" err="1">
                 <a:solidFill>
-                  <a:schemeClr val="tx2">
-                    <a:lumMod val="40000"/>
-                    <a:lumOff val="60000"/>
-                  </a:schemeClr>
-                </a:solidFill>
-              </a:rPr>
-              <a:t>GeneratedValue</a:t>
+                  <a:schemeClr val="tx1"/>
+                </a:solidFill>
+              </a:rPr>
+              <a:t>TransactionManagerFactory</a:t>
             </a:r>
             <a:r>
               <a:rPr lang="en-US" sz="2400" dirty="0">
                 <a:solidFill>
-                  <a:schemeClr val="tx2">
-                    <a:lumMod val="40000"/>
-                    <a:lumOff val="60000"/>
-                  </a:schemeClr>
-                </a:solidFill>
-              </a:rPr>
-              <a:t>(strategy=</a:t>
-            </a:r>
-            <a:r>
-              <a:rPr lang="en-US" sz="2400" dirty="0" err="1">
-                <a:solidFill>
-                  <a:schemeClr val="tx2">
-                    <a:lumMod val="40000"/>
-                    <a:lumOff val="60000"/>
-                  </a:schemeClr>
-                </a:solidFill>
-              </a:rPr>
-              <a:t>GenerationType.AUTO</a:t>
-            </a:r>
+                  <a:schemeClr val="tx1"/>
+                </a:solidFill>
+              </a:rPr>
+              <a:t> bean.</a:t>
+            </a:r>
+          </a:p>
+          <a:p>
+            <a:pPr marL="0" indent="0">
+              <a:buNone/>
+            </a:pPr>
             <a:r>
               <a:rPr lang="en-US" sz="2400" dirty="0">
                 <a:solidFill>
-                  <a:schemeClr val="tx2">
-                    <a:lumMod val="40000"/>
-                    <a:lumOff val="60000"/>
-                  </a:schemeClr>
-                </a:solidFill>
-              </a:rPr>
-              <a:t>)</a:t>
-            </a:r>
-            <a:endParaRPr lang="en-US" sz="2500" dirty="0" smtClean="0">
+                  <a:schemeClr val="tx1"/>
+                </a:solidFill>
+              </a:rPr>
+              <a:t>2. </a:t>
+            </a:r>
+            <a:r>
+              <a:rPr lang="bg-BG" sz="2400" dirty="0">
+                <a:solidFill>
+                  <a:schemeClr val="tx1"/>
+                </a:solidFill>
+              </a:rPr>
+              <a:t>Използване </a:t>
+            </a:r>
+            <a:r>
+              <a:rPr lang="en-US" sz="2400" dirty="0">
+                <a:solidFill>
+                  <a:schemeClr val="tx1"/>
+                </a:solidFill>
+              </a:rPr>
+              <a:t>@DataSourceAutoConfiguration</a:t>
+            </a:r>
+            <a:endParaRPr lang="bg-BG" sz="2400" dirty="0">
               <a:solidFill>
-                <a:schemeClr val="tx2">
-                  <a:lumMod val="40000"/>
-                  <a:lumOff val="60000"/>
-                </a:schemeClr>
+                <a:schemeClr val="tx1"/>
               </a:solidFill>
             </a:endParaRPr>
           </a:p>
-          <a:p>
-            <a:r>
-              <a:rPr lang="en-US" sz="2500" dirty="0" smtClean="0">
-                <a:solidFill>
-                  <a:schemeClr val="tx2">
-                    <a:lumMod val="40000"/>
-                    <a:lumOff val="60000"/>
-                  </a:schemeClr>
-                </a:solidFill>
-              </a:rPr>
-              <a:t>@</a:t>
-            </a:r>
-            <a:r>
-              <a:rPr lang="en-US" sz="2500" dirty="0">
-                <a:solidFill>
-                  <a:schemeClr val="tx2">
-                    <a:lumMod val="40000"/>
-                    <a:lumOff val="60000"/>
-                  </a:schemeClr>
-                </a:solidFill>
-              </a:rPr>
-              <a:t>Table(name</a:t>
-            </a:r>
-            <a:r>
-              <a:rPr lang="en-US" sz="2500" dirty="0" smtClean="0">
-                <a:solidFill>
-                  <a:schemeClr val="tx2">
-                    <a:lumMod val="40000"/>
-                    <a:lumOff val="60000"/>
-                  </a:schemeClr>
-                </a:solidFill>
-              </a:rPr>
-              <a:t>=„car", </a:t>
-            </a:r>
-            <a:r>
-              <a:rPr lang="en-US" sz="2500" dirty="0">
-                <a:solidFill>
-                  <a:schemeClr val="tx2">
-                    <a:lumMod val="40000"/>
-                    <a:lumOff val="60000"/>
-                  </a:schemeClr>
-                </a:solidFill>
-              </a:rPr>
-              <a:t>schema</a:t>
-            </a:r>
-            <a:r>
-              <a:rPr lang="en-US" sz="2500" dirty="0" smtClean="0">
-                <a:solidFill>
-                  <a:schemeClr val="tx2">
-                    <a:lumMod val="40000"/>
-                    <a:lumOff val="60000"/>
-                  </a:schemeClr>
-                </a:solidFill>
-              </a:rPr>
-              <a:t>="</a:t>
-            </a:r>
-            <a:r>
-              <a:rPr lang="en-US" sz="2500" dirty="0" err="1" smtClean="0">
-                <a:solidFill>
-                  <a:schemeClr val="tx2">
-                    <a:lumMod val="40000"/>
-                    <a:lumOff val="60000"/>
-                  </a:schemeClr>
-                </a:solidFill>
-              </a:rPr>
-              <a:t>mjt</a:t>
-            </a:r>
-            <a:r>
-              <a:rPr lang="en-US" sz="2500" dirty="0" smtClean="0">
-                <a:solidFill>
-                  <a:schemeClr val="tx2">
-                    <a:lumMod val="40000"/>
-                    <a:lumOff val="60000"/>
-                  </a:schemeClr>
-                </a:solidFill>
-              </a:rPr>
-              <a:t>") – </a:t>
-            </a:r>
-            <a:r>
-              <a:rPr lang="bg-BG" sz="2500" dirty="0" smtClean="0">
-                <a:solidFill>
-                  <a:schemeClr val="tx2">
-                    <a:lumMod val="40000"/>
-                    <a:lumOff val="60000"/>
-                  </a:schemeClr>
-                </a:solidFill>
-              </a:rPr>
-              <a:t>използва се ако името на таблицата е различно от това в базата, и ако базата се различава</a:t>
-            </a:r>
-          </a:p>
-          <a:p>
-            <a:r>
-              <a:rPr lang="fr-FR" sz="2500" dirty="0">
-                <a:solidFill>
-                  <a:schemeClr val="tx2">
-                    <a:lumMod val="40000"/>
-                    <a:lumOff val="60000"/>
-                  </a:schemeClr>
-                </a:solidFill>
-              </a:rPr>
-              <a:t>@</a:t>
-            </a:r>
-            <a:r>
-              <a:rPr lang="fr-FR" sz="2500" dirty="0" err="1">
-                <a:solidFill>
-                  <a:schemeClr val="tx2">
-                    <a:lumMod val="40000"/>
-                    <a:lumOff val="60000"/>
-                  </a:schemeClr>
-                </a:solidFill>
-              </a:rPr>
-              <a:t>Column</a:t>
-            </a:r>
-            <a:r>
-              <a:rPr lang="fr-FR" sz="2500" dirty="0">
-                <a:solidFill>
-                  <a:schemeClr val="tx2">
-                    <a:lumMod val="40000"/>
-                    <a:lumOff val="60000"/>
-                  </a:schemeClr>
-                </a:solidFill>
-              </a:rPr>
-              <a:t>(</a:t>
-            </a:r>
-            <a:r>
-              <a:rPr lang="fr-FR" sz="2500" dirty="0" err="1">
-                <a:solidFill>
-                  <a:schemeClr val="tx2">
-                    <a:lumMod val="40000"/>
-                    <a:lumOff val="60000"/>
-                  </a:schemeClr>
-                </a:solidFill>
-              </a:rPr>
-              <a:t>name</a:t>
-            </a:r>
-            <a:r>
-              <a:rPr lang="fr-FR" sz="2500" dirty="0" smtClean="0">
-                <a:solidFill>
-                  <a:schemeClr val="tx2">
-                    <a:lumMod val="40000"/>
-                    <a:lumOff val="60000"/>
-                  </a:schemeClr>
-                </a:solidFill>
-              </a:rPr>
-              <a:t>=„</a:t>
-            </a:r>
-            <a:r>
-              <a:rPr lang="en-US" sz="2500" dirty="0" err="1" smtClean="0">
-                <a:solidFill>
-                  <a:schemeClr val="tx2">
-                    <a:lumMod val="40000"/>
-                    <a:lumOff val="60000"/>
-                  </a:schemeClr>
-                </a:solidFill>
-              </a:rPr>
-              <a:t>car_name</a:t>
-            </a:r>
-            <a:r>
-              <a:rPr lang="fr-FR" sz="2500" dirty="0" smtClean="0">
-                <a:solidFill>
-                  <a:schemeClr val="tx2">
-                    <a:lumMod val="40000"/>
-                    <a:lumOff val="60000"/>
-                  </a:schemeClr>
-                </a:solidFill>
-              </a:rPr>
-              <a:t>", </a:t>
-            </a:r>
-            <a:r>
-              <a:rPr lang="fr-FR" sz="2500" dirty="0" err="1">
-                <a:solidFill>
-                  <a:schemeClr val="tx2">
-                    <a:lumMod val="40000"/>
-                    <a:lumOff val="60000"/>
-                  </a:schemeClr>
-                </a:solidFill>
-              </a:rPr>
-              <a:t>length</a:t>
-            </a:r>
-            <a:r>
-              <a:rPr lang="fr-FR" sz="2500" dirty="0">
-                <a:solidFill>
-                  <a:schemeClr val="tx2">
-                    <a:lumMod val="40000"/>
-                    <a:lumOff val="60000"/>
-                  </a:schemeClr>
-                </a:solidFill>
-              </a:rPr>
-              <a:t>=50, </a:t>
-            </a:r>
-            <a:r>
-              <a:rPr lang="fr-FR" sz="2500" dirty="0" err="1">
-                <a:solidFill>
-                  <a:schemeClr val="tx2">
-                    <a:lumMod val="40000"/>
-                    <a:lumOff val="60000"/>
-                  </a:schemeClr>
-                </a:solidFill>
-              </a:rPr>
-              <a:t>nullable</a:t>
-            </a:r>
-            <a:r>
-              <a:rPr lang="fr-FR" sz="2500" dirty="0">
-                <a:solidFill>
-                  <a:schemeClr val="tx2">
-                    <a:lumMod val="40000"/>
-                    <a:lumOff val="60000"/>
-                  </a:schemeClr>
-                </a:solidFill>
-              </a:rPr>
-              <a:t>=false, unique=false</a:t>
-            </a:r>
-            <a:r>
-              <a:rPr lang="fr-FR" sz="2500" dirty="0" smtClean="0">
-                <a:solidFill>
-                  <a:schemeClr val="tx2">
-                    <a:lumMod val="40000"/>
-                    <a:lumOff val="60000"/>
-                  </a:schemeClr>
-                </a:solidFill>
-              </a:rPr>
-              <a:t>) – </a:t>
-            </a:r>
-            <a:r>
-              <a:rPr lang="bg-BG" sz="2500" dirty="0" smtClean="0">
-                <a:solidFill>
-                  <a:schemeClr val="tx2">
-                    <a:lumMod val="40000"/>
-                    <a:lumOff val="60000"/>
-                  </a:schemeClr>
-                </a:solidFill>
-              </a:rPr>
-              <a:t>дефинираме спецификации за колоната</a:t>
-            </a:r>
-          </a:p>
-          <a:p>
-            <a:r>
-              <a:rPr lang="en-US" sz="2400" dirty="0">
-                <a:solidFill>
-                  <a:schemeClr val="tx2">
-                    <a:lumMod val="40000"/>
-                    <a:lumOff val="60000"/>
-                  </a:schemeClr>
-                </a:solidFill>
-              </a:rPr>
-              <a:t>@</a:t>
-            </a:r>
-            <a:r>
-              <a:rPr lang="en-US" sz="2400" dirty="0" smtClean="0">
-                <a:solidFill>
-                  <a:schemeClr val="tx2">
-                    <a:lumMod val="40000"/>
-                    <a:lumOff val="60000"/>
-                  </a:schemeClr>
-                </a:solidFill>
-              </a:rPr>
-              <a:t>Transient</a:t>
-            </a:r>
-            <a:r>
-              <a:rPr lang="bg-BG" sz="2400" dirty="0" smtClean="0">
-                <a:solidFill>
-                  <a:schemeClr val="tx2">
-                    <a:lumMod val="40000"/>
-                    <a:lumOff val="60000"/>
-                  </a:schemeClr>
-                </a:solidFill>
-              </a:rPr>
-              <a:t> – когато не искаме полето да съществува в базата</a:t>
-            </a:r>
-          </a:p>
-          <a:p>
-            <a:r>
-              <a:rPr lang="en-US" sz="2400" dirty="0">
-                <a:solidFill>
-                  <a:schemeClr val="tx2">
-                    <a:lumMod val="40000"/>
-                    <a:lumOff val="60000"/>
-                  </a:schemeClr>
-                </a:solidFill>
-              </a:rPr>
-              <a:t>@Enumerated(</a:t>
-            </a:r>
-            <a:r>
-              <a:rPr lang="en-US" sz="2400" dirty="0" err="1">
-                <a:solidFill>
-                  <a:schemeClr val="tx2">
-                    <a:lumMod val="40000"/>
-                    <a:lumOff val="60000"/>
-                  </a:schemeClr>
-                </a:solidFill>
-              </a:rPr>
-              <a:t>EnumType.STRING</a:t>
-            </a:r>
-            <a:r>
-              <a:rPr lang="en-US" sz="2400" dirty="0" smtClean="0">
-                <a:solidFill>
-                  <a:schemeClr val="tx2">
-                    <a:lumMod val="40000"/>
-                    <a:lumOff val="60000"/>
-                  </a:schemeClr>
-                </a:solidFill>
-              </a:rPr>
-              <a:t>)</a:t>
-            </a:r>
-            <a:r>
-              <a:rPr lang="bg-BG" sz="2400" dirty="0" smtClean="0">
-                <a:solidFill>
-                  <a:schemeClr val="tx2">
-                    <a:lumMod val="40000"/>
-                    <a:lumOff val="60000"/>
-                  </a:schemeClr>
-                </a:solidFill>
-              </a:rPr>
-              <a:t> – използваме връху полета от тип </a:t>
-            </a:r>
-            <a:r>
-              <a:rPr lang="en-US" sz="2400" dirty="0" err="1" smtClean="0">
-                <a:solidFill>
-                  <a:schemeClr val="tx2">
-                    <a:lumMod val="40000"/>
-                    <a:lumOff val="60000"/>
-                  </a:schemeClr>
-                </a:solidFill>
-              </a:rPr>
-              <a:t>Enum</a:t>
-            </a:r>
-            <a:endParaRPr lang="en-US" sz="2500" dirty="0">
-              <a:solidFill>
-                <a:schemeClr val="tx2">
-                  <a:lumMod val="40000"/>
-                  <a:lumOff val="60000"/>
-                </a:schemeClr>
-              </a:solidFill>
-            </a:endParaRPr>
-          </a:p>
-        </p:txBody>
-      </p:sp>
-      <p:sp>
-        <p:nvSpPr>
-          <p:cNvPr id="7" name="Title 1"/>
+        </p:txBody>
+      </p:sp>
+      <p:sp>
+        <p:nvSpPr>
+          <p:cNvPr id="5" name="Title 1"/>
           <p:cNvSpPr txBox="1">
             <a:spLocks/>
           </p:cNvSpPr>
@@ -6310,7 +7275,7 @@
         </p:nvSpPr>
         <p:spPr>
           <a:xfrm>
-            <a:off x="214746" y="191510"/>
+            <a:off x="333783" y="898984"/>
             <a:ext cx="10515600" cy="1325563"/>
           </a:xfrm>
           <a:prstGeom prst="rect">
@@ -6343,8 +7308,12 @@
           <a:p>
             <a:pPr algn="ctr"/>
             <a:r>
-              <a:rPr lang="en-US" b="1" dirty="0" smtClean="0"/>
-              <a:t>Entity</a:t>
+              <a:rPr lang="bg-BG" dirty="0"/>
+              <a:t>Конфигурация на </a:t>
+            </a:r>
+            <a:r>
+              <a:rPr lang="en-US" dirty="0" err="1"/>
+              <a:t>DataSource</a:t>
             </a:r>
             <a:endParaRPr lang="en-US" dirty="0"/>
           </a:p>
@@ -6353,7 +7322,7 @@
     </p:spTree>
     <p:extLst>
       <p:ext uri="{BB962C8B-B14F-4D97-AF65-F5344CB8AC3E}">
-        <p14:creationId xmlns:p14="http://schemas.microsoft.com/office/powerpoint/2010/main" val="417290213"/>
+        <p14:creationId xmlns:p14="http://schemas.microsoft.com/office/powerpoint/2010/main" val="1713914241"/>
       </p:ext>
     </p:extLst>
   </p:cSld>
@@ -6382,18 +7351,18 @@
       </p:grpSpPr>
       <p:sp>
         <p:nvSpPr>
-          <p:cNvPr id="2" name="Title 1"/>
-          <p:cNvSpPr>
-            <a:spLocks noGrp="1"/>
-          </p:cNvSpPr>
-          <p:nvPr>
-            <p:ph type="title"/>
+          <p:cNvPr id="3" name="Content Placeholder 2"/>
+          <p:cNvSpPr>
+            <a:spLocks noGrp="1"/>
+          </p:cNvSpPr>
+          <p:nvPr>
+            <p:ph idx="1"/>
           </p:nvPr>
         </p:nvSpPr>
         <p:spPr>
           <a:xfrm>
-            <a:off x="1865562" y="321731"/>
-            <a:ext cx="8534400" cy="1507067"/>
+            <a:off x="367022" y="1268846"/>
+            <a:ext cx="10491788" cy="4320308"/>
           </a:xfrm>
         </p:spPr>
         <p:txBody>
@@ -6402,201 +7371,143 @@
           </a:bodyPr>
           <a:lstStyle/>
           <a:p>
-            <a:pPr algn="ctr"/>
-            <a:r>
-              <a:rPr lang="bg-BG" b="1" dirty="0"/>
-              <a:t>Конекция с базата данни</a:t>
-            </a:r>
-            <a:endParaRPr lang="en-US" b="1" dirty="0"/>
-          </a:p>
-        </p:txBody>
-      </p:sp>
-      <p:sp>
-        <p:nvSpPr>
-          <p:cNvPr id="3" name="Content Placeholder 2"/>
-          <p:cNvSpPr>
-            <a:spLocks noGrp="1"/>
-          </p:cNvSpPr>
-          <p:nvPr>
-            <p:ph idx="1"/>
-          </p:nvPr>
+            <a:pPr marL="0" indent="0">
+              <a:buNone/>
+            </a:pPr>
+            <a:r>
+              <a:rPr lang="bg-BG" sz="2400" dirty="0">
+                <a:solidFill>
+                  <a:schemeClr val="tx1"/>
+                </a:solidFill>
+              </a:rPr>
+              <a:t>Бива използван от </a:t>
+            </a:r>
+            <a:r>
+              <a:rPr lang="en-US" sz="2400" dirty="0">
+                <a:solidFill>
+                  <a:schemeClr val="tx1"/>
+                </a:solidFill>
+              </a:rPr>
+              <a:t>Spring</a:t>
+            </a:r>
+            <a:r>
+              <a:rPr lang="bg-BG" sz="2400" dirty="0">
+                <a:solidFill>
+                  <a:schemeClr val="tx1"/>
+                </a:solidFill>
+              </a:rPr>
+              <a:t>, да може да получи необходимите </a:t>
+            </a:r>
+            <a:r>
+              <a:rPr lang="bg-BG" sz="2400" dirty="0" err="1">
+                <a:solidFill>
+                  <a:schemeClr val="tx1"/>
+                </a:solidFill>
+              </a:rPr>
+              <a:t>креденшъли</a:t>
+            </a:r>
+            <a:r>
+              <a:rPr lang="bg-BG" sz="2400" dirty="0">
+                <a:solidFill>
+                  <a:schemeClr val="tx1"/>
+                </a:solidFill>
+              </a:rPr>
+              <a:t> и допълнителни данни за създаване на връзка към желаната база от данни.</a:t>
+            </a:r>
+          </a:p>
+          <a:p>
+            <a:pPr marL="0" indent="0">
+              <a:buNone/>
+            </a:pPr>
+            <a:r>
+              <a:rPr lang="bg-BG" sz="2400" dirty="0">
+                <a:solidFill>
+                  <a:schemeClr val="tx1"/>
+                </a:solidFill>
+              </a:rPr>
+              <a:t>Възможност за съхранение на </a:t>
+            </a:r>
+            <a:r>
+              <a:rPr lang="en-US" sz="2400" dirty="0">
+                <a:solidFill>
+                  <a:schemeClr val="tx1"/>
+                </a:solidFill>
+              </a:rPr>
+              <a:t>hard coded</a:t>
+            </a:r>
+            <a:r>
+              <a:rPr lang="bg-BG" sz="2400" dirty="0">
+                <a:solidFill>
+                  <a:schemeClr val="tx1"/>
+                </a:solidFill>
+              </a:rPr>
+              <a:t> стойности.</a:t>
+            </a:r>
+          </a:p>
+        </p:txBody>
+      </p:sp>
+      <p:sp>
+        <p:nvSpPr>
+          <p:cNvPr id="5" name="Title 1"/>
+          <p:cNvSpPr txBox="1">
+            <a:spLocks/>
+          </p:cNvSpPr>
+          <p:nvPr/>
         </p:nvSpPr>
         <p:spPr>
           <a:xfrm>
-            <a:off x="1039268" y="1828798"/>
-            <a:ext cx="10186989" cy="3508733"/>
+            <a:off x="333783" y="898984"/>
+            <a:ext cx="10515600" cy="1325563"/>
           </a:xfrm>
+          <a:prstGeom prst="rect">
+            <a:avLst/>
+          </a:prstGeom>
         </p:spPr>
         <p:txBody>
-          <a:bodyPr/>
-          <a:lstStyle/>
-          <a:p>
-            <a:pPr marL="0" indent="0">
-              <a:buNone/>
-            </a:pPr>
-            <a:r>
-              <a:rPr lang="bg-BG" dirty="0" smtClean="0">
-                <a:solidFill>
-                  <a:schemeClr val="tx2">
-                    <a:lumMod val="40000"/>
-                    <a:lumOff val="60000"/>
-                  </a:schemeClr>
-                </a:solidFill>
-              </a:rPr>
-              <a:t>Различни начини за работа с база от данни със </a:t>
-            </a:r>
-            <a:r>
-              <a:rPr lang="en-US" dirty="0" smtClean="0">
-                <a:solidFill>
-                  <a:schemeClr val="tx2">
-                    <a:lumMod val="40000"/>
-                    <a:lumOff val="60000"/>
-                  </a:schemeClr>
-                </a:solidFill>
-              </a:rPr>
-              <a:t>Spring-</a:t>
-            </a:r>
-            <a:r>
-              <a:rPr lang="bg-BG" dirty="0" smtClean="0">
-                <a:solidFill>
-                  <a:schemeClr val="tx2">
-                    <a:lumMod val="40000"/>
-                    <a:lumOff val="60000"/>
-                  </a:schemeClr>
-                </a:solidFill>
-              </a:rPr>
-              <a:t>ово приложение:</a:t>
-            </a:r>
-          </a:p>
-          <a:p>
-            <a:r>
-              <a:rPr lang="en-US" dirty="0" smtClean="0">
-                <a:solidFill>
-                  <a:schemeClr val="tx2">
-                    <a:lumMod val="40000"/>
-                    <a:lumOff val="60000"/>
-                  </a:schemeClr>
-                </a:solidFill>
-              </a:rPr>
-              <a:t>JDBC</a:t>
-            </a:r>
-          </a:p>
-          <a:p>
-            <a:r>
-              <a:rPr lang="en-US" dirty="0" err="1" smtClean="0">
-                <a:solidFill>
-                  <a:schemeClr val="tx2">
-                    <a:lumMod val="40000"/>
-                    <a:lumOff val="60000"/>
-                  </a:schemeClr>
-                </a:solidFill>
-              </a:rPr>
-              <a:t>JdbcTemplate</a:t>
-            </a:r>
-            <a:endParaRPr lang="en-US" dirty="0" smtClean="0">
-              <a:solidFill>
-                <a:schemeClr val="tx2">
-                  <a:lumMod val="40000"/>
-                  <a:lumOff val="60000"/>
-                </a:schemeClr>
-              </a:solidFill>
-            </a:endParaRPr>
-          </a:p>
-          <a:p>
-            <a:r>
-              <a:rPr lang="en-US" dirty="0" smtClean="0">
-                <a:solidFill>
-                  <a:schemeClr val="tx2">
-                    <a:lumMod val="40000"/>
-                    <a:lumOff val="60000"/>
-                  </a:schemeClr>
-                </a:solidFill>
-              </a:rPr>
-              <a:t>JPA (</a:t>
-            </a:r>
-            <a:r>
-              <a:rPr lang="bg-BG" dirty="0" smtClean="0">
-                <a:solidFill>
-                  <a:schemeClr val="tx2">
-                    <a:lumMod val="40000"/>
-                    <a:lumOff val="60000"/>
-                  </a:schemeClr>
-                </a:solidFill>
-              </a:rPr>
-              <a:t>съдржа </a:t>
-            </a:r>
-            <a:r>
-              <a:rPr lang="en-US" dirty="0" err="1" smtClean="0">
-                <a:solidFill>
-                  <a:schemeClr val="tx2">
-                    <a:lumMod val="40000"/>
-                    <a:lumOff val="60000"/>
-                  </a:schemeClr>
-                </a:solidFill>
-              </a:rPr>
-              <a:t>EntityManager</a:t>
-            </a:r>
-            <a:r>
-              <a:rPr lang="en-US" dirty="0" smtClean="0">
-                <a:solidFill>
-                  <a:schemeClr val="tx2">
-                    <a:lumMod val="40000"/>
-                    <a:lumOff val="60000"/>
-                  </a:schemeClr>
-                </a:solidFill>
-              </a:rPr>
-              <a:t>)</a:t>
-            </a:r>
-          </a:p>
-          <a:p>
-            <a:r>
-              <a:rPr lang="en-US" dirty="0" smtClean="0">
-                <a:solidFill>
-                  <a:schemeClr val="tx2">
-                    <a:lumMod val="40000"/>
-                    <a:lumOff val="60000"/>
-                  </a:schemeClr>
-                </a:solidFill>
-              </a:rPr>
-              <a:t>Spring Data JPA (</a:t>
-            </a:r>
-            <a:r>
-              <a:rPr lang="bg-BG" dirty="0" smtClean="0">
-                <a:solidFill>
-                  <a:schemeClr val="tx2">
-                    <a:lumMod val="40000"/>
-                    <a:lumOff val="60000"/>
-                  </a:schemeClr>
-                </a:solidFill>
-              </a:rPr>
-              <a:t>съдржа</a:t>
-            </a:r>
-            <a:r>
-              <a:rPr lang="en-US" dirty="0" smtClean="0">
-                <a:solidFill>
-                  <a:schemeClr val="tx2">
-                    <a:lumMod val="40000"/>
-                    <a:lumOff val="60000"/>
-                  </a:schemeClr>
-                </a:solidFill>
-              </a:rPr>
-              <a:t> Repository)</a:t>
-            </a:r>
-            <a:endParaRPr lang="en-US" dirty="0">
-              <a:solidFill>
-                <a:schemeClr val="tx2">
-                  <a:lumMod val="40000"/>
-                  <a:lumOff val="60000"/>
-                </a:schemeClr>
-              </a:solidFill>
-            </a:endParaRPr>
+          <a:bodyPr vert="horz" lIns="91440" tIns="45720" rIns="91440" bIns="45720" rtlCol="0" anchor="ctr">
+            <a:normAutofit/>
+          </a:bodyPr>
+          <a:lstStyle>
+            <a:lvl1pPr algn="l" defTabSz="914400" rtl="0" eaLnBrk="1" latinLnBrk="0" hangingPunct="1">
+              <a:lnSpc>
+                <a:spcPct val="90000"/>
+              </a:lnSpc>
+              <a:spcBef>
+                <a:spcPct val="0"/>
+              </a:spcBef>
+              <a:buNone/>
+              <a:defRPr sz="4400" kern="1200">
+                <a:solidFill>
+                  <a:schemeClr val="tx1"/>
+                </a:solidFill>
+                <a:latin typeface="+mj-lt"/>
+                <a:ea typeface="+mj-ea"/>
+                <a:cs typeface="+mj-cs"/>
+              </a:defRPr>
+            </a:lvl1pPr>
+          </a:lstStyle>
+          <a:p>
+            <a:pPr algn="ctr"/>
+            <a:r>
+              <a:rPr lang="bg-BG" dirty="0"/>
+              <a:t>Конфигурационен(</a:t>
+            </a:r>
+            <a:r>
+              <a:rPr lang="en-US" dirty="0"/>
+              <a:t>property</a:t>
+            </a:r>
+            <a:r>
+              <a:rPr lang="bg-BG" dirty="0"/>
+              <a:t>) файл</a:t>
+            </a:r>
+            <a:endParaRPr lang="en-US" dirty="0"/>
           </a:p>
         </p:txBody>
       </p:sp>
     </p:spTree>
     <p:extLst>
       <p:ext uri="{BB962C8B-B14F-4D97-AF65-F5344CB8AC3E}">
-        <p14:creationId xmlns:p14="http://schemas.microsoft.com/office/powerpoint/2010/main" val="2761543991"/>
+        <p14:creationId xmlns:p14="http://schemas.microsoft.com/office/powerpoint/2010/main" val="3663610467"/>
       </p:ext>
     </p:extLst>
   </p:cSld>
@@ -6625,47 +7536,18 @@
       </p:grpSpPr>
       <p:sp>
         <p:nvSpPr>
-          <p:cNvPr id="2" name="Title 1"/>
-          <p:cNvSpPr>
-            <a:spLocks noGrp="1"/>
-          </p:cNvSpPr>
-          <p:nvPr>
-            <p:ph type="title"/>
+          <p:cNvPr id="3" name="Content Placeholder 2"/>
+          <p:cNvSpPr>
+            <a:spLocks noGrp="1"/>
+          </p:cNvSpPr>
+          <p:nvPr>
+            <p:ph idx="1"/>
           </p:nvPr>
         </p:nvSpPr>
         <p:spPr>
           <a:xfrm>
-            <a:off x="1469303" y="238605"/>
-            <a:ext cx="8534400" cy="1507067"/>
-          </a:xfrm>
-        </p:spPr>
-        <p:txBody>
-          <a:bodyPr/>
-          <a:lstStyle/>
-          <a:p>
-            <a:pPr algn="ctr"/>
-            <a:r>
-              <a:rPr lang="bg-BG" b="1" dirty="0" smtClean="0"/>
-              <a:t>Конекция с базата данни</a:t>
-            </a:r>
-            <a:endParaRPr lang="en-US" dirty="0"/>
-          </a:p>
-        </p:txBody>
-      </p:sp>
-      <p:sp>
-        <p:nvSpPr>
-          <p:cNvPr id="3" name="Content Placeholder 2"/>
-          <p:cNvSpPr>
-            <a:spLocks noGrp="1"/>
-          </p:cNvSpPr>
-          <p:nvPr>
-            <p:ph idx="1"/>
-          </p:nvPr>
-        </p:nvSpPr>
-        <p:spPr>
-          <a:xfrm>
-            <a:off x="956324" y="1362636"/>
-            <a:ext cx="9560358" cy="3153675"/>
+            <a:off x="477664" y="1374725"/>
+            <a:ext cx="10491788" cy="4320308"/>
           </a:xfrm>
         </p:spPr>
         <p:txBody>
@@ -6675,172 +7557,254 @@
           <a:lstStyle/>
           <a:p>
             <a:r>
-              <a:rPr lang="en-US" sz="2200" dirty="0" err="1" smtClean="0">
-                <a:solidFill>
-                  <a:schemeClr val="tx2">
-                    <a:lumMod val="40000"/>
-                    <a:lumOff val="60000"/>
-                  </a:schemeClr>
-                </a:solidFill>
-              </a:rPr>
-              <a:t>JdbcTemplate</a:t>
-            </a:r>
-            <a:r>
-              <a:rPr lang="bg-BG" sz="2200" dirty="0" smtClean="0">
-                <a:solidFill>
-                  <a:schemeClr val="tx2">
-                    <a:lumMod val="40000"/>
-                    <a:lumOff val="60000"/>
-                  </a:schemeClr>
-                </a:solidFill>
-              </a:rPr>
-              <a:t> е абстракция на чистия </a:t>
-            </a:r>
-            <a:r>
-              <a:rPr lang="en-US" sz="2200" dirty="0" smtClean="0">
-                <a:solidFill>
-                  <a:schemeClr val="tx2">
-                    <a:lumMod val="40000"/>
-                    <a:lumOff val="60000"/>
-                  </a:schemeClr>
-                </a:solidFill>
-              </a:rPr>
-              <a:t>JDBC.</a:t>
-            </a:r>
-            <a:endParaRPr lang="bg-BG" sz="2200" dirty="0" smtClean="0">
+              <a:rPr lang="en-US" sz="2300" dirty="0">
+                <a:solidFill>
+                  <a:schemeClr val="tx2">
+                    <a:lumMod val="40000"/>
+                    <a:lumOff val="60000"/>
+                  </a:schemeClr>
+                </a:solidFill>
+              </a:rPr>
+              <a:t>Entity </a:t>
+            </a:r>
+            <a:r>
+              <a:rPr lang="bg-BG" sz="2300" dirty="0">
+                <a:solidFill>
+                  <a:schemeClr val="tx2">
+                    <a:lumMod val="40000"/>
+                    <a:lumOff val="60000"/>
+                  </a:schemeClr>
+                </a:solidFill>
+              </a:rPr>
+              <a:t>анотацията се слага на </a:t>
+            </a:r>
+            <a:r>
+              <a:rPr lang="en-US" sz="2300" dirty="0">
+                <a:solidFill>
+                  <a:schemeClr val="tx2">
+                    <a:lumMod val="40000"/>
+                    <a:lumOff val="60000"/>
+                  </a:schemeClr>
+                </a:solidFill>
+              </a:rPr>
+              <a:t>POJO </a:t>
+            </a:r>
+            <a:r>
+              <a:rPr lang="bg-BG" sz="2300" dirty="0">
+                <a:solidFill>
+                  <a:schemeClr val="tx2">
+                    <a:lumMod val="40000"/>
+                    <a:lumOff val="60000"/>
+                  </a:schemeClr>
+                </a:solidFill>
+              </a:rPr>
+              <a:t>обекти, които представлява една таблица в базата данни. Всички полета на класа ни представляват колоните в таблицата.</a:t>
+            </a:r>
+          </a:p>
+          <a:p>
+            <a:r>
+              <a:rPr lang="bg-BG" sz="2300" dirty="0">
+                <a:solidFill>
+                  <a:schemeClr val="tx2">
+                    <a:lumMod val="40000"/>
+                    <a:lumOff val="60000"/>
+                  </a:schemeClr>
+                </a:solidFill>
+              </a:rPr>
+              <a:t>Всяка инстанция на </a:t>
+            </a:r>
+            <a:r>
+              <a:rPr lang="en-US" sz="2300" dirty="0">
+                <a:solidFill>
+                  <a:schemeClr val="tx2">
+                    <a:lumMod val="40000"/>
+                    <a:lumOff val="60000"/>
+                  </a:schemeClr>
+                </a:solidFill>
+              </a:rPr>
+              <a:t>entity </a:t>
+            </a:r>
+            <a:r>
+              <a:rPr lang="bg-BG" sz="2300" dirty="0">
+                <a:solidFill>
+                  <a:schemeClr val="tx2">
+                    <a:lumMod val="40000"/>
+                    <a:lumOff val="60000"/>
+                  </a:schemeClr>
+                </a:solidFill>
+              </a:rPr>
+              <a:t>ни представлява нов ред в таблицата.</a:t>
+            </a:r>
+          </a:p>
+          <a:p>
+            <a:r>
+              <a:rPr lang="bg-BG" sz="2300" dirty="0">
+                <a:solidFill>
+                  <a:schemeClr val="tx2">
+                    <a:lumMod val="40000"/>
+                    <a:lumOff val="60000"/>
+                  </a:schemeClr>
+                </a:solidFill>
+              </a:rPr>
+              <a:t>Задължителните неща които трябва да ги има едно </a:t>
+            </a:r>
+            <a:r>
+              <a:rPr lang="en-US" sz="2300" dirty="0">
+                <a:solidFill>
+                  <a:schemeClr val="tx2">
+                    <a:lumMod val="40000"/>
+                    <a:lumOff val="60000"/>
+                  </a:schemeClr>
+                </a:solidFill>
+              </a:rPr>
+              <a:t>Entity:</a:t>
+            </a:r>
+          </a:p>
+          <a:p>
+            <a:pPr marL="514350" indent="-514350">
+              <a:buFont typeface="+mj-lt"/>
+              <a:buAutoNum type="arabicPeriod"/>
+            </a:pPr>
+            <a:r>
+              <a:rPr lang="en-US" sz="2200" i="1" dirty="0">
+                <a:solidFill>
+                  <a:schemeClr val="tx2">
+                    <a:lumMod val="75000"/>
+                  </a:schemeClr>
+                </a:solidFill>
+              </a:rPr>
+              <a:t>id </a:t>
+            </a:r>
+            <a:r>
+              <a:rPr lang="bg-BG" sz="2200" i="1" dirty="0">
+                <a:solidFill>
+                  <a:schemeClr val="tx2">
+                    <a:lumMod val="75000"/>
+                  </a:schemeClr>
+                </a:solidFill>
+              </a:rPr>
+              <a:t>–</a:t>
+            </a:r>
+            <a:r>
+              <a:rPr lang="en-US" sz="2200" i="1" dirty="0">
+                <a:solidFill>
+                  <a:schemeClr val="tx2">
+                    <a:lumMod val="75000"/>
+                  </a:schemeClr>
+                </a:solidFill>
+              </a:rPr>
+              <a:t> </a:t>
+            </a:r>
+            <a:r>
+              <a:rPr lang="bg-BG" sz="2200" i="1" dirty="0">
+                <a:solidFill>
+                  <a:schemeClr val="tx2">
+                    <a:lumMod val="75000"/>
+                  </a:schemeClr>
+                </a:solidFill>
+              </a:rPr>
+              <a:t>създава се със слагане на анотацията </a:t>
+            </a:r>
+            <a:r>
+              <a:rPr lang="en-US" sz="2200" i="1" dirty="0">
+                <a:solidFill>
+                  <a:schemeClr val="tx2">
+                    <a:lumMod val="75000"/>
+                  </a:schemeClr>
+                </a:solidFill>
+              </a:rPr>
+              <a:t>@Id</a:t>
+            </a:r>
+            <a:r>
+              <a:rPr lang="bg-BG" sz="2200" i="1" dirty="0">
+                <a:solidFill>
+                  <a:schemeClr val="tx2">
+                    <a:lumMod val="75000"/>
+                  </a:schemeClr>
+                </a:solidFill>
+              </a:rPr>
+              <a:t> върху поле </a:t>
+            </a:r>
+          </a:p>
+          <a:p>
+            <a:pPr marL="514350" indent="-514350">
+              <a:buFont typeface="+mj-lt"/>
+              <a:buAutoNum type="arabicPeriod"/>
+            </a:pPr>
+            <a:r>
+              <a:rPr lang="bg-BG" sz="2200" i="1" dirty="0">
+                <a:solidFill>
+                  <a:schemeClr val="tx2">
+                    <a:lumMod val="75000"/>
+                  </a:schemeClr>
+                </a:solidFill>
+              </a:rPr>
+              <a:t>Конструктор без аргументи (дефолтен конструктор)</a:t>
+            </a:r>
+            <a:endParaRPr lang="en-US" sz="2200" i="1" dirty="0">
               <a:solidFill>
                 <a:schemeClr val="tx2">
-                  <a:lumMod val="40000"/>
-                  <a:lumOff val="60000"/>
+                  <a:lumMod val="75000"/>
                 </a:schemeClr>
               </a:solidFill>
             </a:endParaRPr>
           </a:p>
-          <a:p>
-            <a:r>
-              <a:rPr lang="en-US" sz="2200" dirty="0" smtClean="0">
-                <a:solidFill>
-                  <a:schemeClr val="tx2">
-                    <a:lumMod val="40000"/>
-                    <a:lumOff val="60000"/>
-                  </a:schemeClr>
-                </a:solidFill>
-              </a:rPr>
-              <a:t>Repository </a:t>
-            </a:r>
-            <a:r>
-              <a:rPr lang="bg-BG" sz="2200" dirty="0" smtClean="0">
-                <a:solidFill>
-                  <a:schemeClr val="tx2">
-                    <a:lumMod val="40000"/>
-                    <a:lumOff val="60000"/>
-                  </a:schemeClr>
-                </a:solidFill>
-              </a:rPr>
-              <a:t>е абстракция на </a:t>
-            </a:r>
-            <a:r>
-              <a:rPr lang="en-US" sz="2200" dirty="0" err="1" smtClean="0">
-                <a:solidFill>
-                  <a:schemeClr val="tx2">
-                    <a:lumMod val="40000"/>
-                    <a:lumOff val="60000"/>
-                  </a:schemeClr>
-                </a:solidFill>
-              </a:rPr>
-              <a:t>EntityManager</a:t>
-            </a:r>
-            <a:r>
-              <a:rPr lang="en-US" sz="2200" dirty="0" smtClean="0">
-                <a:solidFill>
-                  <a:schemeClr val="tx2">
-                    <a:lumMod val="40000"/>
-                    <a:lumOff val="60000"/>
-                  </a:schemeClr>
-                </a:solidFill>
-              </a:rPr>
-              <a:t>. </a:t>
-            </a:r>
-            <a:endParaRPr lang="en-US" sz="2200" dirty="0">
-              <a:solidFill>
-                <a:schemeClr val="tx2">
-                  <a:lumMod val="40000"/>
-                  <a:lumOff val="60000"/>
-                </a:schemeClr>
-              </a:solidFill>
-            </a:endParaRPr>
-          </a:p>
-          <a:p>
-            <a:r>
-              <a:rPr lang="en-US" sz="2200" dirty="0" smtClean="0">
-                <a:solidFill>
-                  <a:schemeClr val="tx2">
-                    <a:lumMod val="40000"/>
-                    <a:lumOff val="60000"/>
-                  </a:schemeClr>
-                </a:solidFill>
-              </a:rPr>
-              <a:t>Repository</a:t>
-            </a:r>
-            <a:r>
-              <a:rPr lang="bg-BG" sz="2200" dirty="0" smtClean="0">
-                <a:solidFill>
-                  <a:schemeClr val="tx2">
-                    <a:lumMod val="40000"/>
-                    <a:lumOff val="60000"/>
-                  </a:schemeClr>
-                </a:solidFill>
-              </a:rPr>
-              <a:t>-то ги абстрахира разработчиците от някои сложени подробности, които се въвеждат с </a:t>
-            </a:r>
-            <a:r>
-              <a:rPr lang="en-US" sz="2200" dirty="0" err="1" smtClean="0">
-                <a:solidFill>
-                  <a:schemeClr val="tx2">
-                    <a:lumMod val="40000"/>
-                    <a:lumOff val="60000"/>
-                  </a:schemeClr>
-                </a:solidFill>
-              </a:rPr>
-              <a:t>EntityManager</a:t>
-            </a:r>
-            <a:r>
-              <a:rPr lang="en-US" sz="2200" dirty="0" smtClean="0">
-                <a:solidFill>
-                  <a:schemeClr val="tx2">
-                    <a:lumMod val="40000"/>
-                    <a:lumOff val="60000"/>
-                  </a:schemeClr>
-                </a:solidFill>
-              </a:rPr>
-              <a:t> </a:t>
-            </a:r>
-            <a:r>
-              <a:rPr lang="bg-BG" sz="2200" dirty="0" smtClean="0">
-                <a:solidFill>
-                  <a:schemeClr val="tx2">
-                    <a:lumMod val="40000"/>
-                    <a:lumOff val="60000"/>
-                  </a:schemeClr>
-                </a:solidFill>
-              </a:rPr>
-              <a:t>и добавя много удобни методи.</a:t>
-            </a:r>
-            <a:endParaRPr lang="en-US" sz="2200" dirty="0">
-              <a:solidFill>
-                <a:schemeClr val="tx2">
-                  <a:lumMod val="40000"/>
-                  <a:lumOff val="60000"/>
-                </a:schemeClr>
-              </a:solidFill>
-            </a:endParaRPr>
+        </p:txBody>
+      </p:sp>
+      <p:sp>
+        <p:nvSpPr>
+          <p:cNvPr id="5" name="Title 1"/>
+          <p:cNvSpPr txBox="1">
+            <a:spLocks/>
+          </p:cNvSpPr>
+          <p:nvPr/>
+        </p:nvSpPr>
+        <p:spPr>
+          <a:xfrm>
+            <a:off x="465758" y="182546"/>
+            <a:ext cx="10515600" cy="1325563"/>
+          </a:xfrm>
+          <a:prstGeom prst="rect">
+            <a:avLst/>
+          </a:prstGeom>
+        </p:spPr>
+        <p:txBody>
+          <a:bodyPr vert="horz" lIns="91440" tIns="45720" rIns="91440" bIns="45720" rtlCol="0" anchor="ctr">
+            <a:normAutofit/>
+          </a:bodyPr>
+          <a:lstStyle>
+            <a:lvl1pPr algn="l" defTabSz="914400" rtl="0" eaLnBrk="1" latinLnBrk="0" hangingPunct="1">
+              <a:lnSpc>
+                <a:spcPct val="90000"/>
+              </a:lnSpc>
+              <a:spcBef>
+                <a:spcPct val="0"/>
+              </a:spcBef>
+              <a:buNone/>
+              <a:defRPr sz="4400" kern="1200">
+                <a:solidFill>
+                  <a:schemeClr val="tx1"/>
+                </a:solidFill>
+                <a:latin typeface="+mj-lt"/>
+                <a:ea typeface="+mj-ea"/>
+                <a:cs typeface="+mj-cs"/>
+              </a:defRPr>
+            </a:lvl1pPr>
+          </a:lstStyle>
+          <a:p>
+            <a:pPr algn="ctr"/>
+            <a:r>
+              <a:rPr lang="en-US" b="1" dirty="0"/>
+              <a:t>Entity</a:t>
+            </a:r>
+            <a:endParaRPr lang="en-US" dirty="0"/>
           </a:p>
         </p:txBody>
       </p:sp>
     </p:spTree>
     <p:extLst>
       <p:ext uri="{BB962C8B-B14F-4D97-AF65-F5344CB8AC3E}">
-        <p14:creationId xmlns:p14="http://schemas.microsoft.com/office/powerpoint/2010/main" val="659118019"/>
+        <p14:creationId xmlns:p14="http://schemas.microsoft.com/office/powerpoint/2010/main" val="2422905367"/>
       </p:ext>
     </p:extLst>
   </p:cSld>
@@ -6869,69 +7833,50 @@
       </p:grpSpPr>
       <p:sp>
         <p:nvSpPr>
-          <p:cNvPr id="2" name="Title 1"/>
-          <p:cNvSpPr>
-            <a:spLocks noGrp="1"/>
-          </p:cNvSpPr>
-          <p:nvPr>
-            <p:ph type="title"/>
+          <p:cNvPr id="3" name="Content Placeholder 2"/>
+          <p:cNvSpPr>
+            <a:spLocks noGrp="1"/>
+          </p:cNvSpPr>
+          <p:nvPr>
+            <p:ph idx="1"/>
           </p:nvPr>
         </p:nvSpPr>
         <p:spPr>
           <a:xfrm>
-            <a:off x="1437247" y="471144"/>
-            <a:ext cx="8534400" cy="1507067"/>
+            <a:off x="767338" y="1517073"/>
+            <a:ext cx="9134043" cy="4708236"/>
           </a:xfrm>
         </p:spPr>
         <p:txBody>
           <a:bodyPr>
-            <a:normAutofit/>
+            <a:normAutofit fontScale="92500" lnSpcReduction="10000"/>
           </a:bodyPr>
           <a:lstStyle/>
           <a:p>
-            <a:pPr algn="ctr"/>
-            <a:r>
-              <a:rPr lang="en-US" b="1" dirty="0"/>
-              <a:t>JPQL </a:t>
-            </a:r>
-          </a:p>
-        </p:txBody>
-      </p:sp>
-      <p:sp>
-        <p:nvSpPr>
-          <p:cNvPr id="3" name="Content Placeholder 2"/>
-          <p:cNvSpPr>
-            <a:spLocks noGrp="1"/>
-          </p:cNvSpPr>
-          <p:nvPr>
-            <p:ph idx="1"/>
-          </p:nvPr>
-        </p:nvSpPr>
-        <p:spPr>
-          <a:xfrm>
-            <a:off x="872470" y="1646517"/>
-            <a:ext cx="11238847" cy="4325471"/>
-          </a:xfrm>
-        </p:spPr>
-        <p:txBody>
-          <a:bodyPr>
-            <a:normAutofit/>
-          </a:bodyPr>
-          <a:lstStyle/>
-          <a:p>
-            <a:r>
-              <a:rPr lang="en-US" sz="2200" dirty="0" smtClean="0">
-                <a:solidFill>
-                  <a:schemeClr val="tx2">
-                    <a:lumMod val="40000"/>
-                    <a:lumOff val="60000"/>
-                  </a:schemeClr>
-                </a:solidFill>
-              </a:rPr>
-              <a:t>JPQL</a:t>
-            </a:r>
-            <a:r>
-              <a:rPr lang="bg-BG" sz="2200" dirty="0" smtClean="0">
+            <a:r>
+              <a:rPr lang="en-US" sz="2400" dirty="0">
+                <a:solidFill>
+                  <a:schemeClr val="tx2">
+                    <a:lumMod val="40000"/>
+                    <a:lumOff val="60000"/>
+                  </a:schemeClr>
+                </a:solidFill>
+              </a:rPr>
+              <a:t>@Id – </a:t>
+            </a:r>
+            <a:r>
+              <a:rPr lang="bg-BG" sz="2400" dirty="0">
+                <a:solidFill>
+                  <a:schemeClr val="tx2">
+                    <a:lumMod val="40000"/>
+                    <a:lumOff val="60000"/>
+                  </a:schemeClr>
+                </a:solidFill>
+              </a:rPr>
+              <a:t>означава че полето е първичен ключ</a:t>
+            </a:r>
+            <a:r>
+              <a:rPr lang="en-US" sz="2400" dirty="0">
                 <a:solidFill>
                   <a:schemeClr val="tx2">
                     <a:lumMod val="40000"/>
@@ -6942,61 +7887,96 @@
               <a:t> </a:t>
             </a:r>
             <a:r>
-              <a:rPr lang="bg-BG" sz="2200" dirty="0" smtClean="0">
-                <a:solidFill>
-                  <a:schemeClr val="tx2">
-                    <a:lumMod val="40000"/>
-                    <a:lumOff val="60000"/>
-                  </a:schemeClr>
-                </a:solidFill>
-              </a:rPr>
-              <a:t>ги</a:t>
-            </a:r>
-            <a:r>
-              <a:rPr lang="en-US" sz="2200" dirty="0" smtClean="0">
-                <a:solidFill>
-                  <a:schemeClr val="tx2">
-                    <a:lumMod val="40000"/>
-                    <a:lumOff val="60000"/>
-                  </a:schemeClr>
-                </a:solidFill>
-              </a:rPr>
-              <a:t> </a:t>
-            </a:r>
-            <a:r>
-              <a:rPr lang="bg-BG" sz="2200" dirty="0" smtClean="0">
-                <a:solidFill>
-                  <a:schemeClr val="tx2">
-                    <a:lumMod val="40000"/>
-                    <a:lumOff val="60000"/>
-                  </a:schemeClr>
-                </a:solidFill>
-              </a:rPr>
-              <a:t>използва </a:t>
-            </a:r>
-            <a:r>
-              <a:rPr lang="en-US" sz="2200" dirty="0" smtClean="0">
-                <a:solidFill>
-                  <a:schemeClr val="tx2">
-                    <a:lumMod val="40000"/>
-                    <a:lumOff val="60000"/>
-                  </a:schemeClr>
-                </a:solidFill>
-              </a:rPr>
-              <a:t>entity</a:t>
-            </a:r>
-            <a:r>
-              <a:rPr lang="bg-BG" sz="2200" dirty="0" smtClean="0">
-                <a:solidFill>
-                  <a:schemeClr val="tx2">
-                    <a:lumMod val="40000"/>
-                    <a:lumOff val="60000"/>
-                  </a:schemeClr>
-                </a:solidFill>
-              </a:rPr>
-              <a:t> обектите за да манипулира с данни от базата</a:t>
-            </a:r>
-            <a:endParaRPr lang="en-US" sz="2200" dirty="0" smtClean="0">
+              <a:rPr lang="bg-BG" sz="2400" dirty="0">
+                <a:solidFill>
+                  <a:schemeClr val="tx2">
+                    <a:lumMod val="40000"/>
+                    <a:lumOff val="60000"/>
+                  </a:schemeClr>
+                </a:solidFill>
+              </a:rPr>
+              <a:t>(</a:t>
+            </a:r>
+            <a:r>
+              <a:rPr lang="en-US" sz="2400" dirty="0">
+                <a:solidFill>
+                  <a:schemeClr val="tx2">
+                    <a:lumMod val="40000"/>
+                    <a:lumOff val="60000"/>
+                  </a:schemeClr>
+                </a:solidFill>
+              </a:rPr>
+              <a:t>primary key</a:t>
+            </a:r>
+            <a:r>
+              <a:rPr lang="bg-BG" sz="2400" dirty="0">
+                <a:solidFill>
+                  <a:schemeClr val="tx2">
+                    <a:lumMod val="40000"/>
+                    <a:lumOff val="60000"/>
+                  </a:schemeClr>
+                </a:solidFill>
+              </a:rPr>
+              <a:t>) на таблицата</a:t>
+            </a:r>
+          </a:p>
+          <a:p>
+            <a:r>
+              <a:rPr lang="en-US" sz="2400" dirty="0">
+                <a:solidFill>
+                  <a:schemeClr val="tx2">
+                    <a:lumMod val="40000"/>
+                    <a:lumOff val="60000"/>
+                  </a:schemeClr>
+                </a:solidFill>
+              </a:rPr>
+              <a:t>@</a:t>
+            </a:r>
+            <a:r>
+              <a:rPr lang="en-US" sz="2400" dirty="0" err="1">
+                <a:solidFill>
+                  <a:schemeClr val="tx2">
+                    <a:lumMod val="40000"/>
+                    <a:lumOff val="60000"/>
+                  </a:schemeClr>
+                </a:solidFill>
+              </a:rPr>
+              <a:t>GeneratedValue</a:t>
+            </a:r>
+            <a:r>
+              <a:rPr lang="en-US" sz="2400" dirty="0">
+                <a:solidFill>
+                  <a:schemeClr val="tx2">
+                    <a:lumMod val="40000"/>
+                    <a:lumOff val="60000"/>
+                  </a:schemeClr>
+                </a:solidFill>
+              </a:rPr>
+              <a:t>(strategy=</a:t>
+            </a:r>
+            <a:r>
+              <a:rPr lang="en-US" sz="2400" dirty="0" err="1">
+                <a:solidFill>
+                  <a:schemeClr val="tx2">
+                    <a:lumMod val="40000"/>
+                    <a:lumOff val="60000"/>
+                  </a:schemeClr>
+                </a:solidFill>
+              </a:rPr>
+              <a:t>GenerationType.AUTO</a:t>
+            </a:r>
+            <a:r>
+              <a:rPr lang="en-US" sz="2400" dirty="0">
+                <a:solidFill>
+                  <a:schemeClr val="tx2">
+                    <a:lumMod val="40000"/>
+                    <a:lumOff val="60000"/>
+                  </a:schemeClr>
+                </a:solidFill>
+              </a:rPr>
+              <a:t>)</a:t>
+            </a:r>
+            <a:endParaRPr lang="en-US" sz="2500" dirty="0">
               <a:solidFill>
                 <a:schemeClr val="tx2">
                   <a:lumMod val="40000"/>
@@ -7007,165 +7987,233 @@
           </a:p>
           <a:p>
             <a:r>
-              <a:rPr lang="en-US" sz="2200" dirty="0" smtClean="0">
-                <a:solidFill>
-                  <a:schemeClr val="tx2">
-                    <a:lumMod val="40000"/>
-                    <a:lumOff val="60000"/>
-                  </a:schemeClr>
-                </a:solidFill>
-              </a:rPr>
-              <a:t>JPA </a:t>
-            </a:r>
-            <a:r>
-              <a:rPr lang="bg-BG" sz="2200" dirty="0" smtClean="0">
-                <a:solidFill>
-                  <a:schemeClr val="tx2">
-                    <a:lumMod val="40000"/>
-                    <a:lumOff val="60000"/>
-                  </a:schemeClr>
-                </a:solidFill>
-              </a:rPr>
-              <a:t>ги трансформира </a:t>
-            </a:r>
-            <a:r>
-              <a:rPr lang="en-US" sz="2200" dirty="0" smtClean="0">
-                <a:solidFill>
-                  <a:schemeClr val="tx2">
-                    <a:lumMod val="40000"/>
-                    <a:lumOff val="60000"/>
-                  </a:schemeClr>
-                </a:solidFill>
-              </a:rPr>
-              <a:t>JPQL </a:t>
-            </a:r>
-            <a:r>
-              <a:rPr lang="bg-BG" sz="2200" dirty="0" smtClean="0">
-                <a:solidFill>
-                  <a:schemeClr val="tx2">
-                    <a:lumMod val="40000"/>
-                    <a:lumOff val="60000"/>
-                  </a:schemeClr>
-                </a:solidFill>
-              </a:rPr>
-              <a:t>заявките в </a:t>
-            </a:r>
-            <a:r>
-              <a:rPr lang="en-US" sz="2200" dirty="0" smtClean="0">
-                <a:solidFill>
-                  <a:schemeClr val="tx2">
-                    <a:lumMod val="40000"/>
-                    <a:lumOff val="60000"/>
-                  </a:schemeClr>
-                </a:solidFill>
-              </a:rPr>
-              <a:t>SQL </a:t>
-            </a:r>
-            <a:r>
-              <a:rPr lang="bg-BG" sz="2200" dirty="0" smtClean="0">
-                <a:solidFill>
-                  <a:schemeClr val="tx2">
-                    <a:lumMod val="40000"/>
-                    <a:lumOff val="60000"/>
-                  </a:schemeClr>
-                </a:solidFill>
-              </a:rPr>
-              <a:t>заявки</a:t>
-            </a:r>
-          </a:p>
-          <a:p>
-            <a:r>
-              <a:rPr lang="en-US" sz="2200" dirty="0" smtClean="0">
-                <a:solidFill>
-                  <a:schemeClr val="tx2">
-                    <a:lumMod val="40000"/>
-                    <a:lumOff val="60000"/>
-                  </a:schemeClr>
-                </a:solidFill>
-              </a:rPr>
-              <a:t>JPQL </a:t>
-            </a:r>
-            <a:r>
-              <a:rPr lang="bg-BG" sz="2200" dirty="0" smtClean="0">
-                <a:solidFill>
-                  <a:schemeClr val="tx2">
-                    <a:lumMod val="40000"/>
-                    <a:lumOff val="60000"/>
-                  </a:schemeClr>
-                </a:solidFill>
-              </a:rPr>
-              <a:t>позволява на разработчитците да си олеснят </a:t>
-            </a:r>
-            <a:r>
-              <a:rPr lang="en-US" sz="2200" dirty="0" smtClean="0">
-                <a:solidFill>
-                  <a:schemeClr val="tx2">
-                    <a:lumMod val="40000"/>
-                    <a:lumOff val="60000"/>
-                  </a:schemeClr>
-                </a:solidFill>
-              </a:rPr>
-              <a:t>SQL </a:t>
-            </a:r>
-            <a:r>
-              <a:rPr lang="bg-BG" sz="2200" dirty="0" smtClean="0">
-                <a:solidFill>
-                  <a:schemeClr val="tx2">
-                    <a:lumMod val="40000"/>
-                    <a:lumOff val="60000"/>
-                  </a:schemeClr>
-                </a:solidFill>
-              </a:rPr>
-              <a:t>задачите</a:t>
-            </a:r>
-          </a:p>
-          <a:p>
-            <a:r>
-              <a:rPr lang="en-US" sz="2200" dirty="0" smtClean="0">
-                <a:solidFill>
-                  <a:schemeClr val="tx2">
-                    <a:lumMod val="40000"/>
-                    <a:lumOff val="60000"/>
-                  </a:schemeClr>
-                </a:solidFill>
-              </a:rPr>
-              <a:t>JPQL </a:t>
-            </a:r>
-            <a:r>
-              <a:rPr lang="bg-BG" sz="2200" dirty="0">
-                <a:solidFill>
-                  <a:schemeClr val="tx2">
-                    <a:lumMod val="40000"/>
-                    <a:lumOff val="60000"/>
-                  </a:schemeClr>
-                </a:solidFill>
-              </a:rPr>
-              <a:t>заявките </a:t>
-            </a:r>
-            <a:r>
-              <a:rPr lang="bg-BG" sz="2200" dirty="0" smtClean="0">
-                <a:solidFill>
-                  <a:schemeClr val="tx2">
-                    <a:lumMod val="40000"/>
-                    <a:lumOff val="60000"/>
-                  </a:schemeClr>
-                </a:solidFill>
-              </a:rPr>
-              <a:t>са същите за различните датабази (</a:t>
-            </a:r>
-            <a:r>
-              <a:rPr lang="en-US" sz="2200" dirty="0" smtClean="0">
-                <a:solidFill>
-                  <a:schemeClr val="tx2">
-                    <a:lumMod val="40000"/>
-                    <a:lumOff val="60000"/>
-                  </a:schemeClr>
-                </a:solidFill>
-              </a:rPr>
-              <a:t>MySQL, PostgreSQL, Oracle</a:t>
-            </a:r>
-            <a:r>
-              <a:rPr lang="bg-BG" sz="2200" dirty="0" smtClean="0">
+              <a:rPr lang="en-US" sz="2500" dirty="0">
+                <a:solidFill>
+                  <a:schemeClr val="tx2">
+                    <a:lumMod val="40000"/>
+                    <a:lumOff val="60000"/>
+                  </a:schemeClr>
+                </a:solidFill>
+              </a:rPr>
+              <a:t>@Table(name=„car", schema="</a:t>
+            </a:r>
+            <a:r>
+              <a:rPr lang="en-US" sz="2500" dirty="0" err="1">
+                <a:solidFill>
+                  <a:schemeClr val="tx2">
+                    <a:lumMod val="40000"/>
+                    <a:lumOff val="60000"/>
+                  </a:schemeClr>
+                </a:solidFill>
+              </a:rPr>
+              <a:t>mjt</a:t>
+            </a:r>
+            <a:r>
+              <a:rPr lang="en-US" sz="2500" dirty="0">
+                <a:solidFill>
+                  <a:schemeClr val="tx2">
+                    <a:lumMod val="40000"/>
+                    <a:lumOff val="60000"/>
+                  </a:schemeClr>
+                </a:solidFill>
+              </a:rPr>
+              <a:t>") – </a:t>
+            </a:r>
+            <a:r>
+              <a:rPr lang="bg-BG" sz="2500" dirty="0">
+                <a:solidFill>
+                  <a:schemeClr val="tx2">
+                    <a:lumMod val="40000"/>
+                    <a:lumOff val="60000"/>
+                  </a:schemeClr>
+                </a:solidFill>
+              </a:rPr>
+              <a:t>използва се ако името на таблицата е различно от това в базата, и ако базата се различава</a:t>
+            </a:r>
+          </a:p>
+          <a:p>
+            <a:r>
+              <a:rPr lang="fr-FR" sz="2500" dirty="0">
+                <a:solidFill>
+                  <a:schemeClr val="tx2">
+                    <a:lumMod val="40000"/>
+                    <a:lumOff val="60000"/>
+                  </a:schemeClr>
+                </a:solidFill>
+              </a:rPr>
+              <a:t>@</a:t>
+            </a:r>
+            <a:r>
+              <a:rPr lang="fr-FR" sz="2500" dirty="0" err="1">
+                <a:solidFill>
+                  <a:schemeClr val="tx2">
+                    <a:lumMod val="40000"/>
+                    <a:lumOff val="60000"/>
+                  </a:schemeClr>
+                </a:solidFill>
+              </a:rPr>
+              <a:t>Column</a:t>
+            </a:r>
+            <a:r>
+              <a:rPr lang="fr-FR" sz="2500" dirty="0">
+                <a:solidFill>
+                  <a:schemeClr val="tx2">
+                    <a:lumMod val="40000"/>
+                    <a:lumOff val="60000"/>
+                  </a:schemeClr>
+                </a:solidFill>
+              </a:rPr>
+              <a:t>(</a:t>
+            </a:r>
+            <a:r>
+              <a:rPr lang="fr-FR" sz="2500" dirty="0" err="1">
+                <a:solidFill>
+                  <a:schemeClr val="tx2">
+                    <a:lumMod val="40000"/>
+                    <a:lumOff val="60000"/>
+                  </a:schemeClr>
+                </a:solidFill>
+              </a:rPr>
+              <a:t>name</a:t>
+            </a:r>
+            <a:r>
+              <a:rPr lang="fr-FR" sz="2500" dirty="0">
+                <a:solidFill>
+                  <a:schemeClr val="tx2">
+                    <a:lumMod val="40000"/>
+                    <a:lumOff val="60000"/>
+                  </a:schemeClr>
+                </a:solidFill>
+              </a:rPr>
+              <a:t>=„</a:t>
+            </a:r>
+            <a:r>
+              <a:rPr lang="en-US" sz="2500" dirty="0" err="1">
+                <a:solidFill>
+                  <a:schemeClr val="tx2">
+                    <a:lumMod val="40000"/>
+                    <a:lumOff val="60000"/>
+                  </a:schemeClr>
+                </a:solidFill>
+              </a:rPr>
+              <a:t>car_name</a:t>
+            </a:r>
+            <a:r>
+              <a:rPr lang="fr-FR" sz="2500" dirty="0">
+                <a:solidFill>
+                  <a:schemeClr val="tx2">
+                    <a:lumMod val="40000"/>
+                    <a:lumOff val="60000"/>
+                  </a:schemeClr>
+                </a:solidFill>
+              </a:rPr>
+              <a:t>", </a:t>
+            </a:r>
+            <a:r>
+              <a:rPr lang="fr-FR" sz="2500" dirty="0" err="1">
+                <a:solidFill>
+                  <a:schemeClr val="tx2">
+                    <a:lumMod val="40000"/>
+                    <a:lumOff val="60000"/>
+                  </a:schemeClr>
+                </a:solidFill>
+              </a:rPr>
+              <a:t>length</a:t>
+            </a:r>
+            <a:r>
+              <a:rPr lang="fr-FR" sz="2500" dirty="0">
+                <a:solidFill>
+                  <a:schemeClr val="tx2">
+                    <a:lumMod val="40000"/>
+                    <a:lumOff val="60000"/>
+                  </a:schemeClr>
+                </a:solidFill>
+              </a:rPr>
+              <a:t>=50, </a:t>
+            </a:r>
+            <a:r>
+              <a:rPr lang="fr-FR" sz="2500" dirty="0" err="1">
+                <a:solidFill>
+                  <a:schemeClr val="tx2">
+                    <a:lumMod val="40000"/>
+                    <a:lumOff val="60000"/>
+                  </a:schemeClr>
+                </a:solidFill>
+              </a:rPr>
+              <a:t>nullable</a:t>
+            </a:r>
+            <a:r>
+              <a:rPr lang="fr-FR" sz="2500" dirty="0">
+                <a:solidFill>
+                  <a:schemeClr val="tx2">
+                    <a:lumMod val="40000"/>
+                    <a:lumOff val="60000"/>
+                  </a:schemeClr>
+                </a:solidFill>
+              </a:rPr>
+              <a:t>=false, unique=false) – </a:t>
+            </a:r>
+            <a:r>
+              <a:rPr lang="bg-BG" sz="2500" dirty="0">
+                <a:solidFill>
+                  <a:schemeClr val="tx2">
+                    <a:lumMod val="40000"/>
+                    <a:lumOff val="60000"/>
+                  </a:schemeClr>
+                </a:solidFill>
+              </a:rPr>
+              <a:t>дефинираме спецификации за колоната</a:t>
+            </a:r>
+          </a:p>
+          <a:p>
+            <a:r>
+              <a:rPr lang="en-US" sz="2400" dirty="0">
+                <a:solidFill>
+                  <a:schemeClr val="tx2">
+                    <a:lumMod val="40000"/>
+                    <a:lumOff val="60000"/>
+                  </a:schemeClr>
+                </a:solidFill>
+              </a:rPr>
+              <a:t>@Transient</a:t>
+            </a:r>
+            <a:r>
+              <a:rPr lang="bg-BG" sz="2400" dirty="0">
+                <a:solidFill>
+                  <a:schemeClr val="tx2">
+                    <a:lumMod val="40000"/>
+                    <a:lumOff val="60000"/>
+                  </a:schemeClr>
+                </a:solidFill>
+              </a:rPr>
+              <a:t> – когато не искаме полето да съществува в базата</a:t>
+            </a:r>
+          </a:p>
+          <a:p>
+            <a:r>
+              <a:rPr lang="en-US" sz="2400" dirty="0">
+                <a:solidFill>
+                  <a:schemeClr val="tx2">
+                    <a:lumMod val="40000"/>
+                    <a:lumOff val="60000"/>
+                  </a:schemeClr>
+                </a:solidFill>
+              </a:rPr>
+              <a:t>@Enumerated(</a:t>
+            </a:r>
+            <a:r>
+              <a:rPr lang="en-US" sz="2400" dirty="0" err="1">
+                <a:solidFill>
+                  <a:schemeClr val="tx2">
+                    <a:lumMod val="40000"/>
+                    <a:lumOff val="60000"/>
+                  </a:schemeClr>
+                </a:solidFill>
+              </a:rPr>
+              <a:t>EnumType.STRING</a:t>
+            </a:r>
+            <a:r>
+              <a:rPr lang="en-US" sz="2400" dirty="0">
                 <a:solidFill>
                   <a:schemeClr val="tx2">
                     <a:lumMod val="40000"/>
@@ -7175,7 +8223,29 @@
               </a:rPr>
               <a:t>)</a:t>
             </a:r>
-            <a:endParaRPr lang="en-US" sz="2200" dirty="0" smtClean="0">
+            <a:r>
+              <a:rPr lang="bg-BG" sz="2400" dirty="0">
+                <a:solidFill>
+                  <a:schemeClr val="tx2">
+                    <a:lumMod val="40000"/>
+                    <a:lumOff val="60000"/>
+                  </a:schemeClr>
+                </a:solidFill>
+              </a:rPr>
+              <a:t> – използваме връху полета от тип </a:t>
+            </a:r>
+            <a:r>
+              <a:rPr lang="en-US" sz="2400" dirty="0" err="1">
+                <a:solidFill>
+                  <a:schemeClr val="tx2">
+                    <a:lumMod val="40000"/>
+                    <a:lumOff val="60000"/>
+                  </a:schemeClr>
+                </a:solidFill>
+              </a:rPr>
+              <a:t>Enum</a:t>
+            </a:r>
+            <a:endParaRPr lang="en-US" sz="2500" dirty="0">
               <a:solidFill>
                 <a:schemeClr val="tx2">
                   <a:lumMod val="40000"/>
@@ -7184,131 +8254,62 @@
               </a:solidFill>
             </a:endParaRPr>
           </a:p>
-          <a:p>
-            <a:r>
-              <a:rPr lang="en-US" sz="2200" dirty="0" smtClean="0">
-                <a:solidFill>
-                  <a:schemeClr val="tx2">
-                    <a:lumMod val="40000"/>
-                    <a:lumOff val="60000"/>
-                  </a:schemeClr>
-                </a:solidFill>
-              </a:rPr>
-              <a:t>JPQL: </a:t>
-            </a:r>
-            <a:r>
-              <a:rPr lang="en-US" sz="2200" i="1" dirty="0" smtClean="0">
-                <a:solidFill>
-                  <a:schemeClr val="tx1">
-                    <a:lumMod val="50000"/>
-                    <a:lumOff val="50000"/>
-                  </a:schemeClr>
-                </a:solidFill>
-              </a:rPr>
-              <a:t>SELECT c FROM Car c where </a:t>
-            </a:r>
-            <a:r>
-              <a:rPr lang="en-US" sz="2200" i="1" dirty="0" err="1" smtClean="0">
-                <a:solidFill>
-                  <a:schemeClr val="tx1">
-                    <a:lumMod val="50000"/>
-                    <a:lumOff val="50000"/>
-                  </a:schemeClr>
-                </a:solidFill>
-              </a:rPr>
-              <a:t>c.serialNumber</a:t>
-            </a:r>
-            <a:r>
-              <a:rPr lang="en-US" sz="2200" i="1" dirty="0" smtClean="0">
-                <a:solidFill>
-                  <a:schemeClr val="tx1">
-                    <a:lumMod val="50000"/>
-                    <a:lumOff val="50000"/>
-                  </a:schemeClr>
-                </a:solidFill>
-              </a:rPr>
-              <a:t> = :</a:t>
-            </a:r>
-            <a:r>
-              <a:rPr lang="en-US" sz="2200" i="1" dirty="0" err="1" smtClean="0">
-                <a:solidFill>
-                  <a:schemeClr val="tx1">
-                    <a:lumMod val="50000"/>
-                    <a:lumOff val="50000"/>
-                  </a:schemeClr>
-                </a:solidFill>
-              </a:rPr>
-              <a:t>pSerialNumber</a:t>
-            </a:r>
-            <a:endParaRPr lang="en-US" sz="2200" i="1" dirty="0" smtClean="0">
-              <a:solidFill>
-                <a:schemeClr val="tx1">
-                  <a:lumMod val="50000"/>
-                  <a:lumOff val="50000"/>
-                </a:schemeClr>
-              </a:solidFill>
-            </a:endParaRPr>
-          </a:p>
-          <a:p>
-            <a:r>
-              <a:rPr lang="en-US" sz="2200" dirty="0" smtClean="0">
-                <a:solidFill>
-                  <a:schemeClr val="tx2">
-                    <a:lumMod val="40000"/>
-                    <a:lumOff val="60000"/>
-                  </a:schemeClr>
-                </a:solidFill>
-              </a:rPr>
-              <a:t>JPQL: </a:t>
-            </a:r>
-            <a:r>
-              <a:rPr lang="en-US" sz="2200" i="1" dirty="0" smtClean="0">
-                <a:solidFill>
-                  <a:schemeClr val="tx1">
-                    <a:lumMod val="50000"/>
-                    <a:lumOff val="50000"/>
-                  </a:schemeClr>
-                </a:solidFill>
-              </a:rPr>
-              <a:t>SELECT * FROM car as c where </a:t>
-            </a:r>
-            <a:r>
-              <a:rPr lang="en-US" sz="2200" i="1" dirty="0" err="1" smtClean="0">
-                <a:solidFill>
-                  <a:schemeClr val="tx1">
-                    <a:lumMod val="50000"/>
-                    <a:lumOff val="50000"/>
-                  </a:schemeClr>
-                </a:solidFill>
-              </a:rPr>
-              <a:t>c.serial_number</a:t>
-            </a:r>
-            <a:r>
-              <a:rPr lang="en-US" sz="2200" i="1" dirty="0" smtClean="0">
-                <a:solidFill>
-                  <a:schemeClr val="tx1">
-                    <a:lumMod val="50000"/>
-                    <a:lumOff val="50000"/>
-                  </a:schemeClr>
-                </a:solidFill>
-              </a:rPr>
-              <a:t> = '10000'</a:t>
-            </a:r>
-            <a:endParaRPr lang="en-US" sz="2200" i="1" dirty="0">
-              <a:solidFill>
-                <a:schemeClr val="tx1">
-                  <a:lumMod val="50000"/>
-                  <a:lumOff val="50000"/>
-                </a:schemeClr>
-              </a:solidFill>
-            </a:endParaRPr>
+        </p:txBody>
+      </p:sp>
+      <p:sp>
+        <p:nvSpPr>
+          <p:cNvPr id="7" name="Title 1"/>
+          <p:cNvSpPr txBox="1">
+            <a:spLocks/>
+          </p:cNvSpPr>
+          <p:nvPr/>
+        </p:nvSpPr>
+        <p:spPr>
+          <a:xfrm>
+            <a:off x="214746" y="191510"/>
+            <a:ext cx="10515600" cy="1325563"/>
+          </a:xfrm>
+          <a:prstGeom prst="rect">
+            <a:avLst/>
+          </a:prstGeom>
+        </p:spPr>
+        <p:txBody>
+          <a:bodyPr vert="horz" lIns="91440" tIns="45720" rIns="91440" bIns="45720" rtlCol="0" anchor="ctr">
+            <a:normAutofit/>
+          </a:bodyPr>
+          <a:lstStyle>
+            <a:lvl1pPr algn="l" defTabSz="914400" rtl="0" eaLnBrk="1" latinLnBrk="0" hangingPunct="1">
+              <a:lnSpc>
+                <a:spcPct val="90000"/>
+              </a:lnSpc>
+              <a:spcBef>
+                <a:spcPct val="0"/>
+              </a:spcBef>
+              <a:buNone/>
+              <a:defRPr sz="4400" kern="1200">
+                <a:solidFill>
+                  <a:schemeClr val="tx1"/>
+                </a:solidFill>
+                <a:latin typeface="+mj-lt"/>
+                <a:ea typeface="+mj-ea"/>
+                <a:cs typeface="+mj-cs"/>
+              </a:defRPr>
+            </a:lvl1pPr>
+          </a:lstStyle>
+          <a:p>
+            <a:pPr algn="ctr"/>
+            <a:r>
+              <a:rPr lang="en-US" b="1" dirty="0"/>
+              <a:t>Entity</a:t>
+            </a:r>
+            <a:endParaRPr lang="en-US" dirty="0"/>
           </a:p>
         </p:txBody>
       </p:sp>
     </p:spTree>
     <p:extLst>
       <p:ext uri="{BB962C8B-B14F-4D97-AF65-F5344CB8AC3E}">
-        <p14:creationId xmlns:p14="http://schemas.microsoft.com/office/powerpoint/2010/main" val="1697741619"/>
+        <p14:creationId xmlns:p14="http://schemas.microsoft.com/office/powerpoint/2010/main" val="417290213"/>
       </p:ext>
     </p:extLst>
   </p:cSld>
@@ -7337,18 +8338,18 @@
       </p:grpSpPr>
       <p:sp>
         <p:nvSpPr>
-          <p:cNvPr id="2" name="Title 1"/>
-          <p:cNvSpPr>
-            <a:spLocks noGrp="1"/>
-          </p:cNvSpPr>
-          <p:nvPr>
-            <p:ph type="title"/>
+          <p:cNvPr id="3" name="Content Placeholder 2"/>
+          <p:cNvSpPr>
+            <a:spLocks noGrp="1"/>
+          </p:cNvSpPr>
+          <p:nvPr>
+            <p:ph idx="1"/>
           </p:nvPr>
         </p:nvSpPr>
         <p:spPr>
           <a:xfrm>
-            <a:off x="1673365" y="184273"/>
-            <a:ext cx="8534400" cy="1507067"/>
+            <a:off x="767338" y="1517073"/>
+            <a:ext cx="9134043" cy="4708236"/>
           </a:xfrm>
         </p:spPr>
         <p:txBody>
@@ -7357,222 +8358,171 @@
           </a:bodyPr>
           <a:lstStyle/>
           <a:p>
-            <a:pPr algn="ctr"/>
-            <a:r>
-              <a:rPr lang="en-US" b="1" dirty="0" err="1" smtClean="0"/>
-              <a:t>EntityManager</a:t>
-            </a:r>
-            <a:endParaRPr lang="en-US" b="1" dirty="0"/>
-          </a:p>
-        </p:txBody>
-      </p:sp>
-      <p:sp>
-        <p:nvSpPr>
-          <p:cNvPr id="3" name="Content Placeholder 2"/>
-          <p:cNvSpPr>
-            <a:spLocks noGrp="1"/>
-          </p:cNvSpPr>
-          <p:nvPr>
-            <p:ph idx="1"/>
-          </p:nvPr>
+            <a:r>
+              <a:rPr lang="en-US" sz="2400" dirty="0" err="1">
+                <a:solidFill>
+                  <a:schemeClr val="tx1"/>
+                </a:solidFill>
+              </a:rPr>
+              <a:t>MappedSuperclass</a:t>
+            </a:r>
+            <a:r>
+              <a:rPr lang="bg-BG" sz="2400" dirty="0">
+                <a:solidFill>
+                  <a:schemeClr val="tx1"/>
+                </a:solidFill>
+              </a:rPr>
+              <a:t> – родителския клас не може да бъде </a:t>
+            </a:r>
+            <a:r>
+              <a:rPr lang="en-US" sz="2400" dirty="0">
+                <a:solidFill>
+                  <a:schemeClr val="tx1"/>
+                </a:solidFill>
+              </a:rPr>
+              <a:t>Entity</a:t>
+            </a:r>
+          </a:p>
+          <a:p>
+            <a:r>
+              <a:rPr lang="en-US" sz="2400" dirty="0">
+                <a:solidFill>
+                  <a:schemeClr val="tx1"/>
+                </a:solidFill>
+              </a:rPr>
+              <a:t>Table Per Class – </a:t>
+            </a:r>
+            <a:r>
+              <a:rPr lang="bg-BG" sz="2400" dirty="0">
+                <a:solidFill>
+                  <a:schemeClr val="tx1"/>
+                </a:solidFill>
+              </a:rPr>
+              <a:t>всеки клас е в отделна таблица</a:t>
+            </a:r>
+            <a:endParaRPr lang="en-US" sz="2400" dirty="0">
+              <a:solidFill>
+                <a:schemeClr val="tx1"/>
+              </a:solidFill>
+            </a:endParaRPr>
+          </a:p>
+          <a:p>
+            <a:r>
+              <a:rPr lang="en-US" sz="2400" dirty="0">
+                <a:solidFill>
+                  <a:schemeClr val="tx1"/>
+                </a:solidFill>
+              </a:rPr>
+              <a:t>Single Table</a:t>
+            </a:r>
+            <a:r>
+              <a:rPr lang="bg-BG" sz="2400" dirty="0">
+                <a:solidFill>
+                  <a:schemeClr val="tx1"/>
+                </a:solidFill>
+              </a:rPr>
+              <a:t> – всички данни са обединени в една таблица</a:t>
+            </a:r>
+            <a:endParaRPr lang="en-US" sz="2400" dirty="0">
+              <a:solidFill>
+                <a:schemeClr val="tx1"/>
+              </a:solidFill>
+            </a:endParaRPr>
+          </a:p>
+          <a:p>
+            <a:r>
+              <a:rPr lang="en-US" sz="2400" dirty="0">
+                <a:solidFill>
+                  <a:schemeClr val="tx1"/>
+                </a:solidFill>
+              </a:rPr>
+              <a:t>Joined</a:t>
+            </a:r>
+            <a:r>
+              <a:rPr lang="bg-BG" sz="2400" dirty="0">
+                <a:solidFill>
+                  <a:schemeClr val="tx1"/>
+                </a:solidFill>
+              </a:rPr>
+              <a:t> – всеки клас е в отделна таблица </a:t>
+            </a:r>
+            <a:r>
+              <a:rPr lang="bg-BG" sz="2400" dirty="0" err="1">
+                <a:solidFill>
+                  <a:schemeClr val="tx1"/>
+                </a:solidFill>
+              </a:rPr>
+              <a:t>акто</a:t>
+            </a:r>
+            <a:endParaRPr lang="en-US" sz="2400" dirty="0">
+              <a:solidFill>
+                <a:schemeClr val="tx1"/>
+              </a:solidFill>
+            </a:endParaRPr>
+          </a:p>
+          <a:p>
+            <a:endParaRPr lang="en-US" sz="2500" dirty="0">
+              <a:solidFill>
+                <a:schemeClr val="tx1"/>
+              </a:solidFill>
+            </a:endParaRPr>
+          </a:p>
+        </p:txBody>
+      </p:sp>
+      <p:sp>
+        <p:nvSpPr>
+          <p:cNvPr id="7" name="Title 1"/>
+          <p:cNvSpPr txBox="1">
+            <a:spLocks/>
+          </p:cNvSpPr>
+          <p:nvPr/>
         </p:nvSpPr>
         <p:spPr>
           <a:xfrm>
-            <a:off x="684212" y="1385047"/>
-            <a:ext cx="10512706" cy="3348318"/>
+            <a:off x="214746" y="191510"/>
+            <a:ext cx="10515600" cy="1325563"/>
           </a:xfrm>
+          <a:prstGeom prst="rect">
+            <a:avLst/>
+          </a:prstGeom>
         </p:spPr>
         <p:txBody>
-          <a:bodyPr>
+          <a:bodyPr vert="horz" lIns="91440" tIns="45720" rIns="91440" bIns="45720" rtlCol="0" anchor="ctr">
             <a:normAutofit/>
           </a:bodyPr>
-          <a:lstStyle/>
-          <a:p>
-            <a:r>
-              <a:rPr lang="bg-BG" sz="2200" dirty="0" smtClean="0">
-                <a:solidFill>
-                  <a:schemeClr val="tx2">
-                    <a:lumMod val="40000"/>
-                    <a:lumOff val="60000"/>
-                  </a:schemeClr>
-                </a:solidFill>
-              </a:rPr>
-              <a:t>Главната употреба на </a:t>
-            </a:r>
-            <a:r>
-              <a:rPr lang="en-US" sz="2200" dirty="0" err="1" smtClean="0">
-                <a:solidFill>
-                  <a:schemeClr val="tx2">
-                    <a:lumMod val="40000"/>
-                    <a:lumOff val="60000"/>
-                  </a:schemeClr>
-                </a:solidFill>
-              </a:rPr>
-              <a:t>EntityManager</a:t>
-            </a:r>
-            <a:r>
-              <a:rPr lang="en-US" sz="2200" dirty="0" smtClean="0">
-                <a:solidFill>
-                  <a:schemeClr val="tx2">
-                    <a:lumMod val="40000"/>
-                    <a:lumOff val="60000"/>
-                  </a:schemeClr>
-                </a:solidFill>
-              </a:rPr>
-              <a:t> </a:t>
-            </a:r>
-            <a:r>
-              <a:rPr lang="bg-BG" sz="2200" dirty="0" smtClean="0">
-                <a:solidFill>
-                  <a:schemeClr val="tx2">
-                    <a:lumMod val="40000"/>
-                    <a:lumOff val="60000"/>
-                  </a:schemeClr>
-                </a:solidFill>
-              </a:rPr>
-              <a:t>е като </a:t>
-            </a:r>
-            <a:r>
-              <a:rPr lang="en-US" sz="2200" dirty="0" smtClean="0">
-                <a:solidFill>
-                  <a:schemeClr val="tx2">
-                    <a:lumMod val="40000"/>
-                    <a:lumOff val="60000"/>
-                  </a:schemeClr>
-                </a:solidFill>
-              </a:rPr>
-              <a:t>DAO </a:t>
-            </a:r>
-            <a:r>
-              <a:rPr lang="bg-BG" sz="2200" dirty="0" smtClean="0">
-                <a:solidFill>
-                  <a:schemeClr val="tx2">
-                    <a:lumMod val="40000"/>
-                    <a:lumOff val="60000"/>
-                  </a:schemeClr>
-                </a:solidFill>
-              </a:rPr>
-              <a:t>интерфейс за менаджиране на </a:t>
-            </a:r>
-            <a:r>
-              <a:rPr lang="en-US" sz="2200" dirty="0" smtClean="0">
-                <a:solidFill>
-                  <a:schemeClr val="tx2">
-                    <a:lumMod val="40000"/>
-                    <a:lumOff val="60000"/>
-                  </a:schemeClr>
-                </a:solidFill>
-              </a:rPr>
-              <a:t>entity </a:t>
-            </a:r>
-            <a:r>
-              <a:rPr lang="bg-BG" sz="2200" dirty="0" smtClean="0">
-                <a:solidFill>
-                  <a:schemeClr val="tx2">
-                    <a:lumMod val="40000"/>
-                    <a:lumOff val="60000"/>
-                  </a:schemeClr>
-                </a:solidFill>
-              </a:rPr>
-              <a:t>инстанициите, т.е. креиране и махане на инстации, намиране на </a:t>
-            </a:r>
-            <a:r>
-              <a:rPr lang="en-US" sz="2200" dirty="0" smtClean="0">
-                <a:solidFill>
-                  <a:schemeClr val="tx2">
-                    <a:lumMod val="40000"/>
-                    <a:lumOff val="60000"/>
-                  </a:schemeClr>
-                </a:solidFill>
-              </a:rPr>
-              <a:t>entities </a:t>
-            </a:r>
-            <a:r>
-              <a:rPr lang="bg-BG" sz="2200" dirty="0" smtClean="0">
-                <a:solidFill>
-                  <a:schemeClr val="tx2">
-                    <a:lumMod val="40000"/>
-                    <a:lumOff val="60000"/>
-                  </a:schemeClr>
-                </a:solidFill>
-              </a:rPr>
-              <a:t>по техния ключ и извършване заявки върху обекти.</a:t>
-            </a:r>
-          </a:p>
-          <a:p>
-            <a:r>
-              <a:rPr lang="en-US" sz="2200" dirty="0" err="1" smtClean="0">
-                <a:solidFill>
-                  <a:schemeClr val="tx2">
-                    <a:lumMod val="40000"/>
-                    <a:lumOff val="60000"/>
-                  </a:schemeClr>
-                </a:solidFill>
-              </a:rPr>
-              <a:t>EntityManager</a:t>
-            </a:r>
-            <a:r>
-              <a:rPr lang="en-US" sz="2200" dirty="0" smtClean="0">
-                <a:solidFill>
-                  <a:schemeClr val="tx2">
-                    <a:lumMod val="40000"/>
-                    <a:lumOff val="60000"/>
-                  </a:schemeClr>
-                </a:solidFill>
-              </a:rPr>
-              <a:t> </a:t>
-            </a:r>
-            <a:r>
-              <a:rPr lang="bg-BG" sz="2200" dirty="0" smtClean="0">
-                <a:solidFill>
-                  <a:schemeClr val="tx2">
-                    <a:lumMod val="40000"/>
-                    <a:lumOff val="60000"/>
-                  </a:schemeClr>
-                </a:solidFill>
-              </a:rPr>
-              <a:t>е отговорен за следене на промените на </a:t>
-            </a:r>
-            <a:r>
-              <a:rPr lang="en-US" sz="2200" dirty="0" err="1" smtClean="0">
-                <a:solidFill>
-                  <a:schemeClr val="tx2">
-                    <a:lumMod val="40000"/>
-                    <a:lumOff val="60000"/>
-                  </a:schemeClr>
-                </a:solidFill>
-              </a:rPr>
-              <a:t>entitiy</a:t>
-            </a:r>
-            <a:r>
-              <a:rPr lang="en-US" sz="2200" dirty="0" smtClean="0">
-                <a:solidFill>
-                  <a:schemeClr val="tx2">
-                    <a:lumMod val="40000"/>
-                    <a:lumOff val="60000"/>
-                  </a:schemeClr>
-                </a:solidFill>
-              </a:rPr>
-              <a:t> </a:t>
-            </a:r>
-            <a:r>
-              <a:rPr lang="bg-BG" sz="2200" dirty="0" smtClean="0">
-                <a:solidFill>
-                  <a:schemeClr val="tx2">
-                    <a:lumMod val="40000"/>
-                    <a:lumOff val="60000"/>
-                  </a:schemeClr>
-                </a:solidFill>
-              </a:rPr>
-              <a:t>обектите и отразяването на промените в базата</a:t>
-            </a:r>
+          <a:lstStyle>
+            <a:lvl1pPr algn="l" defTabSz="914400" rtl="0" eaLnBrk="1" latinLnBrk="0" hangingPunct="1">
+              <a:lnSpc>
+                <a:spcPct val="90000"/>
+              </a:lnSpc>
+              <a:spcBef>
+                <a:spcPct val="0"/>
+              </a:spcBef>
+              <a:buNone/>
+              <a:defRPr sz="4400" kern="1200">
+                <a:solidFill>
+                  <a:schemeClr val="tx1"/>
+                </a:solidFill>
+                <a:latin typeface="+mj-lt"/>
+                <a:ea typeface="+mj-ea"/>
+                <a:cs typeface="+mj-cs"/>
+              </a:defRPr>
+            </a:lvl1pPr>
+          </a:lstStyle>
+          <a:p>
+            <a:pPr algn="ctr"/>
+            <a:r>
+              <a:rPr lang="en-US" b="1" dirty="0"/>
+              <a:t>Entity Inheritance</a:t>
+            </a:r>
+            <a:endParaRPr lang="en-US" dirty="0"/>
           </a:p>
         </p:txBody>
       </p:sp>
     </p:spTree>
     <p:extLst>
       <p:ext uri="{BB962C8B-B14F-4D97-AF65-F5344CB8AC3E}">
-        <p14:creationId xmlns:p14="http://schemas.microsoft.com/office/powerpoint/2010/main" val="3939283044"/>
+        <p14:creationId xmlns:p14="http://schemas.microsoft.com/office/powerpoint/2010/main" val="1032472166"/>
       </p:ext>
     </p:extLst>
   </p:cSld>
@@ -7611,8 +8561,8 @@
         </p:nvSpPr>
         <p:spPr>
           <a:xfrm>
-            <a:off x="621459" y="1559858"/>
-            <a:ext cx="10440988" cy="3092824"/>
+            <a:off x="767338" y="1517073"/>
+            <a:ext cx="9134043" cy="4708236"/>
           </a:xfrm>
         </p:spPr>
         <p:txBody>
@@ -7621,197 +8571,44 @@
           </a:bodyPr>
           <a:lstStyle/>
           <a:p>
-            <a:r>
-              <a:rPr lang="en-US" sz="2200" dirty="0" err="1" smtClean="0">
-                <a:solidFill>
-                  <a:schemeClr val="tx2">
-                    <a:lumMod val="40000"/>
-                    <a:lumOff val="60000"/>
-                  </a:schemeClr>
-                </a:solidFill>
-              </a:rPr>
-              <a:t>JpaRepository</a:t>
-            </a:r>
-            <a:r>
-              <a:rPr lang="en-US" sz="2200" dirty="0" smtClean="0">
-                <a:solidFill>
-                  <a:schemeClr val="tx2">
-                    <a:lumMod val="40000"/>
-                    <a:lumOff val="60000"/>
-                  </a:schemeClr>
-                </a:solidFill>
-              </a:rPr>
-              <a:t> </a:t>
-            </a:r>
-            <a:r>
-              <a:rPr lang="bg-BG" sz="2200" dirty="0" smtClean="0">
-                <a:solidFill>
-                  <a:schemeClr val="tx2">
-                    <a:lumMod val="40000"/>
-                    <a:lumOff val="60000"/>
-                  </a:schemeClr>
-                </a:solidFill>
-              </a:rPr>
-              <a:t>ни е абстракция на </a:t>
-            </a:r>
-            <a:r>
-              <a:rPr lang="en-US" sz="2200" dirty="0" smtClean="0">
-                <a:solidFill>
-                  <a:schemeClr val="tx2">
-                    <a:lumMod val="40000"/>
-                    <a:lumOff val="60000"/>
-                  </a:schemeClr>
-                </a:solidFill>
-              </a:rPr>
-              <a:t>DAO </a:t>
-            </a:r>
-            <a:r>
-              <a:rPr lang="bg-BG" sz="2200" dirty="0" smtClean="0">
-                <a:solidFill>
-                  <a:schemeClr val="tx2">
-                    <a:lumMod val="40000"/>
-                    <a:lumOff val="60000"/>
-                  </a:schemeClr>
-                </a:solidFill>
-              </a:rPr>
-              <a:t>слой, той позволява на разработчиците да се абстрахират от </a:t>
-            </a:r>
-            <a:r>
-              <a:rPr lang="en-US" sz="2200" dirty="0" smtClean="0">
-                <a:solidFill>
-                  <a:schemeClr val="tx2">
-                    <a:lumMod val="40000"/>
-                    <a:lumOff val="60000"/>
-                  </a:schemeClr>
-                </a:solidFill>
-              </a:rPr>
-              <a:t>boilerplate code </a:t>
-            </a:r>
-          </a:p>
-          <a:p>
-            <a:r>
-              <a:rPr lang="en-US" sz="2200" dirty="0" err="1" smtClean="0">
-                <a:solidFill>
-                  <a:schemeClr val="tx2">
-                    <a:lumMod val="40000"/>
-                    <a:lumOff val="60000"/>
-                  </a:schemeClr>
-                </a:solidFill>
-              </a:rPr>
-              <a:t>JpaRepository</a:t>
-            </a:r>
-            <a:r>
-              <a:rPr lang="en-US" sz="2200" dirty="0" smtClean="0">
-                <a:solidFill>
-                  <a:schemeClr val="tx2">
-                    <a:lumMod val="40000"/>
-                    <a:lumOff val="60000"/>
-                  </a:schemeClr>
-                </a:solidFill>
-              </a:rPr>
-              <a:t> </a:t>
-            </a:r>
-            <a:r>
-              <a:rPr lang="bg-BG" sz="2200" dirty="0" smtClean="0">
-                <a:solidFill>
-                  <a:schemeClr val="tx2">
-                    <a:lumMod val="40000"/>
-                    <a:lumOff val="60000"/>
-                  </a:schemeClr>
-                </a:solidFill>
-              </a:rPr>
-              <a:t>вътрешно го използва </a:t>
-            </a:r>
-            <a:r>
-              <a:rPr lang="en-US" sz="2200" dirty="0" err="1" smtClean="0">
-                <a:solidFill>
-                  <a:schemeClr val="tx2">
-                    <a:lumMod val="40000"/>
-                    <a:lumOff val="60000"/>
-                  </a:schemeClr>
-                </a:solidFill>
-              </a:rPr>
-              <a:t>EntityManager</a:t>
-            </a:r>
-            <a:endParaRPr lang="en-US" sz="2200" dirty="0" smtClean="0">
+            <a:pPr marL="0" indent="0">
+              <a:buNone/>
+            </a:pPr>
+            <a:r>
+              <a:rPr lang="en-US" sz="2500" dirty="0">
+                <a:solidFill>
+                  <a:schemeClr val="tx1"/>
+                </a:solidFill>
+              </a:rPr>
+              <a:t>Swagger </a:t>
+            </a:r>
+            <a:r>
+              <a:rPr lang="bg-BG" sz="2500" dirty="0">
+                <a:solidFill>
+                  <a:schemeClr val="tx1"/>
+                </a:solidFill>
+              </a:rPr>
+              <a:t>ни позволява да генерираме интерактивна документация, чрез която можем да оправяме заявки към </a:t>
+            </a:r>
+            <a:r>
+              <a:rPr lang="bg-BG" sz="2500">
+                <a:solidFill>
+                  <a:schemeClr val="tx1"/>
+                </a:solidFill>
+              </a:rPr>
+              <a:t>нашето приложение.</a:t>
+            </a:r>
+            <a:endParaRPr lang="en-US" sz="2500" dirty="0">
               <a:solidFill>
-                <a:schemeClr val="tx2">
-                  <a:lumMod val="40000"/>
-                  <a:lumOff val="60000"/>
-                </a:schemeClr>
+                <a:schemeClr val="tx1"/>
               </a:solidFill>
             </a:endParaRPr>
           </a:p>
-          <a:p>
-            <a:r>
-              <a:rPr lang="bg-BG" sz="2200" dirty="0" smtClean="0">
-                <a:solidFill>
-                  <a:schemeClr val="tx2">
-                    <a:lumMod val="40000"/>
-                    <a:lumOff val="60000"/>
-                  </a:schemeClr>
-                </a:solidFill>
-              </a:rPr>
-              <a:t>Главното приложение му е за </a:t>
-            </a:r>
-            <a:r>
-              <a:rPr lang="en-US" sz="2200" dirty="0" smtClean="0">
-                <a:solidFill>
-                  <a:schemeClr val="tx2">
-                    <a:lumMod val="40000"/>
-                    <a:lumOff val="60000"/>
-                  </a:schemeClr>
-                </a:solidFill>
-              </a:rPr>
-              <a:t>CRUD </a:t>
-            </a:r>
-            <a:r>
-              <a:rPr lang="bg-BG" sz="2200" dirty="0" smtClean="0">
-                <a:solidFill>
-                  <a:schemeClr val="tx2">
-                    <a:lumMod val="40000"/>
-                    <a:lumOff val="60000"/>
-                  </a:schemeClr>
-                </a:solidFill>
-              </a:rPr>
-              <a:t>операции, пагинация (</a:t>
-            </a:r>
-            <a:r>
-              <a:rPr lang="en-US" sz="2200" dirty="0" smtClean="0">
-                <a:solidFill>
-                  <a:schemeClr val="tx2">
-                    <a:lumMod val="40000"/>
-                    <a:lumOff val="60000"/>
-                  </a:schemeClr>
-                </a:solidFill>
-              </a:rPr>
-              <a:t>pagination</a:t>
-            </a:r>
-            <a:r>
-              <a:rPr lang="bg-BG" sz="2200" dirty="0" smtClean="0">
-                <a:solidFill>
-                  <a:schemeClr val="tx2">
-                    <a:lumMod val="40000"/>
-                    <a:lumOff val="60000"/>
-                  </a:schemeClr>
-                </a:solidFill>
-              </a:rPr>
-              <a:t>) и за сортиране</a:t>
-            </a:r>
-            <a:endParaRPr lang="en-US" sz="2200" dirty="0">
-              <a:solidFill>
-                <a:schemeClr val="tx2">
-                  <a:lumMod val="40000"/>
-                  <a:lumOff val="60000"/>
-                </a:schemeClr>
-              </a:solidFill>
-            </a:endParaRPr>
-          </a:p>
-        </p:txBody>
-      </p:sp>
-      <p:sp>
-        <p:nvSpPr>
-          <p:cNvPr id="5" name="Title 1"/>
+        </p:txBody>
+      </p:sp>
+      <p:sp>
+        <p:nvSpPr>
+          <p:cNvPr id="7" name="Title 1"/>
           <p:cNvSpPr txBox="1">
             <a:spLocks/>
           </p:cNvSpPr>
@@ -7819,7 +8616,7 @@
         </p:nvSpPr>
         <p:spPr>
           <a:xfrm>
-            <a:off x="584153" y="478381"/>
+            <a:off x="214746" y="191510"/>
             <a:ext cx="10515600" cy="1325563"/>
           </a:xfrm>
           <a:prstGeom prst="rect">
@@ -7852,8 +8649,16 @@
           <a:p>
             <a:pPr algn="ctr"/>
             <a:r>
-              <a:rPr lang="en-US" b="1" dirty="0" err="1" smtClean="0"/>
-              <a:t>JpaRepository</a:t>
+              <a:rPr lang="en-US" b="1" dirty="0"/>
+              <a:t>SWAGGER</a:t>
+            </a:r>
+            <a:r>
+              <a:rPr lang="bg-BG" b="1" dirty="0"/>
+              <a:t>-</a:t>
+            </a:r>
+            <a:r>
+              <a:rPr lang="en-US" b="1" dirty="0"/>
+              <a:t>UI</a:t>
             </a:r>
             <a:endParaRPr lang="en-US" dirty="0"/>
           </a:p>
@@ -7862,7 +8667,7 @@
     </p:spTree>
     <p:extLst>
       <p:ext uri="{BB962C8B-B14F-4D97-AF65-F5344CB8AC3E}">
-        <p14:creationId xmlns:p14="http://schemas.microsoft.com/office/powerpoint/2010/main" val="1819422131"/>
+        <p14:creationId xmlns:p14="http://schemas.microsoft.com/office/powerpoint/2010/main" val="3735703567"/>
       </p:ext>
     </p:extLst>
   </p:cSld>
@@ -7901,7 +8706,7 @@
         </p:nvSpPr>
         <p:spPr>
           <a:xfrm>
-            <a:off x="1494068" y="66737"/>
+            <a:off x="1865562" y="321731"/>
             <a:ext cx="8534400" cy="1507067"/>
           </a:xfrm>
         </p:spPr>
@@ -7913,9 +8718,10 @@
           <a:p>
             <a:pPr algn="ctr"/>
             <a:r>
-              <a:rPr lang="en-US" b="1" dirty="0"/>
-              <a:t>Transactions</a:t>
-            </a:r>
+              <a:rPr lang="bg-BG" b="1" dirty="0"/>
+              <a:t>Конекция с базата данни</a:t>
+            </a:r>
+            <a:endParaRPr lang="en-US" b="1" dirty="0"/>
           </a:p>
         </p:txBody>
       </p:sp>
@@ -7931,61 +8737,77 @@
         </p:nvSpPr>
         <p:spPr>
           <a:xfrm>
-            <a:off x="854539" y="820271"/>
-            <a:ext cx="10754755" cy="5867400"/>
+            <a:off x="1039268" y="1828798"/>
+            <a:ext cx="10186989" cy="3508733"/>
           </a:xfrm>
         </p:spPr>
         <p:txBody>
-          <a:bodyPr>
-            <a:normAutofit/>
-          </a:bodyPr>
+          <a:bodyPr/>
           <a:lstStyle/>
           <a:p>
-            <a:r>
-              <a:rPr lang="en-US" sz="2200" dirty="0" smtClean="0">
-                <a:solidFill>
-                  <a:schemeClr val="tx2">
-                    <a:lumMod val="40000"/>
-                    <a:lumOff val="60000"/>
-                  </a:schemeClr>
-                </a:solidFill>
-              </a:rPr>
-              <a:t>@Transactional</a:t>
-            </a:r>
-            <a:r>
-              <a:rPr lang="bg-BG" sz="2200" dirty="0" smtClean="0">
-                <a:solidFill>
-                  <a:schemeClr val="tx2">
-                    <a:lumMod val="40000"/>
-                    <a:lumOff val="60000"/>
-                  </a:schemeClr>
-                </a:solidFill>
-              </a:rPr>
-              <a:t> – слага се върху метод и означава че се отваря една транзакция, при успешно приключване тя се комитва, а при възникнала грешка всички промени се </a:t>
-            </a:r>
-            <a:r>
-              <a:rPr lang="en-US" sz="2200" dirty="0" smtClean="0">
-                <a:solidFill>
-                  <a:schemeClr val="tx2">
-                    <a:lumMod val="40000"/>
-                    <a:lumOff val="60000"/>
-                  </a:schemeClr>
-                </a:solidFill>
-              </a:rPr>
-              <a:t>rollback</a:t>
-            </a:r>
-            <a:r>
-              <a:rPr lang="bg-BG" sz="2200" dirty="0" smtClean="0">
-                <a:solidFill>
-                  <a:schemeClr val="tx2">
-                    <a:lumMod val="40000"/>
-                    <a:lumOff val="60000"/>
-                  </a:schemeClr>
-                </a:solidFill>
-              </a:rPr>
-              <a:t>-ват</a:t>
-            </a:r>
-            <a:endParaRPr lang="bg-BG" sz="2200" dirty="0" smtClean="0">
+            <a:pPr marL="0" indent="0">
+              <a:buNone/>
+            </a:pPr>
+            <a:r>
+              <a:rPr lang="bg-BG" dirty="0">
+                <a:solidFill>
+                  <a:schemeClr val="tx2">
+                    <a:lumMod val="40000"/>
+                    <a:lumOff val="60000"/>
+                  </a:schemeClr>
+                </a:solidFill>
+              </a:rPr>
+              <a:t>Различни начини за работа с база от данни със </a:t>
+            </a:r>
+            <a:r>
+              <a:rPr lang="en-US" dirty="0">
+                <a:solidFill>
+                  <a:schemeClr val="tx2">
+                    <a:lumMod val="40000"/>
+                    <a:lumOff val="60000"/>
+                  </a:schemeClr>
+                </a:solidFill>
+              </a:rPr>
+              <a:t>Spring-</a:t>
+            </a:r>
+            <a:r>
+              <a:rPr lang="bg-BG" dirty="0">
+                <a:solidFill>
+                  <a:schemeClr val="tx2">
+                    <a:lumMod val="40000"/>
+                    <a:lumOff val="60000"/>
+                  </a:schemeClr>
+                </a:solidFill>
+              </a:rPr>
+              <a:t>ово приложение:</a:t>
+            </a:r>
+          </a:p>
+          <a:p>
+            <a:r>
+              <a:rPr lang="en-US" dirty="0">
+                <a:solidFill>
+                  <a:schemeClr val="tx2">
+                    <a:lumMod val="40000"/>
+                    <a:lumOff val="60000"/>
+                  </a:schemeClr>
+                </a:solidFill>
+              </a:rPr>
+              <a:t>JDBC</a:t>
+            </a:r>
+          </a:p>
+          <a:p>
+            <a:r>
+              <a:rPr lang="en-US" dirty="0" err="1">
+                <a:solidFill>
+                  <a:schemeClr val="tx2">
+                    <a:lumMod val="40000"/>
+                    <a:lumOff val="60000"/>
+                  </a:schemeClr>
+                </a:solidFill>
+              </a:rPr>
+              <a:t>JdbcTemplate</a:t>
+            </a:r>
+            <a:endParaRPr lang="en-US" dirty="0">
               <a:solidFill>
                 <a:schemeClr val="tx2">
                   <a:lumMod val="40000"/>
@@ -7996,155 +8818,91 @@
           </a:p>
           <a:p>
             <a:r>
-              <a:rPr lang="bg-BG" sz="2200" dirty="0" smtClean="0">
-                <a:solidFill>
-                  <a:schemeClr val="tx2">
-                    <a:lumMod val="40000"/>
-                    <a:lumOff val="60000"/>
-                  </a:schemeClr>
-                </a:solidFill>
-              </a:rPr>
-              <a:t>Когато е сложена анотацията върху клас, всички методи на класа са в транзакция</a:t>
-            </a:r>
-          </a:p>
-          <a:p>
-            <a:r>
-              <a:rPr lang="bg-BG" sz="2200" dirty="0" smtClean="0">
-                <a:solidFill>
-                  <a:schemeClr val="tx2">
-                    <a:lumMod val="40000"/>
-                    <a:lumOff val="60000"/>
-                  </a:schemeClr>
-                </a:solidFill>
-              </a:rPr>
-              <a:t>Характеристики на анотацията:</a:t>
-            </a:r>
-          </a:p>
-          <a:p>
-            <a:pPr>
-              <a:buFont typeface="Wingdings" panose="05000000000000000000" pitchFamily="2" charset="2"/>
-              <a:buChar char="§"/>
-            </a:pPr>
-            <a:r>
-              <a:rPr lang="en-US" sz="2100" i="1" dirty="0">
-                <a:solidFill>
-                  <a:schemeClr val="tx2"/>
-                </a:solidFill>
-              </a:rPr>
-              <a:t>Propagation </a:t>
-            </a:r>
-            <a:endParaRPr lang="bg-BG" sz="2100" i="1" dirty="0" smtClean="0">
-              <a:solidFill>
-                <a:schemeClr val="tx2"/>
-              </a:solidFill>
-            </a:endParaRPr>
-          </a:p>
-          <a:p>
-            <a:pPr>
-              <a:buFont typeface="Wingdings" panose="05000000000000000000" pitchFamily="2" charset="2"/>
-              <a:buChar char="§"/>
-            </a:pPr>
-            <a:r>
-              <a:rPr lang="en-US" sz="2100" i="1" dirty="0">
-                <a:solidFill>
-                  <a:schemeClr val="tx2"/>
-                </a:solidFill>
-              </a:rPr>
-              <a:t>Isolation </a:t>
-            </a:r>
-            <a:endParaRPr lang="bg-BG" sz="2100" i="1" dirty="0" smtClean="0">
-              <a:solidFill>
-                <a:schemeClr val="tx2"/>
-              </a:solidFill>
-            </a:endParaRPr>
-          </a:p>
-          <a:p>
-            <a:pPr>
-              <a:buFont typeface="Wingdings" panose="05000000000000000000" pitchFamily="2" charset="2"/>
-              <a:buChar char="§"/>
-            </a:pPr>
-            <a:r>
-              <a:rPr lang="en-US" sz="2100" i="1" dirty="0" smtClean="0">
-                <a:solidFill>
-                  <a:schemeClr val="tx2"/>
-                </a:solidFill>
-              </a:rPr>
-              <a:t>Timeout</a:t>
-            </a:r>
-            <a:r>
-              <a:rPr lang="en-US" sz="2100" dirty="0">
-                <a:solidFill>
-                  <a:schemeClr val="tx2"/>
-                </a:solidFill>
-              </a:rPr>
-              <a:t> </a:t>
-            </a:r>
-            <a:endParaRPr lang="bg-BG" sz="2100" dirty="0" smtClean="0">
-              <a:solidFill>
-                <a:schemeClr val="tx2"/>
-              </a:solidFill>
-            </a:endParaRPr>
-          </a:p>
-          <a:p>
-            <a:pPr>
-              <a:buFont typeface="Wingdings" panose="05000000000000000000" pitchFamily="2" charset="2"/>
-              <a:buChar char="§"/>
-            </a:pPr>
-            <a:r>
-              <a:rPr lang="en-US" sz="2100" i="1" dirty="0" err="1">
-                <a:solidFill>
-                  <a:schemeClr val="tx2"/>
-                </a:solidFill>
-              </a:rPr>
-              <a:t>readOnly</a:t>
-            </a:r>
-            <a:r>
-              <a:rPr lang="en-US" sz="2100" i="1" dirty="0">
-                <a:solidFill>
-                  <a:schemeClr val="tx2"/>
-                </a:solidFill>
-              </a:rPr>
-              <a:t> </a:t>
-            </a:r>
-            <a:endParaRPr lang="bg-BG" sz="2100" i="1" dirty="0" smtClean="0">
-              <a:solidFill>
-                <a:schemeClr val="tx2"/>
-              </a:solidFill>
-            </a:endParaRPr>
-          </a:p>
-          <a:p>
-            <a:pPr>
-              <a:buFont typeface="Wingdings" panose="05000000000000000000" pitchFamily="2" charset="2"/>
-              <a:buChar char="§"/>
-            </a:pPr>
-            <a:r>
-              <a:rPr lang="en-US" sz="2100" i="1" dirty="0">
-                <a:solidFill>
-                  <a:schemeClr val="tx2"/>
-                </a:solidFill>
-              </a:rPr>
-              <a:t>Rollback</a:t>
-            </a:r>
-            <a:r>
-              <a:rPr lang="en-US" sz="2100" dirty="0">
-                <a:solidFill>
-                  <a:schemeClr val="tx2"/>
-                </a:solidFill>
-              </a:rPr>
-              <a:t> rules</a:t>
-            </a:r>
-            <a:endParaRPr lang="en-US" sz="2100" dirty="0">
-              <a:solidFill>
-                <a:schemeClr val="tx2"/>
-              </a:solidFill>
-            </a:endParaRPr>
+              <a:rPr lang="en-US" dirty="0">
+                <a:solidFill>
+                  <a:schemeClr val="tx2">
+                    <a:lumMod val="40000"/>
+                    <a:lumOff val="60000"/>
+                  </a:schemeClr>
+                </a:solidFill>
+              </a:rPr>
+              <a:t>JPA (</a:t>
+            </a:r>
+            <a:r>
+              <a:rPr lang="bg-BG" dirty="0">
+                <a:solidFill>
+                  <a:schemeClr val="tx2">
+                    <a:lumMod val="40000"/>
+                    <a:lumOff val="60000"/>
+                  </a:schemeClr>
+                </a:solidFill>
+              </a:rPr>
+              <a:t>съдржа </a:t>
+            </a:r>
+            <a:r>
+              <a:rPr lang="en-US" dirty="0" err="1">
+                <a:solidFill>
+                  <a:schemeClr val="tx2">
+                    <a:lumMod val="40000"/>
+                    <a:lumOff val="60000"/>
+                  </a:schemeClr>
+                </a:solidFill>
+              </a:rPr>
+              <a:t>EntityManager</a:t>
+            </a:r>
+            <a:r>
+              <a:rPr lang="en-US" dirty="0">
+                <a:solidFill>
+                  <a:schemeClr val="tx2">
+                    <a:lumMod val="40000"/>
+                    <a:lumOff val="60000"/>
+                  </a:schemeClr>
+                </a:solidFill>
+              </a:rPr>
+              <a:t>)</a:t>
+            </a:r>
+          </a:p>
+          <a:p>
+            <a:r>
+              <a:rPr lang="en-US" dirty="0">
+                <a:solidFill>
+                  <a:schemeClr val="tx2">
+                    <a:lumMod val="40000"/>
+                    <a:lumOff val="60000"/>
+                  </a:schemeClr>
+                </a:solidFill>
+              </a:rPr>
+              <a:t>Spring Data JPA (</a:t>
+            </a:r>
+            <a:r>
+              <a:rPr lang="bg-BG" dirty="0">
+                <a:solidFill>
+                  <a:schemeClr val="tx2">
+                    <a:lumMod val="40000"/>
+                    <a:lumOff val="60000"/>
+                  </a:schemeClr>
+                </a:solidFill>
+              </a:rPr>
+              <a:t>съдржа</a:t>
+            </a:r>
+            <a:r>
+              <a:rPr lang="en-US" dirty="0">
+                <a:solidFill>
+                  <a:schemeClr val="tx2">
+                    <a:lumMod val="40000"/>
+                    <a:lumOff val="60000"/>
+                  </a:schemeClr>
+                </a:solidFill>
+              </a:rPr>
+              <a:t> Repository)</a:t>
+            </a:r>
           </a:p>
         </p:txBody>
       </p:sp>
     </p:spTree>
     <p:extLst>
       <p:ext uri="{BB962C8B-B14F-4D97-AF65-F5344CB8AC3E}">
-        <p14:creationId xmlns:p14="http://schemas.microsoft.com/office/powerpoint/2010/main" val="2730263031"/>
+        <p14:creationId xmlns:p14="http://schemas.microsoft.com/office/powerpoint/2010/main" val="2761543991"/>
       </p:ext>
     </p:extLst>
   </p:cSld>

--- a/PropertiesFile-CRUD.pptx
+++ b/PropertiesFile-CRUD.pptx
@@ -316,7 +316,7 @@
           <a:p>
             <a:fld id="{28CF3BA0-83D9-4CD6-95D3-DB9AB7C8E2E3}" type="datetimeFigureOut">
               <a:rPr lang="en-US" smtClean="0"/>
-              <a:t>11/28/2022</a:t>
+              <a:t>11/29/2022</a:t>
             </a:fld>
             <a:endParaRPr lang="en-US"/>
           </a:p>
@@ -752,7 +752,7 @@
           <a:p>
             <a:fld id="{28CF3BA0-83D9-4CD6-95D3-DB9AB7C8E2E3}" type="datetimeFigureOut">
               <a:rPr lang="en-US" smtClean="0"/>
-              <a:t>11/28/2022</a:t>
+              <a:t>11/29/2022</a:t>
             </a:fld>
             <a:endParaRPr lang="en-US"/>
           </a:p>
@@ -1002,7 +1002,7 @@
           <a:p>
             <a:fld id="{28CF3BA0-83D9-4CD6-95D3-DB9AB7C8E2E3}" type="datetimeFigureOut">
               <a:rPr lang="en-US" smtClean="0"/>
-              <a:t>11/28/2022</a:t>
+              <a:t>11/29/2022</a:t>
             </a:fld>
             <a:endParaRPr lang="en-US"/>
           </a:p>
@@ -1310,7 +1310,7 @@
           <a:p>
             <a:fld id="{28CF3BA0-83D9-4CD6-95D3-DB9AB7C8E2E3}" type="datetimeFigureOut">
               <a:rPr lang="en-US" smtClean="0"/>
-              <a:t>11/28/2022</a:t>
+              <a:t>11/29/2022</a:t>
             </a:fld>
             <a:endParaRPr lang="en-US"/>
           </a:p>
@@ -1628,7 +1628,7 @@
           <a:p>
             <a:fld id="{28CF3BA0-83D9-4CD6-95D3-DB9AB7C8E2E3}" type="datetimeFigureOut">
               <a:rPr lang="en-US" smtClean="0"/>
-              <a:t>11/28/2022</a:t>
+              <a:t>11/29/2022</a:t>
             </a:fld>
             <a:endParaRPr lang="en-US"/>
           </a:p>
@@ -1930,7 +1930,7 @@
           <a:p>
             <a:fld id="{28CF3BA0-83D9-4CD6-95D3-DB9AB7C8E2E3}" type="datetimeFigureOut">
               <a:rPr lang="en-US" smtClean="0"/>
-              <a:t>11/28/2022</a:t>
+              <a:t>11/29/2022</a:t>
             </a:fld>
             <a:endParaRPr lang="en-US"/>
           </a:p>
@@ -2297,7 +2297,7 @@
           <a:p>
             <a:fld id="{28CF3BA0-83D9-4CD6-95D3-DB9AB7C8E2E3}" type="datetimeFigureOut">
               <a:rPr lang="en-US" smtClean="0"/>
-              <a:t>11/28/2022</a:t>
+              <a:t>11/29/2022</a:t>
             </a:fld>
             <a:endParaRPr lang="en-US"/>
           </a:p>
@@ -2471,7 +2471,7 @@
           <a:p>
             <a:fld id="{28CF3BA0-83D9-4CD6-95D3-DB9AB7C8E2E3}" type="datetimeFigureOut">
               <a:rPr lang="en-US" smtClean="0"/>
-              <a:t>11/28/2022</a:t>
+              <a:t>11/29/2022</a:t>
             </a:fld>
             <a:endParaRPr lang="en-US"/>
           </a:p>
@@ -2651,7 +2651,7 @@
           <a:p>
             <a:fld id="{28CF3BA0-83D9-4CD6-95D3-DB9AB7C8E2E3}" type="datetimeFigureOut">
               <a:rPr lang="en-US" smtClean="0"/>
-              <a:t>11/28/2022</a:t>
+              <a:t>11/29/2022</a:t>
             </a:fld>
             <a:endParaRPr lang="en-US"/>
           </a:p>
@@ -2821,7 +2821,7 @@
           <a:p>
             <a:fld id="{28CF3BA0-83D9-4CD6-95D3-DB9AB7C8E2E3}" type="datetimeFigureOut">
               <a:rPr lang="en-US" smtClean="0"/>
-              <a:t>11/28/2022</a:t>
+              <a:t>11/29/2022</a:t>
             </a:fld>
             <a:endParaRPr lang="en-US"/>
           </a:p>
@@ -3071,7 +3071,7 @@
           <a:p>
             <a:fld id="{28CF3BA0-83D9-4CD6-95D3-DB9AB7C8E2E3}" type="datetimeFigureOut">
               <a:rPr lang="en-US" smtClean="0"/>
-              <a:t>11/28/2022</a:t>
+              <a:t>11/29/2022</a:t>
             </a:fld>
             <a:endParaRPr lang="en-US"/>
           </a:p>
@@ -3307,7 +3307,7 @@
           <a:p>
             <a:fld id="{28CF3BA0-83D9-4CD6-95D3-DB9AB7C8E2E3}" type="datetimeFigureOut">
               <a:rPr lang="en-US" smtClean="0"/>
-              <a:t>11/28/2022</a:t>
+              <a:t>11/29/2022</a:t>
             </a:fld>
             <a:endParaRPr lang="en-US"/>
           </a:p>
@@ -3689,7 +3689,7 @@
           <a:p>
             <a:fld id="{28CF3BA0-83D9-4CD6-95D3-DB9AB7C8E2E3}" type="datetimeFigureOut">
               <a:rPr lang="en-US" smtClean="0"/>
-              <a:t>11/28/2022</a:t>
+              <a:t>11/29/2022</a:t>
             </a:fld>
             <a:endParaRPr lang="en-US"/>
           </a:p>
@@ -3807,7 +3807,7 @@
           <a:p>
             <a:fld id="{28CF3BA0-83D9-4CD6-95D3-DB9AB7C8E2E3}" type="datetimeFigureOut">
               <a:rPr lang="en-US" smtClean="0"/>
-              <a:t>11/28/2022</a:t>
+              <a:t>11/29/2022</a:t>
             </a:fld>
             <a:endParaRPr lang="en-US"/>
           </a:p>
@@ -3902,7 +3902,7 @@
           <a:p>
             <a:fld id="{28CF3BA0-83D9-4CD6-95D3-DB9AB7C8E2E3}" type="datetimeFigureOut">
               <a:rPr lang="en-US" smtClean="0"/>
-              <a:t>11/28/2022</a:t>
+              <a:t>11/29/2022</a:t>
             </a:fld>
             <a:endParaRPr lang="en-US"/>
           </a:p>
@@ -4157,7 +4157,7 @@
           <a:p>
             <a:fld id="{28CF3BA0-83D9-4CD6-95D3-DB9AB7C8E2E3}" type="datetimeFigureOut">
               <a:rPr lang="en-US" smtClean="0"/>
-              <a:t>11/28/2022</a:t>
+              <a:t>11/29/2022</a:t>
             </a:fld>
             <a:endParaRPr lang="en-US"/>
           </a:p>
@@ -4440,7 +4440,7 @@
           <a:p>
             <a:fld id="{28CF3BA0-83D9-4CD6-95D3-DB9AB7C8E2E3}" type="datetimeFigureOut">
               <a:rPr lang="en-US" smtClean="0"/>
-              <a:t>11/28/2022</a:t>
+              <a:t>11/29/2022</a:t>
             </a:fld>
             <a:endParaRPr lang="en-US"/>
           </a:p>
@@ -4846,7 +4846,7 @@
           <a:p>
             <a:fld id="{28CF3BA0-83D9-4CD6-95D3-DB9AB7C8E2E3}" type="datetimeFigureOut">
               <a:rPr lang="en-US" smtClean="0"/>
-              <a:t>11/28/2022</a:t>
+              <a:t>11/29/2022</a:t>
             </a:fld>
             <a:endParaRPr lang="en-US"/>
           </a:p>
@@ -7250,12 +7250,12 @@
               <a:t>Използване </a:t>
             </a:r>
             <a:r>
-              <a:rPr lang="en-US" sz="2400" dirty="0">
+              <a:rPr lang="en-US" sz="2400" dirty="0" err="1">
                 <a:solidFill>
                   <a:schemeClr val="tx1"/>
                 </a:solidFill>
               </a:rPr>
-              <a:t>@DataSourceAutoConfiguration</a:t>
+              <a:t>DataSourceAutoConfiguration</a:t>
             </a:r>
             <a:endParaRPr lang="bg-BG" sz="2400" dirty="0">
               <a:solidFill>
